--- a/06_Plateforme_Bron/Plan_Rules.pptx
+++ b/06_Plateforme_Bron/Plan_Rules.pptx
@@ -290,7 +290,7 @@
           <a:p>
             <a:fld id="{B7FFA988-59B3-4D9E-89DD-156240CABD4D}" type="datetimeFigureOut">
               <a:rPr lang="fr-FR" smtClean="0"/>
-              <a:t>10/03/2019</a:t>
+              <a:t>11/03/2019</a:t>
             </a:fld>
             <a:endParaRPr lang="fr-FR"/>
           </a:p>
@@ -488,7 +488,7 @@
           <a:p>
             <a:fld id="{B7FFA988-59B3-4D9E-89DD-156240CABD4D}" type="datetimeFigureOut">
               <a:rPr lang="fr-FR" smtClean="0"/>
-              <a:t>10/03/2019</a:t>
+              <a:t>11/03/2019</a:t>
             </a:fld>
             <a:endParaRPr lang="fr-FR"/>
           </a:p>
@@ -696,7 +696,7 @@
           <a:p>
             <a:fld id="{B7FFA988-59B3-4D9E-89DD-156240CABD4D}" type="datetimeFigureOut">
               <a:rPr lang="fr-FR" smtClean="0"/>
-              <a:t>10/03/2019</a:t>
+              <a:t>11/03/2019</a:t>
             </a:fld>
             <a:endParaRPr lang="fr-FR"/>
           </a:p>
@@ -894,7 +894,7 @@
           <a:p>
             <a:fld id="{B7FFA988-59B3-4D9E-89DD-156240CABD4D}" type="datetimeFigureOut">
               <a:rPr lang="fr-FR" smtClean="0"/>
-              <a:t>10/03/2019</a:t>
+              <a:t>11/03/2019</a:t>
             </a:fld>
             <a:endParaRPr lang="fr-FR"/>
           </a:p>
@@ -1169,7 +1169,7 @@
           <a:p>
             <a:fld id="{B7FFA988-59B3-4D9E-89DD-156240CABD4D}" type="datetimeFigureOut">
               <a:rPr lang="fr-FR" smtClean="0"/>
-              <a:t>10/03/2019</a:t>
+              <a:t>11/03/2019</a:t>
             </a:fld>
             <a:endParaRPr lang="fr-FR"/>
           </a:p>
@@ -1434,7 +1434,7 @@
           <a:p>
             <a:fld id="{B7FFA988-59B3-4D9E-89DD-156240CABD4D}" type="datetimeFigureOut">
               <a:rPr lang="fr-FR" smtClean="0"/>
-              <a:t>10/03/2019</a:t>
+              <a:t>11/03/2019</a:t>
             </a:fld>
             <a:endParaRPr lang="fr-FR"/>
           </a:p>
@@ -1846,7 +1846,7 @@
           <a:p>
             <a:fld id="{B7FFA988-59B3-4D9E-89DD-156240CABD4D}" type="datetimeFigureOut">
               <a:rPr lang="fr-FR" smtClean="0"/>
-              <a:t>10/03/2019</a:t>
+              <a:t>11/03/2019</a:t>
             </a:fld>
             <a:endParaRPr lang="fr-FR"/>
           </a:p>
@@ -1987,7 +1987,7 @@
           <a:p>
             <a:fld id="{B7FFA988-59B3-4D9E-89DD-156240CABD4D}" type="datetimeFigureOut">
               <a:rPr lang="fr-FR" smtClean="0"/>
-              <a:t>10/03/2019</a:t>
+              <a:t>11/03/2019</a:t>
             </a:fld>
             <a:endParaRPr lang="fr-FR"/>
           </a:p>
@@ -2100,7 +2100,7 @@
           <a:p>
             <a:fld id="{B7FFA988-59B3-4D9E-89DD-156240CABD4D}" type="datetimeFigureOut">
               <a:rPr lang="fr-FR" smtClean="0"/>
-              <a:t>10/03/2019</a:t>
+              <a:t>11/03/2019</a:t>
             </a:fld>
             <a:endParaRPr lang="fr-FR"/>
           </a:p>
@@ -2411,7 +2411,7 @@
           <a:p>
             <a:fld id="{B7FFA988-59B3-4D9E-89DD-156240CABD4D}" type="datetimeFigureOut">
               <a:rPr lang="fr-FR" smtClean="0"/>
-              <a:t>10/03/2019</a:t>
+              <a:t>11/03/2019</a:t>
             </a:fld>
             <a:endParaRPr lang="fr-FR"/>
           </a:p>
@@ -2699,7 +2699,7 @@
           <a:p>
             <a:fld id="{B7FFA988-59B3-4D9E-89DD-156240CABD4D}" type="datetimeFigureOut">
               <a:rPr lang="fr-FR" smtClean="0"/>
-              <a:t>10/03/2019</a:t>
+              <a:t>11/03/2019</a:t>
             </a:fld>
             <a:endParaRPr lang="fr-FR"/>
           </a:p>
@@ -2940,7 +2940,7 @@
           <a:p>
             <a:fld id="{B7FFA988-59B3-4D9E-89DD-156240CABD4D}" type="datetimeFigureOut">
               <a:rPr lang="fr-FR" smtClean="0"/>
-              <a:t>10/03/2019</a:t>
+              <a:t>11/03/2019</a:t>
             </a:fld>
             <a:endParaRPr lang="fr-FR"/>
           </a:p>
@@ -3438,7 +3438,7 @@
           <a:lstStyle/>
           <a:p>
             <a:pPr algn="ctr"/>
-            <a:endParaRPr lang="fr-FR"/>
+            <a:endParaRPr lang="fr-FR" dirty="0"/>
           </a:p>
         </p:txBody>
       </p:sp>
@@ -3556,7 +3556,7 @@
             <a:lstStyle/>
             <a:p>
               <a:pPr algn="ctr"/>
-              <a:endParaRPr lang="fr-FR"/>
+              <a:endParaRPr lang="fr-FR" dirty="0"/>
             </a:p>
           </p:txBody>
         </p:sp>
@@ -8370,12 +8370,39 @@
           </a:xfrm>
         </p:spPr>
         <p:txBody>
-          <a:bodyPr/>
+          <a:bodyPr>
+            <a:normAutofit lnSpcReduction="10000"/>
+          </a:bodyPr>
           <a:lstStyle/>
           <a:p>
+            <a:pPr marL="0" indent="0">
+              <a:buNone/>
+            </a:pPr>
             <a:r>
               <a:rPr lang="fr-FR" dirty="0"/>
-              <a:t>Rule 1 : Always clean up </a:t>
+              <a:t>I - </a:t>
+            </a:r>
+            <a:r>
+              <a:rPr lang="fr-FR" dirty="0" err="1"/>
+              <a:t>Working</a:t>
+            </a:r>
+            <a:r>
+              <a:rPr lang="fr-FR" dirty="0"/>
+              <a:t> </a:t>
+            </a:r>
+            <a:r>
+              <a:rPr lang="fr-FR" dirty="0" err="1"/>
+              <a:t>rules</a:t>
+            </a:r>
+            <a:r>
+              <a:rPr lang="fr-FR" dirty="0"/>
+              <a:t> :</a:t>
+            </a:r>
+          </a:p>
+          <a:p>
+            <a:r>
+              <a:rPr lang="fr-FR" dirty="0"/>
+              <a:t>Rule I-1 : Always clean up </a:t>
             </a:r>
             <a:r>
               <a:rPr lang="fr-FR" dirty="0" err="1"/>
@@ -8397,8 +8424,222 @@
           <a:p>
             <a:r>
               <a:rPr lang="fr-FR" dirty="0"/>
-              <a:t>Rule 2 : </a:t>
-            </a:r>
+              <a:t>Rule I-2 : Put the </a:t>
+            </a:r>
+            <a:r>
+              <a:rPr lang="fr-FR" dirty="0" err="1"/>
+              <a:t>tools</a:t>
+            </a:r>
+            <a:r>
+              <a:rPr lang="fr-FR" dirty="0"/>
+              <a:t> back </a:t>
+            </a:r>
+            <a:r>
+              <a:rPr lang="fr-FR" dirty="0" err="1"/>
+              <a:t>where</a:t>
+            </a:r>
+            <a:r>
+              <a:rPr lang="fr-FR" dirty="0"/>
+              <a:t> </a:t>
+            </a:r>
+            <a:r>
+              <a:rPr lang="fr-FR" dirty="0" err="1"/>
+              <a:t>you</a:t>
+            </a:r>
+            <a:r>
+              <a:rPr lang="fr-FR" dirty="0"/>
+              <a:t> </a:t>
+            </a:r>
+            <a:r>
+              <a:rPr lang="fr-FR" dirty="0" err="1"/>
+              <a:t>found</a:t>
+            </a:r>
+            <a:r>
+              <a:rPr lang="fr-FR" dirty="0"/>
+              <a:t> </a:t>
+            </a:r>
+            <a:r>
+              <a:rPr lang="fr-FR" dirty="0" err="1"/>
+              <a:t>them</a:t>
+            </a:r>
+            <a:endParaRPr lang="fr-FR" dirty="0"/>
+          </a:p>
+          <a:p>
+            <a:r>
+              <a:rPr lang="fr-FR" dirty="0"/>
+              <a:t>Rule I-3 : </a:t>
+            </a:r>
+            <a:r>
+              <a:rPr lang="fr-FR" dirty="0" err="1"/>
+              <a:t>Leave</a:t>
+            </a:r>
+            <a:r>
+              <a:rPr lang="fr-FR" dirty="0"/>
+              <a:t> </a:t>
+            </a:r>
+            <a:r>
+              <a:rPr lang="fr-FR" dirty="0" err="1"/>
+              <a:t>written</a:t>
+            </a:r>
+            <a:r>
+              <a:rPr lang="fr-FR" dirty="0"/>
+              <a:t> messages on parts </a:t>
+            </a:r>
+            <a:r>
+              <a:rPr lang="fr-FR" dirty="0" err="1"/>
+              <a:t>you</a:t>
+            </a:r>
+            <a:r>
+              <a:rPr lang="fr-FR" dirty="0"/>
+              <a:t> </a:t>
+            </a:r>
+            <a:r>
+              <a:rPr lang="fr-FR" dirty="0" err="1"/>
+              <a:t>worked</a:t>
+            </a:r>
+            <a:r>
+              <a:rPr lang="fr-FR" dirty="0"/>
+              <a:t> on if </a:t>
+            </a:r>
+            <a:r>
+              <a:rPr lang="fr-FR" dirty="0" err="1"/>
+              <a:t>necessary</a:t>
+            </a:r>
+            <a:endParaRPr lang="fr-FR" dirty="0"/>
+          </a:p>
+          <a:p>
+            <a:pPr marL="0" indent="0">
+              <a:buNone/>
+            </a:pPr>
+            <a:endParaRPr lang="fr-FR" dirty="0"/>
+          </a:p>
+          <a:p>
+            <a:pPr marL="0" indent="0">
+              <a:buNone/>
+            </a:pPr>
+            <a:r>
+              <a:rPr lang="fr-FR" dirty="0"/>
+              <a:t>II - </a:t>
+            </a:r>
+            <a:r>
+              <a:rPr lang="fr-FR" dirty="0" err="1"/>
+              <a:t>Safety</a:t>
+            </a:r>
+            <a:r>
+              <a:rPr lang="fr-FR" dirty="0"/>
+              <a:t> </a:t>
+            </a:r>
+            <a:r>
+              <a:rPr lang="fr-FR" dirty="0" err="1"/>
+              <a:t>rules</a:t>
+            </a:r>
+            <a:r>
+              <a:rPr lang="fr-FR" dirty="0"/>
+              <a:t> :</a:t>
+            </a:r>
+          </a:p>
+          <a:p>
+            <a:r>
+              <a:rPr lang="fr-FR" dirty="0"/>
+              <a:t>Rule II-1 : Do not </a:t>
+            </a:r>
+            <a:r>
+              <a:rPr lang="fr-FR" dirty="0" err="1"/>
+              <a:t>work</a:t>
+            </a:r>
+            <a:r>
+              <a:rPr lang="fr-FR" dirty="0"/>
+              <a:t> </a:t>
+            </a:r>
+            <a:r>
+              <a:rPr lang="fr-FR" dirty="0" err="1"/>
+              <a:t>when</a:t>
+            </a:r>
+            <a:r>
+              <a:rPr lang="fr-FR" dirty="0"/>
+              <a:t> </a:t>
+            </a:r>
+            <a:r>
+              <a:rPr lang="fr-FR" dirty="0" err="1"/>
+              <a:t>you</a:t>
+            </a:r>
+            <a:r>
+              <a:rPr lang="fr-FR" dirty="0"/>
+              <a:t> are </a:t>
+            </a:r>
+            <a:r>
+              <a:rPr lang="fr-FR" dirty="0" err="1"/>
+              <a:t>alone</a:t>
+            </a:r>
+            <a:endParaRPr lang="fr-FR" dirty="0"/>
+          </a:p>
+          <a:p>
+            <a:r>
+              <a:rPr lang="fr-FR" dirty="0"/>
+              <a:t>Rule II-2 : Always wear the </a:t>
+            </a:r>
+            <a:r>
+              <a:rPr lang="fr-FR" dirty="0" err="1"/>
+              <a:t>appropriate</a:t>
+            </a:r>
+            <a:r>
+              <a:rPr lang="fr-FR" dirty="0"/>
+              <a:t> protection </a:t>
+            </a:r>
+            <a:r>
+              <a:rPr lang="fr-FR" dirty="0" err="1"/>
+              <a:t>clothes</a:t>
+            </a:r>
+            <a:r>
+              <a:rPr lang="fr-FR" dirty="0"/>
+              <a:t> &amp; </a:t>
+            </a:r>
+            <a:r>
+              <a:rPr lang="fr-FR" dirty="0" err="1"/>
+              <a:t>shoes</a:t>
+            </a:r>
+            <a:endParaRPr lang="fr-FR" dirty="0"/>
+          </a:p>
+          <a:p>
+            <a:r>
+              <a:rPr lang="fr-FR" dirty="0"/>
+              <a:t>Rule II-3 : </a:t>
+            </a:r>
+            <a:r>
+              <a:rPr lang="fr-FR" dirty="0" err="1"/>
+              <a:t>When</a:t>
+            </a:r>
+            <a:r>
+              <a:rPr lang="fr-FR" dirty="0"/>
+              <a:t> </a:t>
+            </a:r>
+            <a:r>
+              <a:rPr lang="fr-FR" dirty="0" err="1"/>
+              <a:t>machining</a:t>
+            </a:r>
+            <a:r>
+              <a:rPr lang="fr-FR" dirty="0"/>
+              <a:t>, wear </a:t>
+            </a:r>
+            <a:r>
+              <a:rPr lang="fr-FR" dirty="0" err="1"/>
+              <a:t>safety</a:t>
+            </a:r>
+            <a:r>
+              <a:rPr lang="fr-FR" dirty="0"/>
+              <a:t> glasses and </a:t>
+            </a:r>
+            <a:r>
+              <a:rPr lang="fr-FR" dirty="0" err="1"/>
+              <a:t>gloves</a:t>
+            </a:r>
+            <a:endParaRPr lang="fr-FR" dirty="0"/>
+          </a:p>
+          <a:p>
+            <a:pPr marL="0" indent="0">
+              <a:buNone/>
+            </a:pPr>
+            <a:endParaRPr lang="fr-FR" dirty="0"/>
           </a:p>
         </p:txBody>
       </p:sp>

--- a/06_Plateforme_Bron/Plan_Rules.pptx
+++ b/06_Plateforme_Bron/Plan_Rules.pptx
@@ -15,6 +15,8 @@
     <p:sldId id="263" r:id="rId9"/>
     <p:sldId id="264" r:id="rId10"/>
     <p:sldId id="265" r:id="rId11"/>
+    <p:sldId id="267" r:id="rId12"/>
+    <p:sldId id="268" r:id="rId13"/>
   </p:sldIdLst>
   <p:sldSz cx="12192000" cy="6858000"/>
   <p:notesSz cx="6858000" cy="9144000"/>
@@ -132,6 +134,8 @@
             <p14:sldId id="263"/>
             <p14:sldId id="264"/>
             <p14:sldId id="265"/>
+            <p14:sldId id="267"/>
+            <p14:sldId id="268"/>
           </p14:sldIdLst>
         </p14:section>
       </p14:sectionLst>
@@ -290,7 +294,7 @@
           <a:p>
             <a:fld id="{B7FFA988-59B3-4D9E-89DD-156240CABD4D}" type="datetimeFigureOut">
               <a:rPr lang="fr-FR" smtClean="0"/>
-              <a:t>11/03/2019</a:t>
+              <a:t>17/03/2019</a:t>
             </a:fld>
             <a:endParaRPr lang="fr-FR"/>
           </a:p>
@@ -488,7 +492,7 @@
           <a:p>
             <a:fld id="{B7FFA988-59B3-4D9E-89DD-156240CABD4D}" type="datetimeFigureOut">
               <a:rPr lang="fr-FR" smtClean="0"/>
-              <a:t>11/03/2019</a:t>
+              <a:t>17/03/2019</a:t>
             </a:fld>
             <a:endParaRPr lang="fr-FR"/>
           </a:p>
@@ -696,7 +700,7 @@
           <a:p>
             <a:fld id="{B7FFA988-59B3-4D9E-89DD-156240CABD4D}" type="datetimeFigureOut">
               <a:rPr lang="fr-FR" smtClean="0"/>
-              <a:t>11/03/2019</a:t>
+              <a:t>17/03/2019</a:t>
             </a:fld>
             <a:endParaRPr lang="fr-FR"/>
           </a:p>
@@ -894,7 +898,7 @@
           <a:p>
             <a:fld id="{B7FFA988-59B3-4D9E-89DD-156240CABD4D}" type="datetimeFigureOut">
               <a:rPr lang="fr-FR" smtClean="0"/>
-              <a:t>11/03/2019</a:t>
+              <a:t>17/03/2019</a:t>
             </a:fld>
             <a:endParaRPr lang="fr-FR"/>
           </a:p>
@@ -1169,7 +1173,7 @@
           <a:p>
             <a:fld id="{B7FFA988-59B3-4D9E-89DD-156240CABD4D}" type="datetimeFigureOut">
               <a:rPr lang="fr-FR" smtClean="0"/>
-              <a:t>11/03/2019</a:t>
+              <a:t>17/03/2019</a:t>
             </a:fld>
             <a:endParaRPr lang="fr-FR"/>
           </a:p>
@@ -1434,7 +1438,7 @@
           <a:p>
             <a:fld id="{B7FFA988-59B3-4D9E-89DD-156240CABD4D}" type="datetimeFigureOut">
               <a:rPr lang="fr-FR" smtClean="0"/>
-              <a:t>11/03/2019</a:t>
+              <a:t>17/03/2019</a:t>
             </a:fld>
             <a:endParaRPr lang="fr-FR"/>
           </a:p>
@@ -1846,7 +1850,7 @@
           <a:p>
             <a:fld id="{B7FFA988-59B3-4D9E-89DD-156240CABD4D}" type="datetimeFigureOut">
               <a:rPr lang="fr-FR" smtClean="0"/>
-              <a:t>11/03/2019</a:t>
+              <a:t>17/03/2019</a:t>
             </a:fld>
             <a:endParaRPr lang="fr-FR"/>
           </a:p>
@@ -1987,7 +1991,7 @@
           <a:p>
             <a:fld id="{B7FFA988-59B3-4D9E-89DD-156240CABD4D}" type="datetimeFigureOut">
               <a:rPr lang="fr-FR" smtClean="0"/>
-              <a:t>11/03/2019</a:t>
+              <a:t>17/03/2019</a:t>
             </a:fld>
             <a:endParaRPr lang="fr-FR"/>
           </a:p>
@@ -2100,7 +2104,7 @@
           <a:p>
             <a:fld id="{B7FFA988-59B3-4D9E-89DD-156240CABD4D}" type="datetimeFigureOut">
               <a:rPr lang="fr-FR" smtClean="0"/>
-              <a:t>11/03/2019</a:t>
+              <a:t>17/03/2019</a:t>
             </a:fld>
             <a:endParaRPr lang="fr-FR"/>
           </a:p>
@@ -2411,7 +2415,7 @@
           <a:p>
             <a:fld id="{B7FFA988-59B3-4D9E-89DD-156240CABD4D}" type="datetimeFigureOut">
               <a:rPr lang="fr-FR" smtClean="0"/>
-              <a:t>11/03/2019</a:t>
+              <a:t>17/03/2019</a:t>
             </a:fld>
             <a:endParaRPr lang="fr-FR"/>
           </a:p>
@@ -2699,7 +2703,7 @@
           <a:p>
             <a:fld id="{B7FFA988-59B3-4D9E-89DD-156240CABD4D}" type="datetimeFigureOut">
               <a:rPr lang="fr-FR" smtClean="0"/>
-              <a:t>11/03/2019</a:t>
+              <a:t>17/03/2019</a:t>
             </a:fld>
             <a:endParaRPr lang="fr-FR"/>
           </a:p>
@@ -2940,7 +2944,7 @@
           <a:p>
             <a:fld id="{B7FFA988-59B3-4D9E-89DD-156240CABD4D}" type="datetimeFigureOut">
               <a:rPr lang="fr-FR" smtClean="0"/>
-              <a:t>11/03/2019</a:t>
+              <a:t>17/03/2019</a:t>
             </a:fld>
             <a:endParaRPr lang="fr-FR"/>
           </a:p>
@@ -8330,6 +8334,353 @@
 </p:sld>
 </file>
 
+<file path=ppt/slides/slide11.xml><?xml version="1.0" encoding="utf-8"?>
+<p:sld xmlns:a="http://schemas.openxmlformats.org/drawingml/2006/main" xmlns:r="http://schemas.openxmlformats.org/officeDocument/2006/relationships" xmlns:p="http://schemas.openxmlformats.org/presentationml/2006/main">
+  <p:cSld>
+    <p:spTree>
+      <p:nvGrpSpPr>
+        <p:cNvPr id="1" name=""/>
+        <p:cNvGrpSpPr/>
+        <p:nvPr/>
+      </p:nvGrpSpPr>
+      <p:grpSpPr>
+        <a:xfrm>
+          <a:off x="0" y="0"/>
+          <a:ext cx="0" cy="0"/>
+          <a:chOff x="0" y="0"/>
+          <a:chExt cx="0" cy="0"/>
+        </a:xfrm>
+      </p:grpSpPr>
+      <p:pic>
+        <p:nvPicPr>
+          <p:cNvPr id="7" name="Image 6">
+            <a:extLst>
+              <a:ext uri="{FF2B5EF4-FFF2-40B4-BE49-F238E27FC236}">
+                <a16:creationId xmlns:a16="http://schemas.microsoft.com/office/drawing/2014/main" id="{4BABA36C-1CA8-4409-9DE5-EB1C2A0D0458}"/>
+              </a:ext>
+            </a:extLst>
+          </p:cNvPr>
+          <p:cNvPicPr>
+            <a:picLocks noChangeAspect="1"/>
+          </p:cNvPicPr>
+          <p:nvPr/>
+        </p:nvPicPr>
+        <p:blipFill>
+          <a:blip r:embed="rId2">
+            <a:extLst>
+              <a:ext uri="{28A0092B-C50C-407E-A947-70E740481C1C}">
+                <a14:useLocalDpi xmlns:a14="http://schemas.microsoft.com/office/drawing/2010/main" val="0"/>
+              </a:ext>
+            </a:extLst>
+          </a:blip>
+          <a:stretch>
+            <a:fillRect/>
+          </a:stretch>
+        </p:blipFill>
+        <p:spPr>
+          <a:xfrm>
+            <a:off x="5109038" y="0"/>
+            <a:ext cx="7147731" cy="4351338"/>
+          </a:xfrm>
+          <a:prstGeom prst="rect">
+            <a:avLst/>
+          </a:prstGeom>
+        </p:spPr>
+      </p:pic>
+      <p:sp>
+        <p:nvSpPr>
+          <p:cNvPr id="2" name="Titre 1">
+            <a:extLst>
+              <a:ext uri="{FF2B5EF4-FFF2-40B4-BE49-F238E27FC236}">
+                <a16:creationId xmlns:a16="http://schemas.microsoft.com/office/drawing/2014/main" id="{3C46574B-4A31-43C7-BF64-F2B0A39B9A72}"/>
+              </a:ext>
+            </a:extLst>
+          </p:cNvPr>
+          <p:cNvSpPr>
+            <a:spLocks noGrp="1"/>
+          </p:cNvSpPr>
+          <p:nvPr>
+            <p:ph type="title"/>
+          </p:nvPr>
+        </p:nvSpPr>
+        <p:spPr>
+          <a:xfrm>
+            <a:off x="131618" y="0"/>
+            <a:ext cx="10515600" cy="1325563"/>
+          </a:xfrm>
+        </p:spPr>
+        <p:txBody>
+          <a:bodyPr/>
+          <a:lstStyle/>
+          <a:p>
+            <a:r>
+              <a:rPr lang="fr-FR" b="1" dirty="0"/>
+              <a:t>Pb chaine/couronne et BAR</a:t>
+            </a:r>
+          </a:p>
+        </p:txBody>
+      </p:sp>
+      <p:pic>
+        <p:nvPicPr>
+          <p:cNvPr id="5" name="Espace réservé du contenu 4">
+            <a:extLst>
+              <a:ext uri="{FF2B5EF4-FFF2-40B4-BE49-F238E27FC236}">
+                <a16:creationId xmlns:a16="http://schemas.microsoft.com/office/drawing/2014/main" id="{0DBFE815-42AC-48D3-912D-817972E9E414}"/>
+              </a:ext>
+            </a:extLst>
+          </p:cNvPr>
+          <p:cNvPicPr>
+            <a:picLocks noGrp="1" noChangeAspect="1"/>
+          </p:cNvPicPr>
+          <p:nvPr>
+            <p:ph idx="1"/>
+          </p:nvPr>
+        </p:nvPicPr>
+        <p:blipFill>
+          <a:blip r:embed="rId3">
+            <a:extLst>
+              <a:ext uri="{28A0092B-C50C-407E-A947-70E740481C1C}">
+                <a14:useLocalDpi xmlns:a14="http://schemas.microsoft.com/office/drawing/2010/main" val="0"/>
+              </a:ext>
+            </a:extLst>
+          </a:blip>
+          <a:stretch>
+            <a:fillRect/>
+          </a:stretch>
+        </p:blipFill>
+        <p:spPr>
+          <a:xfrm>
+            <a:off x="0" y="2160112"/>
+            <a:ext cx="6309360" cy="4732020"/>
+          </a:xfrm>
+        </p:spPr>
+      </p:pic>
+      <p:sp>
+        <p:nvSpPr>
+          <p:cNvPr id="8" name="ZoneTexte 7">
+            <a:extLst>
+              <a:ext uri="{FF2B5EF4-FFF2-40B4-BE49-F238E27FC236}">
+                <a16:creationId xmlns:a16="http://schemas.microsoft.com/office/drawing/2014/main" id="{8B59B2DA-3A1A-483F-B98A-05D4A440CE97}"/>
+              </a:ext>
+            </a:extLst>
+          </p:cNvPr>
+          <p:cNvSpPr txBox="1"/>
+          <p:nvPr/>
+        </p:nvSpPr>
+        <p:spPr>
+          <a:xfrm>
+            <a:off x="6932814" y="4534435"/>
+            <a:ext cx="4580313" cy="923330"/>
+          </a:xfrm>
+          <a:prstGeom prst="rect">
+            <a:avLst/>
+          </a:prstGeom>
+          <a:noFill/>
+        </p:spPr>
+        <p:txBody>
+          <a:bodyPr wrap="square" rtlCol="0">
+            <a:spAutoFit/>
+          </a:bodyPr>
+          <a:lstStyle/>
+          <a:p>
+            <a:r>
+              <a:rPr lang="fr-FR" dirty="0" err="1"/>
+              <a:t>Braum</a:t>
+            </a:r>
+            <a:r>
+              <a:rPr lang="fr-FR" dirty="0"/>
+              <a:t> tu es sur d’avoir pris en compte le fait que la chaine rentre dans les pignons de la couronne ? </a:t>
+            </a:r>
+          </a:p>
+        </p:txBody>
+      </p:sp>
+    </p:spTree>
+    <p:extLst>
+      <p:ext uri="{BB962C8B-B14F-4D97-AF65-F5344CB8AC3E}">
+        <p14:creationId xmlns:p14="http://schemas.microsoft.com/office/powerpoint/2010/main" val="3857252048"/>
+      </p:ext>
+    </p:extLst>
+  </p:cSld>
+  <p:clrMapOvr>
+    <a:masterClrMapping/>
+  </p:clrMapOvr>
+</p:sld>
+</file>
+
+<file path=ppt/slides/slide12.xml><?xml version="1.0" encoding="utf-8"?>
+<p:sld xmlns:a="http://schemas.openxmlformats.org/drawingml/2006/main" xmlns:r="http://schemas.openxmlformats.org/officeDocument/2006/relationships" xmlns:p="http://schemas.openxmlformats.org/presentationml/2006/main">
+  <p:cSld>
+    <p:spTree>
+      <p:nvGrpSpPr>
+        <p:cNvPr id="1" name=""/>
+        <p:cNvGrpSpPr/>
+        <p:nvPr/>
+      </p:nvGrpSpPr>
+      <p:grpSpPr>
+        <a:xfrm>
+          <a:off x="0" y="0"/>
+          <a:ext cx="0" cy="0"/>
+          <a:chOff x="0" y="0"/>
+          <a:chExt cx="0" cy="0"/>
+        </a:xfrm>
+      </p:grpSpPr>
+      <p:sp>
+        <p:nvSpPr>
+          <p:cNvPr id="2" name="Titre 1">
+            <a:extLst>
+              <a:ext uri="{FF2B5EF4-FFF2-40B4-BE49-F238E27FC236}">
+                <a16:creationId xmlns:a16="http://schemas.microsoft.com/office/drawing/2014/main" id="{E4E0EB9F-0E05-4379-BD97-7A602CF83523}"/>
+              </a:ext>
+            </a:extLst>
+          </p:cNvPr>
+          <p:cNvSpPr>
+            <a:spLocks noGrp="1"/>
+          </p:cNvSpPr>
+          <p:nvPr>
+            <p:ph type="title"/>
+          </p:nvPr>
+        </p:nvSpPr>
+        <p:spPr>
+          <a:xfrm>
+            <a:off x="0" y="0"/>
+            <a:ext cx="10515600" cy="1325563"/>
+          </a:xfrm>
+        </p:spPr>
+        <p:txBody>
+          <a:bodyPr/>
+          <a:lstStyle/>
+          <a:p>
+            <a:r>
+              <a:rPr lang="fr-FR" b="1" dirty="0"/>
+              <a:t>Pb Couronne passage circlip</a:t>
+            </a:r>
+          </a:p>
+        </p:txBody>
+      </p:sp>
+      <p:pic>
+        <p:nvPicPr>
+          <p:cNvPr id="5" name="Espace réservé du contenu 4">
+            <a:extLst>
+              <a:ext uri="{FF2B5EF4-FFF2-40B4-BE49-F238E27FC236}">
+                <a16:creationId xmlns:a16="http://schemas.microsoft.com/office/drawing/2014/main" id="{6BF28568-F9BD-4733-AD43-BF690153CDAA}"/>
+              </a:ext>
+            </a:extLst>
+          </p:cNvPr>
+          <p:cNvPicPr>
+            <a:picLocks noGrp="1" noChangeAspect="1"/>
+          </p:cNvPicPr>
+          <p:nvPr>
+            <p:ph idx="1"/>
+          </p:nvPr>
+        </p:nvPicPr>
+        <p:blipFill>
+          <a:blip r:embed="rId2">
+            <a:extLst>
+              <a:ext uri="{28A0092B-C50C-407E-A947-70E740481C1C}">
+                <a14:useLocalDpi xmlns:a14="http://schemas.microsoft.com/office/drawing/2010/main" val="0"/>
+              </a:ext>
+            </a:extLst>
+          </a:blip>
+          <a:stretch>
+            <a:fillRect/>
+          </a:stretch>
+        </p:blipFill>
+        <p:spPr>
+          <a:xfrm>
+            <a:off x="465513" y="1035916"/>
+            <a:ext cx="5853380" cy="4351338"/>
+          </a:xfrm>
+        </p:spPr>
+      </p:pic>
+      <p:pic>
+        <p:nvPicPr>
+          <p:cNvPr id="7" name="Image 6">
+            <a:extLst>
+              <a:ext uri="{FF2B5EF4-FFF2-40B4-BE49-F238E27FC236}">
+                <a16:creationId xmlns:a16="http://schemas.microsoft.com/office/drawing/2014/main" id="{F1CE8268-786D-400A-8150-A9DC6A3CD7A2}"/>
+              </a:ext>
+            </a:extLst>
+          </p:cNvPr>
+          <p:cNvPicPr>
+            <a:picLocks noChangeAspect="1"/>
+          </p:cNvPicPr>
+          <p:nvPr/>
+        </p:nvPicPr>
+        <p:blipFill>
+          <a:blip r:embed="rId3">
+            <a:extLst>
+              <a:ext uri="{28A0092B-C50C-407E-A947-70E740481C1C}">
+                <a14:useLocalDpi xmlns:a14="http://schemas.microsoft.com/office/drawing/2010/main" val="0"/>
+              </a:ext>
+            </a:extLst>
+          </a:blip>
+          <a:stretch>
+            <a:fillRect/>
+          </a:stretch>
+        </p:blipFill>
+        <p:spPr>
+          <a:xfrm>
+            <a:off x="7048500" y="0"/>
+            <a:ext cx="5143500" cy="6858000"/>
+          </a:xfrm>
+          <a:prstGeom prst="rect">
+            <a:avLst/>
+          </a:prstGeom>
+        </p:spPr>
+      </p:pic>
+      <p:sp>
+        <p:nvSpPr>
+          <p:cNvPr id="8" name="ZoneTexte 7">
+            <a:extLst>
+              <a:ext uri="{FF2B5EF4-FFF2-40B4-BE49-F238E27FC236}">
+                <a16:creationId xmlns:a16="http://schemas.microsoft.com/office/drawing/2014/main" id="{33FC4A70-7184-48A2-885C-D71904D0C857}"/>
+              </a:ext>
+            </a:extLst>
+          </p:cNvPr>
+          <p:cNvSpPr txBox="1"/>
+          <p:nvPr/>
+        </p:nvSpPr>
+        <p:spPr>
+          <a:xfrm>
+            <a:off x="523702" y="5744095"/>
+            <a:ext cx="5777345" cy="923330"/>
+          </a:xfrm>
+          <a:prstGeom prst="rect">
+            <a:avLst/>
+          </a:prstGeom>
+          <a:noFill/>
+        </p:spPr>
+        <p:txBody>
+          <a:bodyPr wrap="square" rtlCol="0">
+            <a:spAutoFit/>
+          </a:bodyPr>
+          <a:lstStyle/>
+          <a:p>
+            <a:r>
+              <a:rPr lang="fr-FR" dirty="0"/>
+              <a:t>L’évidement que Bertrand houx n’avez pas fait pour éviter de l’usinage était en fait nécessaire pour assurer la place de passer correctement le circlip du </a:t>
+            </a:r>
+            <a:r>
+              <a:rPr lang="fr-FR" dirty="0" err="1"/>
+              <a:t>Drexler</a:t>
+            </a:r>
+            <a:endParaRPr lang="fr-FR" dirty="0"/>
+          </a:p>
+        </p:txBody>
+      </p:sp>
+    </p:spTree>
+    <p:extLst>
+      <p:ext uri="{BB962C8B-B14F-4D97-AF65-F5344CB8AC3E}">
+        <p14:creationId xmlns:p14="http://schemas.microsoft.com/office/powerpoint/2010/main" val="205420820"/>
+      </p:ext>
+    </p:extLst>
+  </p:cSld>
+  <p:clrMapOvr>
+    <a:masterClrMapping/>
+  </p:clrMapOvr>
+</p:sld>
+</file>
+
 <file path=ppt/slides/slide2.xml><?xml version="1.0" encoding="utf-8"?>
 <p:sld xmlns:a="http://schemas.openxmlformats.org/drawingml/2006/main" xmlns:r="http://schemas.openxmlformats.org/officeDocument/2006/relationships" xmlns:p="http://schemas.openxmlformats.org/presentationml/2006/main">
   <p:cSld>

--- a/06_Plateforme_Bron/Plan_Rules.pptx
+++ b/06_Plateforme_Bron/Plan_Rules.pptx
@@ -6,17 +6,18 @@
   </p:sldMasterIdLst>
   <p:sldIdLst>
     <p:sldId id="266" r:id="rId2"/>
-    <p:sldId id="257" r:id="rId3"/>
-    <p:sldId id="258" r:id="rId4"/>
-    <p:sldId id="259" r:id="rId5"/>
-    <p:sldId id="260" r:id="rId6"/>
-    <p:sldId id="261" r:id="rId7"/>
-    <p:sldId id="262" r:id="rId8"/>
-    <p:sldId id="263" r:id="rId9"/>
-    <p:sldId id="264" r:id="rId10"/>
-    <p:sldId id="265" r:id="rId11"/>
-    <p:sldId id="267" r:id="rId12"/>
-    <p:sldId id="268" r:id="rId13"/>
+    <p:sldId id="269" r:id="rId3"/>
+    <p:sldId id="257" r:id="rId4"/>
+    <p:sldId id="258" r:id="rId5"/>
+    <p:sldId id="259" r:id="rId6"/>
+    <p:sldId id="260" r:id="rId7"/>
+    <p:sldId id="261" r:id="rId8"/>
+    <p:sldId id="262" r:id="rId9"/>
+    <p:sldId id="263" r:id="rId10"/>
+    <p:sldId id="264" r:id="rId11"/>
+    <p:sldId id="265" r:id="rId12"/>
+    <p:sldId id="267" r:id="rId13"/>
+    <p:sldId id="268" r:id="rId14"/>
   </p:sldIdLst>
   <p:sldSz cx="12192000" cy="6858000"/>
   <p:notesSz cx="6858000" cy="9144000"/>
@@ -121,6 +122,7 @@
         <p14:section name="Section par défaut" id="{A3FE198B-33FE-47C6-ABDD-58A32DA85736}">
           <p14:sldIdLst>
             <p14:sldId id="266"/>
+            <p14:sldId id="269"/>
             <p14:sldId id="257"/>
           </p14:sldIdLst>
         </p14:section>
@@ -294,7 +296,7 @@
           <a:p>
             <a:fld id="{B7FFA988-59B3-4D9E-89DD-156240CABD4D}" type="datetimeFigureOut">
               <a:rPr lang="fr-FR" smtClean="0"/>
-              <a:t>17/03/2019</a:t>
+              <a:t>06/03/2020</a:t>
             </a:fld>
             <a:endParaRPr lang="fr-FR"/>
           </a:p>
@@ -492,7 +494,7 @@
           <a:p>
             <a:fld id="{B7FFA988-59B3-4D9E-89DD-156240CABD4D}" type="datetimeFigureOut">
               <a:rPr lang="fr-FR" smtClean="0"/>
-              <a:t>17/03/2019</a:t>
+              <a:t>06/03/2020</a:t>
             </a:fld>
             <a:endParaRPr lang="fr-FR"/>
           </a:p>
@@ -700,7 +702,7 @@
           <a:p>
             <a:fld id="{B7FFA988-59B3-4D9E-89DD-156240CABD4D}" type="datetimeFigureOut">
               <a:rPr lang="fr-FR" smtClean="0"/>
-              <a:t>17/03/2019</a:t>
+              <a:t>06/03/2020</a:t>
             </a:fld>
             <a:endParaRPr lang="fr-FR"/>
           </a:p>
@@ -898,7 +900,7 @@
           <a:p>
             <a:fld id="{B7FFA988-59B3-4D9E-89DD-156240CABD4D}" type="datetimeFigureOut">
               <a:rPr lang="fr-FR" smtClean="0"/>
-              <a:t>17/03/2019</a:t>
+              <a:t>06/03/2020</a:t>
             </a:fld>
             <a:endParaRPr lang="fr-FR"/>
           </a:p>
@@ -1173,7 +1175,7 @@
           <a:p>
             <a:fld id="{B7FFA988-59B3-4D9E-89DD-156240CABD4D}" type="datetimeFigureOut">
               <a:rPr lang="fr-FR" smtClean="0"/>
-              <a:t>17/03/2019</a:t>
+              <a:t>06/03/2020</a:t>
             </a:fld>
             <a:endParaRPr lang="fr-FR"/>
           </a:p>
@@ -1438,7 +1440,7 @@
           <a:p>
             <a:fld id="{B7FFA988-59B3-4D9E-89DD-156240CABD4D}" type="datetimeFigureOut">
               <a:rPr lang="fr-FR" smtClean="0"/>
-              <a:t>17/03/2019</a:t>
+              <a:t>06/03/2020</a:t>
             </a:fld>
             <a:endParaRPr lang="fr-FR"/>
           </a:p>
@@ -1850,7 +1852,7 @@
           <a:p>
             <a:fld id="{B7FFA988-59B3-4D9E-89DD-156240CABD4D}" type="datetimeFigureOut">
               <a:rPr lang="fr-FR" smtClean="0"/>
-              <a:t>17/03/2019</a:t>
+              <a:t>06/03/2020</a:t>
             </a:fld>
             <a:endParaRPr lang="fr-FR"/>
           </a:p>
@@ -1991,7 +1993,7 @@
           <a:p>
             <a:fld id="{B7FFA988-59B3-4D9E-89DD-156240CABD4D}" type="datetimeFigureOut">
               <a:rPr lang="fr-FR" smtClean="0"/>
-              <a:t>17/03/2019</a:t>
+              <a:t>06/03/2020</a:t>
             </a:fld>
             <a:endParaRPr lang="fr-FR"/>
           </a:p>
@@ -2104,7 +2106,7 @@
           <a:p>
             <a:fld id="{B7FFA988-59B3-4D9E-89DD-156240CABD4D}" type="datetimeFigureOut">
               <a:rPr lang="fr-FR" smtClean="0"/>
-              <a:t>17/03/2019</a:t>
+              <a:t>06/03/2020</a:t>
             </a:fld>
             <a:endParaRPr lang="fr-FR"/>
           </a:p>
@@ -2415,7 +2417,7 @@
           <a:p>
             <a:fld id="{B7FFA988-59B3-4D9E-89DD-156240CABD4D}" type="datetimeFigureOut">
               <a:rPr lang="fr-FR" smtClean="0"/>
-              <a:t>17/03/2019</a:t>
+              <a:t>06/03/2020</a:t>
             </a:fld>
             <a:endParaRPr lang="fr-FR"/>
           </a:p>
@@ -2703,7 +2705,7 @@
           <a:p>
             <a:fld id="{B7FFA988-59B3-4D9E-89DD-156240CABD4D}" type="datetimeFigureOut">
               <a:rPr lang="fr-FR" smtClean="0"/>
-              <a:t>17/03/2019</a:t>
+              <a:t>06/03/2020</a:t>
             </a:fld>
             <a:endParaRPr lang="fr-FR"/>
           </a:p>
@@ -2944,7 +2946,7 @@
           <a:p>
             <a:fld id="{B7FFA988-59B3-4D9E-89DD-156240CABD4D}" type="datetimeFigureOut">
               <a:rPr lang="fr-FR" smtClean="0"/>
-              <a:t>17/03/2019</a:t>
+              <a:t>06/03/2020</a:t>
             </a:fld>
             <a:endParaRPr lang="fr-FR"/>
           </a:p>
@@ -3411,8 +3413,8 @@
         </p:nvSpPr>
         <p:spPr>
           <a:xfrm>
-            <a:off x="0" y="6313247"/>
-            <a:ext cx="1382746" cy="416560"/>
+            <a:off x="-1" y="6313247"/>
+            <a:ext cx="1989913" cy="544754"/>
           </a:xfrm>
           <a:prstGeom prst="rect">
             <a:avLst/>
@@ -3464,18 +3466,18 @@
         </p:nvSpPr>
         <p:spPr>
           <a:xfrm>
-            <a:off x="64343" y="6422030"/>
-            <a:ext cx="1254059" cy="307777"/>
+            <a:off x="64343" y="6342128"/>
+            <a:ext cx="1897588" cy="307777"/>
           </a:xfrm>
         </p:spPr>
         <p:txBody>
           <a:bodyPr>
-            <a:normAutofit fontScale="77500" lnSpcReduction="20000"/>
+            <a:normAutofit/>
           </a:bodyPr>
           <a:lstStyle/>
           <a:p>
             <a:r>
-              <a:rPr lang="fr-FR" sz="1600" b="1" dirty="0">
+              <a:rPr lang="fr-FR" sz="1200" b="1" dirty="0">
                 <a:solidFill>
                   <a:schemeClr val="bg1"/>
                 </a:solidFill>
@@ -3484,7 +3486,7 @@
               <a:t>Version : </a:t>
             </a:r>
             <a:r>
-              <a:rPr lang="fr-FR" sz="1600" dirty="0">
+              <a:rPr lang="fr-FR" sz="1200" dirty="0">
                 <a:solidFill>
                   <a:schemeClr val="bg1"/>
                 </a:solidFill>
@@ -3866,7 +3868,7 @@
         </p:nvGrpSpPr>
         <p:grpSpPr>
           <a:xfrm>
-            <a:off x="10398213" y="5587589"/>
+            <a:off x="10598220" y="5602942"/>
             <a:ext cx="1218045" cy="370861"/>
             <a:chOff x="7340131" y="5587589"/>
             <a:chExt cx="1218045" cy="370861"/>
@@ -3972,131 +3974,6 @@
                   <a:latin typeface="Raleway" panose="020B0503030101060003" pitchFamily="34" charset="0"/>
                 </a:rPr>
                 <a:t> 7</a:t>
-              </a:r>
-            </a:p>
-          </p:txBody>
-        </p:sp>
-      </p:grpSp>
-      <p:grpSp>
-        <p:nvGrpSpPr>
-          <p:cNvPr id="15" name="Groupe 14">
-            <a:extLst>
-              <a:ext uri="{FF2B5EF4-FFF2-40B4-BE49-F238E27FC236}">
-                <a16:creationId xmlns:a16="http://schemas.microsoft.com/office/drawing/2014/main" id="{935B5786-C405-42D3-A9A2-57E54918A056}"/>
-              </a:ext>
-            </a:extLst>
-          </p:cNvPr>
-          <p:cNvGrpSpPr/>
-          <p:nvPr/>
-        </p:nvGrpSpPr>
-        <p:grpSpPr>
-          <a:xfrm>
-            <a:off x="7001382" y="3188308"/>
-            <a:ext cx="2754122" cy="1482813"/>
-            <a:chOff x="7370087" y="2733467"/>
-            <a:chExt cx="2356970" cy="692665"/>
-          </a:xfrm>
-        </p:grpSpPr>
-        <p:sp>
-          <p:nvSpPr>
-            <p:cNvPr id="24" name="Rectangle 23">
-              <a:extLst>
-                <a:ext uri="{FF2B5EF4-FFF2-40B4-BE49-F238E27FC236}">
-                  <a16:creationId xmlns:a16="http://schemas.microsoft.com/office/drawing/2014/main" id="{C4A8431A-0716-4C92-9603-1C38D4A9922A}"/>
-                </a:ext>
-              </a:extLst>
-            </p:cNvPr>
-            <p:cNvSpPr/>
-            <p:nvPr/>
-          </p:nvSpPr>
-          <p:spPr>
-            <a:xfrm>
-              <a:off x="7370087" y="2733467"/>
-              <a:ext cx="2356970" cy="692665"/>
-            </a:xfrm>
-            <a:prstGeom prst="rect">
-              <a:avLst/>
-            </a:prstGeom>
-            <a:solidFill>
-              <a:schemeClr val="accent4">
-                <a:alpha val="30000"/>
-              </a:schemeClr>
-            </a:solidFill>
-          </p:spPr>
-          <p:style>
-            <a:lnRef idx="2">
-              <a:schemeClr val="accent4">
-                <a:shade val="50000"/>
-              </a:schemeClr>
-            </a:lnRef>
-            <a:fillRef idx="1">
-              <a:schemeClr val="accent4"/>
-            </a:fillRef>
-            <a:effectRef idx="0">
-              <a:schemeClr val="accent4"/>
-            </a:effectRef>
-            <a:fontRef idx="minor">
-              <a:schemeClr val="lt1"/>
-            </a:fontRef>
-          </p:style>
-          <p:txBody>
-            <a:bodyPr rtlCol="0" anchor="ctr"/>
-            <a:lstStyle/>
-            <a:p>
-              <a:pPr algn="ctr"/>
-              <a:endParaRPr lang="fr-FR"/>
-            </a:p>
-          </p:txBody>
-        </p:sp>
-        <p:sp>
-          <p:nvSpPr>
-            <p:cNvPr id="28" name="ZoneTexte 27">
-              <a:extLst>
-                <a:ext uri="{FF2B5EF4-FFF2-40B4-BE49-F238E27FC236}">
-                  <a16:creationId xmlns:a16="http://schemas.microsoft.com/office/drawing/2014/main" id="{E0F67465-C439-4602-8006-656E8C806EEA}"/>
-                </a:ext>
-              </a:extLst>
-            </p:cNvPr>
-            <p:cNvSpPr txBox="1"/>
-            <p:nvPr/>
-          </p:nvSpPr>
-          <p:spPr>
-            <a:xfrm>
-              <a:off x="8008594" y="2903616"/>
-              <a:ext cx="1192107" cy="369332"/>
-            </a:xfrm>
-            <a:prstGeom prst="rect">
-              <a:avLst/>
-            </a:prstGeom>
-            <a:noFill/>
-          </p:spPr>
-          <p:txBody>
-            <a:bodyPr wrap="square" rtlCol="0">
-              <a:spAutoFit/>
-            </a:bodyPr>
-            <a:lstStyle/>
-            <a:p>
-              <a:r>
-                <a:rPr lang="fr-FR" b="1" i="1" dirty="0" err="1">
-                  <a:solidFill>
-                    <a:schemeClr val="accent2">
-                      <a:lumMod val="75000"/>
-                    </a:schemeClr>
-                  </a:solidFill>
-                  <a:latin typeface="Raleway" panose="020B0503030101060003" pitchFamily="34" charset="0"/>
-                </a:rPr>
-                <a:t>Sector</a:t>
-              </a:r>
-              <a:r>
-                <a:rPr lang="fr-FR" b="1" i="1" dirty="0">
-                  <a:solidFill>
-                    <a:schemeClr val="accent2">
-                      <a:lumMod val="75000"/>
-                    </a:schemeClr>
-                  </a:solidFill>
-                  <a:latin typeface="Raleway" panose="020B0503030101060003" pitchFamily="34" charset="0"/>
-                </a:rPr>
-                <a:t> 4</a:t>
               </a:r>
             </a:p>
           </p:txBody>
@@ -4350,256 +4227,6 @@
       </p:grpSp>
       <p:grpSp>
         <p:nvGrpSpPr>
-          <p:cNvPr id="16" name="Groupe 15">
-            <a:extLst>
-              <a:ext uri="{FF2B5EF4-FFF2-40B4-BE49-F238E27FC236}">
-                <a16:creationId xmlns:a16="http://schemas.microsoft.com/office/drawing/2014/main" id="{3D3F7171-1675-4476-9763-36EE5F3222F3}"/>
-              </a:ext>
-            </a:extLst>
-          </p:cNvPr>
-          <p:cNvGrpSpPr/>
-          <p:nvPr/>
-        </p:nvGrpSpPr>
-        <p:grpSpPr>
-          <a:xfrm>
-            <a:off x="5082530" y="3277535"/>
-            <a:ext cx="1918852" cy="1376415"/>
-            <a:chOff x="5337405" y="3813108"/>
-            <a:chExt cx="2092951" cy="846574"/>
-          </a:xfrm>
-        </p:grpSpPr>
-        <p:sp>
-          <p:nvSpPr>
-            <p:cNvPr id="23" name="Rectangle 22">
-              <a:extLst>
-                <a:ext uri="{FF2B5EF4-FFF2-40B4-BE49-F238E27FC236}">
-                  <a16:creationId xmlns:a16="http://schemas.microsoft.com/office/drawing/2014/main" id="{B7EA7B36-0AC2-4394-B637-4F3ACB54911C}"/>
-                </a:ext>
-              </a:extLst>
-            </p:cNvPr>
-            <p:cNvSpPr/>
-            <p:nvPr/>
-          </p:nvSpPr>
-          <p:spPr>
-            <a:xfrm>
-              <a:off x="5337405" y="3813108"/>
-              <a:ext cx="2092951" cy="846574"/>
-            </a:xfrm>
-            <a:prstGeom prst="rect">
-              <a:avLst/>
-            </a:prstGeom>
-            <a:solidFill>
-              <a:schemeClr val="accent4">
-                <a:alpha val="30000"/>
-              </a:schemeClr>
-            </a:solidFill>
-          </p:spPr>
-          <p:style>
-            <a:lnRef idx="2">
-              <a:schemeClr val="accent4">
-                <a:shade val="50000"/>
-              </a:schemeClr>
-            </a:lnRef>
-            <a:fillRef idx="1">
-              <a:schemeClr val="accent4"/>
-            </a:fillRef>
-            <a:effectRef idx="0">
-              <a:schemeClr val="accent4"/>
-            </a:effectRef>
-            <a:fontRef idx="minor">
-              <a:schemeClr val="lt1"/>
-            </a:fontRef>
-          </p:style>
-          <p:txBody>
-            <a:bodyPr rtlCol="0" anchor="ctr"/>
-            <a:lstStyle/>
-            <a:p>
-              <a:pPr algn="ctr"/>
-              <a:endParaRPr lang="fr-FR"/>
-            </a:p>
-          </p:txBody>
-        </p:sp>
-        <p:sp>
-          <p:nvSpPr>
-            <p:cNvPr id="31" name="ZoneTexte 30">
-              <a:extLst>
-                <a:ext uri="{FF2B5EF4-FFF2-40B4-BE49-F238E27FC236}">
-                  <a16:creationId xmlns:a16="http://schemas.microsoft.com/office/drawing/2014/main" id="{F42A9E58-5E40-437D-AC02-900ED8E70A81}"/>
-                </a:ext>
-              </a:extLst>
-            </p:cNvPr>
-            <p:cNvSpPr txBox="1"/>
-            <p:nvPr/>
-          </p:nvSpPr>
-          <p:spPr>
-            <a:xfrm>
-              <a:off x="5788019" y="4043270"/>
-              <a:ext cx="1192107" cy="369332"/>
-            </a:xfrm>
-            <a:prstGeom prst="rect">
-              <a:avLst/>
-            </a:prstGeom>
-            <a:noFill/>
-          </p:spPr>
-          <p:txBody>
-            <a:bodyPr wrap="square" rtlCol="0">
-              <a:spAutoFit/>
-            </a:bodyPr>
-            <a:lstStyle/>
-            <a:p>
-              <a:r>
-                <a:rPr lang="fr-FR" b="1" i="1" dirty="0" err="1">
-                  <a:solidFill>
-                    <a:schemeClr val="accent2">
-                      <a:lumMod val="75000"/>
-                    </a:schemeClr>
-                  </a:solidFill>
-                  <a:latin typeface="Raleway" panose="020B0503030101060003" pitchFamily="34" charset="0"/>
-                </a:rPr>
-                <a:t>Sector</a:t>
-              </a:r>
-              <a:r>
-                <a:rPr lang="fr-FR" b="1" i="1" dirty="0">
-                  <a:solidFill>
-                    <a:schemeClr val="accent2">
-                      <a:lumMod val="75000"/>
-                    </a:schemeClr>
-                  </a:solidFill>
-                  <a:latin typeface="Raleway" panose="020B0503030101060003" pitchFamily="34" charset="0"/>
-                </a:rPr>
-                <a:t> 5</a:t>
-              </a:r>
-            </a:p>
-          </p:txBody>
-        </p:sp>
-      </p:grpSp>
-      <p:grpSp>
-        <p:nvGrpSpPr>
-          <p:cNvPr id="36" name="Groupe 35">
-            <a:extLst>
-              <a:ext uri="{FF2B5EF4-FFF2-40B4-BE49-F238E27FC236}">
-                <a16:creationId xmlns:a16="http://schemas.microsoft.com/office/drawing/2014/main" id="{521F51EB-1B43-4F92-B27F-C824114C1FA5}"/>
-              </a:ext>
-            </a:extLst>
-          </p:cNvPr>
-          <p:cNvGrpSpPr/>
-          <p:nvPr/>
-        </p:nvGrpSpPr>
-        <p:grpSpPr>
-          <a:xfrm>
-            <a:off x="2584185" y="3813108"/>
-            <a:ext cx="2497960" cy="846574"/>
-            <a:chOff x="3052463" y="3813108"/>
-            <a:chExt cx="1454609" cy="846574"/>
-          </a:xfrm>
-        </p:grpSpPr>
-        <p:sp>
-          <p:nvSpPr>
-            <p:cNvPr id="25" name="Rectangle 24">
-              <a:extLst>
-                <a:ext uri="{FF2B5EF4-FFF2-40B4-BE49-F238E27FC236}">
-                  <a16:creationId xmlns:a16="http://schemas.microsoft.com/office/drawing/2014/main" id="{878D9040-500C-4321-B270-8EB30599F438}"/>
-                </a:ext>
-              </a:extLst>
-            </p:cNvPr>
-            <p:cNvSpPr/>
-            <p:nvPr/>
-          </p:nvSpPr>
-          <p:spPr>
-            <a:xfrm>
-              <a:off x="3052463" y="3813108"/>
-              <a:ext cx="1454609" cy="846574"/>
-            </a:xfrm>
-            <a:prstGeom prst="rect">
-              <a:avLst/>
-            </a:prstGeom>
-            <a:solidFill>
-              <a:schemeClr val="accent4">
-                <a:alpha val="30000"/>
-              </a:schemeClr>
-            </a:solidFill>
-          </p:spPr>
-          <p:style>
-            <a:lnRef idx="2">
-              <a:schemeClr val="accent4">
-                <a:shade val="50000"/>
-              </a:schemeClr>
-            </a:lnRef>
-            <a:fillRef idx="1">
-              <a:schemeClr val="accent4"/>
-            </a:fillRef>
-            <a:effectRef idx="0">
-              <a:schemeClr val="accent4"/>
-            </a:effectRef>
-            <a:fontRef idx="minor">
-              <a:schemeClr val="lt1"/>
-            </a:fontRef>
-          </p:style>
-          <p:txBody>
-            <a:bodyPr rtlCol="0" anchor="ctr"/>
-            <a:lstStyle/>
-            <a:p>
-              <a:pPr algn="ctr"/>
-              <a:endParaRPr lang="fr-FR"/>
-            </a:p>
-          </p:txBody>
-        </p:sp>
-        <p:sp>
-          <p:nvSpPr>
-            <p:cNvPr id="32" name="ZoneTexte 31">
-              <a:extLst>
-                <a:ext uri="{FF2B5EF4-FFF2-40B4-BE49-F238E27FC236}">
-                  <a16:creationId xmlns:a16="http://schemas.microsoft.com/office/drawing/2014/main" id="{85FA8619-CC5D-4CAD-A204-9FCDA5B3BBA6}"/>
-                </a:ext>
-              </a:extLst>
-            </p:cNvPr>
-            <p:cNvSpPr txBox="1"/>
-            <p:nvPr/>
-          </p:nvSpPr>
-          <p:spPr>
-            <a:xfrm>
-              <a:off x="3470757" y="3997028"/>
-              <a:ext cx="756763" cy="369332"/>
-            </a:xfrm>
-            <a:prstGeom prst="rect">
-              <a:avLst/>
-            </a:prstGeom>
-            <a:noFill/>
-          </p:spPr>
-          <p:txBody>
-            <a:bodyPr wrap="square" rtlCol="0">
-              <a:spAutoFit/>
-            </a:bodyPr>
-            <a:lstStyle/>
-            <a:p>
-              <a:r>
-                <a:rPr lang="fr-FR" b="1" i="1" dirty="0" err="1">
-                  <a:solidFill>
-                    <a:schemeClr val="accent2">
-                      <a:lumMod val="75000"/>
-                    </a:schemeClr>
-                  </a:solidFill>
-                  <a:latin typeface="Raleway" panose="020B0503030101060003" pitchFamily="34" charset="0"/>
-                </a:rPr>
-                <a:t>Sector</a:t>
-              </a:r>
-              <a:r>
-                <a:rPr lang="fr-FR" b="1" i="1" dirty="0">
-                  <a:solidFill>
-                    <a:schemeClr val="accent2">
-                      <a:lumMod val="75000"/>
-                    </a:schemeClr>
-                  </a:solidFill>
-                  <a:latin typeface="Raleway" panose="020B0503030101060003" pitchFamily="34" charset="0"/>
-                </a:rPr>
-                <a:t> 5</a:t>
-              </a:r>
-            </a:p>
-          </p:txBody>
-        </p:sp>
-      </p:grpSp>
-      <p:grpSp>
-        <p:nvGrpSpPr>
           <p:cNvPr id="37" name="Groupe 36">
             <a:extLst>
               <a:ext uri="{FF2B5EF4-FFF2-40B4-BE49-F238E27FC236}">
@@ -4683,8 +4310,8 @@
           </p:nvSpPr>
           <p:spPr>
             <a:xfrm>
-              <a:off x="3307621" y="2144411"/>
-              <a:ext cx="1192107" cy="369332"/>
+              <a:off x="3295405" y="2140826"/>
+              <a:ext cx="1192107" cy="353706"/>
             </a:xfrm>
             <a:prstGeom prst="rect">
               <a:avLst/>
@@ -4717,7 +4344,7 @@
                   </a:solidFill>
                   <a:latin typeface="Raleway" panose="020B0503030101060003" pitchFamily="34" charset="0"/>
                 </a:rPr>
-                <a:t> 5</a:t>
+                <a:t> 6</a:t>
               </a:r>
             </a:p>
           </p:txBody>
@@ -4725,10 +4352,10 @@
       </p:grpSp>
       <p:sp>
         <p:nvSpPr>
-          <p:cNvPr id="35" name="Rectangle 34">
-            <a:extLst>
-              <a:ext uri="{FF2B5EF4-FFF2-40B4-BE49-F238E27FC236}">
-                <a16:creationId xmlns:a16="http://schemas.microsoft.com/office/drawing/2014/main" id="{CA78EF10-B0D7-493F-8ABC-EC07A8C19837}"/>
+          <p:cNvPr id="48" name="Rectangle 47">
+            <a:extLst>
+              <a:ext uri="{FF2B5EF4-FFF2-40B4-BE49-F238E27FC236}">
+                <a16:creationId xmlns:a16="http://schemas.microsoft.com/office/drawing/2014/main" id="{D402053E-E0A4-4C09-B97F-080EAC3BCA46}"/>
               </a:ext>
             </a:extLst>
           </p:cNvPr>
@@ -4736,9 +4363,9 @@
           <p:nvPr/>
         </p:nvSpPr>
         <p:spPr>
-          <a:xfrm>
-            <a:off x="9123531" y="508000"/>
-            <a:ext cx="677482" cy="586090"/>
+          <a:xfrm rot="16200000">
+            <a:off x="507539" y="3896945"/>
+            <a:ext cx="1231100" cy="313590"/>
           </a:xfrm>
           <a:prstGeom prst="rect">
             <a:avLst/>
@@ -4777,10 +4404,10 @@
       </p:sp>
       <p:sp>
         <p:nvSpPr>
-          <p:cNvPr id="42" name="Rectangle 41">
-            <a:extLst>
-              <a:ext uri="{FF2B5EF4-FFF2-40B4-BE49-F238E27FC236}">
-                <a16:creationId xmlns:a16="http://schemas.microsoft.com/office/drawing/2014/main" id="{2AF6F12E-B549-4307-84CD-F8D219FF14CF}"/>
+          <p:cNvPr id="50" name="Rectangle 49">
+            <a:extLst>
+              <a:ext uri="{FF2B5EF4-FFF2-40B4-BE49-F238E27FC236}">
+                <a16:creationId xmlns:a16="http://schemas.microsoft.com/office/drawing/2014/main" id="{163954E1-EA0E-4A8D-9BC7-0ECA670DDE28}"/>
               </a:ext>
             </a:extLst>
           </p:cNvPr>
@@ -4789,8 +4416,8 @@
         </p:nvSpPr>
         <p:spPr>
           <a:xfrm>
-            <a:off x="8485208" y="485818"/>
-            <a:ext cx="540136" cy="586090"/>
+            <a:off x="1407495" y="4348367"/>
+            <a:ext cx="1079428" cy="313590"/>
           </a:xfrm>
           <a:prstGeom prst="rect">
             <a:avLst/>
@@ -4829,10 +4456,10 @@
       </p:sp>
       <p:sp>
         <p:nvSpPr>
-          <p:cNvPr id="48" name="Rectangle 47">
-            <a:extLst>
-              <a:ext uri="{FF2B5EF4-FFF2-40B4-BE49-F238E27FC236}">
-                <a16:creationId xmlns:a16="http://schemas.microsoft.com/office/drawing/2014/main" id="{D402053E-E0A4-4C09-B97F-080EAC3BCA46}"/>
+          <p:cNvPr id="52" name="Rectangle 51">
+            <a:extLst>
+              <a:ext uri="{FF2B5EF4-FFF2-40B4-BE49-F238E27FC236}">
+                <a16:creationId xmlns:a16="http://schemas.microsoft.com/office/drawing/2014/main" id="{B04AB1A0-48C8-4AC2-9DE9-640F7D478AB6}"/>
               </a:ext>
             </a:extLst>
           </p:cNvPr>
@@ -4840,9 +4467,9 @@
           <p:nvPr/>
         </p:nvSpPr>
         <p:spPr>
-          <a:xfrm rot="16200000">
-            <a:off x="507539" y="3896945"/>
-            <a:ext cx="1231100" cy="313590"/>
+          <a:xfrm>
+            <a:off x="1407495" y="3438191"/>
+            <a:ext cx="1079428" cy="313590"/>
           </a:xfrm>
           <a:prstGeom prst="rect">
             <a:avLst/>
@@ -4881,10 +4508,10 @@
       </p:sp>
       <p:sp>
         <p:nvSpPr>
-          <p:cNvPr id="50" name="Rectangle 49">
-            <a:extLst>
-              <a:ext uri="{FF2B5EF4-FFF2-40B4-BE49-F238E27FC236}">
-                <a16:creationId xmlns:a16="http://schemas.microsoft.com/office/drawing/2014/main" id="{163954E1-EA0E-4A8D-9BC7-0ECA670DDE28}"/>
+          <p:cNvPr id="53" name="Rectangle 52">
+            <a:extLst>
+              <a:ext uri="{FF2B5EF4-FFF2-40B4-BE49-F238E27FC236}">
+                <a16:creationId xmlns:a16="http://schemas.microsoft.com/office/drawing/2014/main" id="{847D2E7F-F4D7-4CBC-8816-5EB5395F43B3}"/>
               </a:ext>
             </a:extLst>
           </p:cNvPr>
@@ -4893,8 +4520,8 @@
         </p:nvSpPr>
         <p:spPr>
           <a:xfrm>
-            <a:off x="1407495" y="4348367"/>
-            <a:ext cx="1079428" cy="313590"/>
+            <a:off x="1502231" y="2188169"/>
+            <a:ext cx="487681" cy="648615"/>
           </a:xfrm>
           <a:prstGeom prst="rect">
             <a:avLst/>
@@ -4931,110 +4558,6 @@
           </a:p>
         </p:txBody>
       </p:sp>
-      <p:sp>
-        <p:nvSpPr>
-          <p:cNvPr id="52" name="Rectangle 51">
-            <a:extLst>
-              <a:ext uri="{FF2B5EF4-FFF2-40B4-BE49-F238E27FC236}">
-                <a16:creationId xmlns:a16="http://schemas.microsoft.com/office/drawing/2014/main" id="{B04AB1A0-48C8-4AC2-9DE9-640F7D478AB6}"/>
-              </a:ext>
-            </a:extLst>
-          </p:cNvPr>
-          <p:cNvSpPr/>
-          <p:nvPr/>
-        </p:nvSpPr>
-        <p:spPr>
-          <a:xfrm>
-            <a:off x="1407495" y="3438191"/>
-            <a:ext cx="1079428" cy="313590"/>
-          </a:xfrm>
-          <a:prstGeom prst="rect">
-            <a:avLst/>
-          </a:prstGeom>
-          <a:noFill/>
-          <a:ln w="28575">
-            <a:solidFill>
-              <a:schemeClr val="tx1"/>
-            </a:solidFill>
-          </a:ln>
-        </p:spPr>
-        <p:style>
-          <a:lnRef idx="2">
-            <a:schemeClr val="accent1">
-              <a:shade val="50000"/>
-            </a:schemeClr>
-          </a:lnRef>
-          <a:fillRef idx="1">
-            <a:schemeClr val="accent1"/>
-          </a:fillRef>
-          <a:effectRef idx="0">
-            <a:schemeClr val="accent1"/>
-          </a:effectRef>
-          <a:fontRef idx="minor">
-            <a:schemeClr val="lt1"/>
-          </a:fontRef>
-        </p:style>
-        <p:txBody>
-          <a:bodyPr rtlCol="0" anchor="ctr"/>
-          <a:lstStyle/>
-          <a:p>
-            <a:pPr algn="ctr"/>
-            <a:endParaRPr lang="fr-FR"/>
-          </a:p>
-        </p:txBody>
-      </p:sp>
-      <p:sp>
-        <p:nvSpPr>
-          <p:cNvPr id="53" name="Rectangle 52">
-            <a:extLst>
-              <a:ext uri="{FF2B5EF4-FFF2-40B4-BE49-F238E27FC236}">
-                <a16:creationId xmlns:a16="http://schemas.microsoft.com/office/drawing/2014/main" id="{847D2E7F-F4D7-4CBC-8816-5EB5395F43B3}"/>
-              </a:ext>
-            </a:extLst>
-          </p:cNvPr>
-          <p:cNvSpPr/>
-          <p:nvPr/>
-        </p:nvSpPr>
-        <p:spPr>
-          <a:xfrm>
-            <a:off x="1502231" y="2188169"/>
-            <a:ext cx="487681" cy="648615"/>
-          </a:xfrm>
-          <a:prstGeom prst="rect">
-            <a:avLst/>
-          </a:prstGeom>
-          <a:noFill/>
-          <a:ln w="28575">
-            <a:solidFill>
-              <a:schemeClr val="tx1"/>
-            </a:solidFill>
-          </a:ln>
-        </p:spPr>
-        <p:style>
-          <a:lnRef idx="2">
-            <a:schemeClr val="accent1">
-              <a:shade val="50000"/>
-            </a:schemeClr>
-          </a:lnRef>
-          <a:fillRef idx="1">
-            <a:schemeClr val="accent1"/>
-          </a:fillRef>
-          <a:effectRef idx="0">
-            <a:schemeClr val="accent1"/>
-          </a:effectRef>
-          <a:fontRef idx="minor">
-            <a:schemeClr val="lt1"/>
-          </a:fontRef>
-        </p:style>
-        <p:txBody>
-          <a:bodyPr rtlCol="0" anchor="ctr"/>
-          <a:lstStyle/>
-          <a:p>
-            <a:pPr algn="ctr"/>
-            <a:endParaRPr lang="fr-FR"/>
-          </a:p>
-        </p:txBody>
-      </p:sp>
       <p:grpSp>
         <p:nvGrpSpPr>
           <p:cNvPr id="55" name="Groupe 54">
@@ -5049,7 +4572,7 @@
         </p:nvGrpSpPr>
         <p:grpSpPr>
           <a:xfrm>
-            <a:off x="1574499" y="5594344"/>
+            <a:off x="2542165" y="5594344"/>
             <a:ext cx="1324487" cy="395262"/>
             <a:chOff x="9801012" y="1578279"/>
             <a:chExt cx="1815246" cy="3081403"/>
@@ -5174,7 +4697,7 @@
         </p:nvGrpSpPr>
         <p:grpSpPr>
           <a:xfrm>
-            <a:off x="3122507" y="5596241"/>
+            <a:off x="3983642" y="5596241"/>
             <a:ext cx="1324486" cy="395262"/>
             <a:chOff x="7430356" y="1574806"/>
             <a:chExt cx="2092951" cy="850048"/>
@@ -5299,7 +4822,7 @@
         </p:nvSpPr>
         <p:spPr>
           <a:xfrm>
-            <a:off x="1542626" y="6061025"/>
+            <a:off x="2510292" y="6061025"/>
             <a:ext cx="1303867" cy="646331"/>
           </a:xfrm>
           <a:prstGeom prst="rect">
@@ -5313,6 +4836,7 @@
           </a:bodyPr>
           <a:lstStyle/>
           <a:p>
+            <a:pPr algn="ctr"/>
             <a:r>
               <a:rPr lang="fr-FR" sz="1200" dirty="0"/>
               <a:t>Raw </a:t>
@@ -5347,7 +4871,7 @@
         </p:nvSpPr>
         <p:spPr>
           <a:xfrm>
-            <a:off x="3122507" y="6054752"/>
+            <a:off x="3983642" y="6054752"/>
             <a:ext cx="1303867" cy="461665"/>
           </a:xfrm>
           <a:prstGeom prst="rect">
@@ -5361,6 +4885,7 @@
           </a:bodyPr>
           <a:lstStyle/>
           <a:p>
+            <a:pPr algn="ctr"/>
             <a:r>
               <a:rPr lang="fr-FR" sz="1200" dirty="0" err="1"/>
               <a:t>Electrical</a:t>
@@ -5391,7 +4916,7 @@
         </p:nvGrpSpPr>
         <p:grpSpPr>
           <a:xfrm>
-            <a:off x="4616032" y="5601461"/>
+            <a:off x="5432774" y="5601461"/>
             <a:ext cx="1211332" cy="369332"/>
             <a:chOff x="5337405" y="1574804"/>
             <a:chExt cx="2092951" cy="866752"/>
@@ -5512,7 +5037,7 @@
         </p:nvSpPr>
         <p:spPr>
           <a:xfrm>
-            <a:off x="4616032" y="6054752"/>
+            <a:off x="5344232" y="6044434"/>
             <a:ext cx="1303867" cy="646331"/>
           </a:xfrm>
           <a:prstGeom prst="rect">
@@ -5526,6 +5051,7 @@
           </a:bodyPr>
           <a:lstStyle/>
           <a:p>
+            <a:pPr algn="ctr"/>
             <a:r>
               <a:rPr lang="fr-FR" sz="1200" dirty="0"/>
               <a:t>Etagère Kit Montage &amp; Inventaire Pièces</a:t>
@@ -5535,184 +5061,6 @@
       </p:sp>
       <p:sp>
         <p:nvSpPr>
-          <p:cNvPr id="69" name="Rectangle 68">
-            <a:extLst>
-              <a:ext uri="{FF2B5EF4-FFF2-40B4-BE49-F238E27FC236}">
-                <a16:creationId xmlns:a16="http://schemas.microsoft.com/office/drawing/2014/main" id="{B7480C09-90EA-4E32-AE5C-E011A39EA61D}"/>
-              </a:ext>
-            </a:extLst>
-          </p:cNvPr>
-          <p:cNvSpPr/>
-          <p:nvPr/>
-        </p:nvSpPr>
-        <p:spPr>
-          <a:xfrm>
-            <a:off x="9979141" y="462237"/>
-            <a:ext cx="2092951" cy="757991"/>
-          </a:xfrm>
-          <a:prstGeom prst="rect">
-            <a:avLst/>
-          </a:prstGeom>
-          <a:noFill/>
-          <a:ln w="28575">
-            <a:solidFill>
-              <a:schemeClr val="tx1"/>
-            </a:solidFill>
-            <a:prstDash val="dash"/>
-          </a:ln>
-        </p:spPr>
-        <p:style>
-          <a:lnRef idx="2">
-            <a:schemeClr val="accent1">
-              <a:shade val="50000"/>
-            </a:schemeClr>
-          </a:lnRef>
-          <a:fillRef idx="1">
-            <a:schemeClr val="accent1"/>
-          </a:fillRef>
-          <a:effectRef idx="0">
-            <a:schemeClr val="accent1"/>
-          </a:effectRef>
-          <a:fontRef idx="minor">
-            <a:schemeClr val="lt1"/>
-          </a:fontRef>
-        </p:style>
-        <p:txBody>
-          <a:bodyPr rtlCol="0" anchor="ctr"/>
-          <a:lstStyle/>
-          <a:p>
-            <a:pPr algn="ctr"/>
-            <a:endParaRPr lang="fr-FR"/>
-          </a:p>
-        </p:txBody>
-      </p:sp>
-      <p:grpSp>
-        <p:nvGrpSpPr>
-          <p:cNvPr id="80" name="Groupe 79">
-            <a:extLst>
-              <a:ext uri="{FF2B5EF4-FFF2-40B4-BE49-F238E27FC236}">
-                <a16:creationId xmlns:a16="http://schemas.microsoft.com/office/drawing/2014/main" id="{E1FEB631-79C4-48CA-AC92-A8ADAC0171FB}"/>
-              </a:ext>
-            </a:extLst>
-          </p:cNvPr>
-          <p:cNvGrpSpPr/>
-          <p:nvPr/>
-        </p:nvGrpSpPr>
-        <p:grpSpPr>
-          <a:xfrm>
-            <a:off x="6023357" y="5594344"/>
-            <a:ext cx="1218045" cy="376450"/>
-            <a:chOff x="6023357" y="5594344"/>
-            <a:chExt cx="1218045" cy="376450"/>
-          </a:xfrm>
-        </p:grpSpPr>
-        <p:sp>
-          <p:nvSpPr>
-            <p:cNvPr id="73" name="Rectangle 72">
-              <a:extLst>
-                <a:ext uri="{FF2B5EF4-FFF2-40B4-BE49-F238E27FC236}">
-                  <a16:creationId xmlns:a16="http://schemas.microsoft.com/office/drawing/2014/main" id="{4AF428C2-070F-4BCE-A189-5CBD31F8DB26}"/>
-                </a:ext>
-              </a:extLst>
-            </p:cNvPr>
-            <p:cNvSpPr/>
-            <p:nvPr/>
-          </p:nvSpPr>
-          <p:spPr>
-            <a:xfrm>
-              <a:off x="6043975" y="5594344"/>
-              <a:ext cx="1147239" cy="376449"/>
-            </a:xfrm>
-            <a:prstGeom prst="rect">
-              <a:avLst/>
-            </a:prstGeom>
-            <a:solidFill>
-              <a:schemeClr val="accent4">
-                <a:alpha val="30000"/>
-              </a:schemeClr>
-            </a:solidFill>
-          </p:spPr>
-          <p:style>
-            <a:lnRef idx="2">
-              <a:schemeClr val="accent4">
-                <a:shade val="50000"/>
-              </a:schemeClr>
-            </a:lnRef>
-            <a:fillRef idx="1">
-              <a:schemeClr val="accent4"/>
-            </a:fillRef>
-            <a:effectRef idx="0">
-              <a:schemeClr val="accent4"/>
-            </a:effectRef>
-            <a:fontRef idx="minor">
-              <a:schemeClr val="lt1"/>
-            </a:fontRef>
-          </p:style>
-          <p:txBody>
-            <a:bodyPr rtlCol="0" anchor="ctr"/>
-            <a:lstStyle/>
-            <a:p>
-              <a:pPr algn="ctr"/>
-              <a:endParaRPr lang="fr-FR"/>
-            </a:p>
-          </p:txBody>
-        </p:sp>
-        <p:sp>
-          <p:nvSpPr>
-            <p:cNvPr id="74" name="ZoneTexte 73">
-              <a:extLst>
-                <a:ext uri="{FF2B5EF4-FFF2-40B4-BE49-F238E27FC236}">
-                  <a16:creationId xmlns:a16="http://schemas.microsoft.com/office/drawing/2014/main" id="{6A552830-FE3A-4F08-A0C7-22546A681E79}"/>
-                </a:ext>
-              </a:extLst>
-            </p:cNvPr>
-            <p:cNvSpPr txBox="1"/>
-            <p:nvPr/>
-          </p:nvSpPr>
-          <p:spPr>
-            <a:xfrm>
-              <a:off x="6023357" y="5601462"/>
-              <a:ext cx="1218045" cy="369332"/>
-            </a:xfrm>
-            <a:prstGeom prst="rect">
-              <a:avLst/>
-            </a:prstGeom>
-            <a:noFill/>
-          </p:spPr>
-          <p:txBody>
-            <a:bodyPr wrap="square" rtlCol="0">
-              <a:spAutoFit/>
-            </a:bodyPr>
-            <a:lstStyle/>
-            <a:p>
-              <a:r>
-                <a:rPr lang="fr-FR" b="1" i="1" dirty="0" err="1">
-                  <a:solidFill>
-                    <a:schemeClr val="accent2">
-                      <a:lumMod val="75000"/>
-                    </a:schemeClr>
-                  </a:solidFill>
-                  <a:latin typeface="Raleway" panose="020B0503030101060003" pitchFamily="34" charset="0"/>
-                </a:rPr>
-                <a:t>Sector</a:t>
-              </a:r>
-              <a:r>
-                <a:rPr lang="fr-FR" b="1" i="1" dirty="0">
-                  <a:solidFill>
-                    <a:schemeClr val="accent2">
-                      <a:lumMod val="75000"/>
-                    </a:schemeClr>
-                  </a:solidFill>
-                  <a:latin typeface="Raleway" panose="020B0503030101060003" pitchFamily="34" charset="0"/>
-                </a:rPr>
-                <a:t> 4</a:t>
-              </a:r>
-            </a:p>
-          </p:txBody>
-        </p:sp>
-      </p:grpSp>
-      <p:sp>
-        <p:nvSpPr>
           <p:cNvPr id="75" name="ZoneTexte 74">
             <a:extLst>
               <a:ext uri="{FF2B5EF4-FFF2-40B4-BE49-F238E27FC236}">
@@ -5725,8 +5073,8 @@
         </p:nvSpPr>
         <p:spPr>
           <a:xfrm>
-            <a:off x="6043975" y="6054752"/>
-            <a:ext cx="1303867" cy="646331"/>
+            <a:off x="6718678" y="6054752"/>
+            <a:ext cx="1126235" cy="830997"/>
           </a:xfrm>
           <a:prstGeom prst="rect">
             <a:avLst/>
@@ -5739,9 +5087,17 @@
           </a:bodyPr>
           <a:lstStyle/>
           <a:p>
+            <a:pPr algn="ctr"/>
             <a:r>
               <a:rPr lang="fr-FR" sz="1200" dirty="0"/>
-              <a:t>Etagère Kit Montage &amp; Inventaire Pièces</a:t>
+              <a:t>Anciens Véhicules</a:t>
+            </a:r>
+          </a:p>
+          <a:p>
+            <a:pPr algn="ctr"/>
+            <a:r>
+              <a:rPr lang="fr-FR" sz="1200" dirty="0"/>
+              <a:t>+ Equipements Pilotes</a:t>
             </a:r>
           </a:p>
         </p:txBody>
@@ -5760,7 +5116,7 @@
         </p:nvGrpSpPr>
         <p:grpSpPr>
           <a:xfrm>
-            <a:off x="7304550" y="5594344"/>
+            <a:off x="7979253" y="5594344"/>
             <a:ext cx="1218045" cy="376450"/>
             <a:chOff x="6023357" y="5594344"/>
             <a:chExt cx="1218045" cy="376450"/>
@@ -5885,7 +5241,7 @@
         </p:nvGrpSpPr>
         <p:grpSpPr>
           <a:xfrm>
-            <a:off x="8662562" y="5594344"/>
+            <a:off x="9337265" y="5594344"/>
             <a:ext cx="1218045" cy="376450"/>
             <a:chOff x="6023357" y="5594344"/>
             <a:chExt cx="1218045" cy="376450"/>
@@ -6117,110 +5473,6 @@
       </p:sp>
       <p:sp>
         <p:nvSpPr>
-          <p:cNvPr id="89" name="Rectangle 88">
-            <a:extLst>
-              <a:ext uri="{FF2B5EF4-FFF2-40B4-BE49-F238E27FC236}">
-                <a16:creationId xmlns:a16="http://schemas.microsoft.com/office/drawing/2014/main" id="{D4372921-0784-467C-AC43-5024733FF732}"/>
-              </a:ext>
-            </a:extLst>
-          </p:cNvPr>
-          <p:cNvSpPr/>
-          <p:nvPr/>
-        </p:nvSpPr>
-        <p:spPr>
-          <a:xfrm>
-            <a:off x="7867539" y="121402"/>
-            <a:ext cx="540136" cy="442116"/>
-          </a:xfrm>
-          <a:prstGeom prst="rect">
-            <a:avLst/>
-          </a:prstGeom>
-          <a:noFill/>
-          <a:ln w="28575">
-            <a:solidFill>
-              <a:schemeClr val="tx1"/>
-            </a:solidFill>
-          </a:ln>
-        </p:spPr>
-        <p:style>
-          <a:lnRef idx="2">
-            <a:schemeClr val="accent1">
-              <a:shade val="50000"/>
-            </a:schemeClr>
-          </a:lnRef>
-          <a:fillRef idx="1">
-            <a:schemeClr val="accent1"/>
-          </a:fillRef>
-          <a:effectRef idx="0">
-            <a:schemeClr val="accent1"/>
-          </a:effectRef>
-          <a:fontRef idx="minor">
-            <a:schemeClr val="lt1"/>
-          </a:fontRef>
-        </p:style>
-        <p:txBody>
-          <a:bodyPr rtlCol="0" anchor="ctr"/>
-          <a:lstStyle/>
-          <a:p>
-            <a:pPr algn="ctr"/>
-            <a:endParaRPr lang="fr-FR"/>
-          </a:p>
-        </p:txBody>
-      </p:sp>
-      <p:sp>
-        <p:nvSpPr>
-          <p:cNvPr id="110" name="Rectangle 109">
-            <a:extLst>
-              <a:ext uri="{FF2B5EF4-FFF2-40B4-BE49-F238E27FC236}">
-                <a16:creationId xmlns:a16="http://schemas.microsoft.com/office/drawing/2014/main" id="{D63D5494-9827-4284-966C-4A9915FD2D49}"/>
-              </a:ext>
-            </a:extLst>
-          </p:cNvPr>
-          <p:cNvSpPr/>
-          <p:nvPr/>
-        </p:nvSpPr>
-        <p:spPr>
-          <a:xfrm>
-            <a:off x="7128058" y="363342"/>
-            <a:ext cx="352984" cy="400351"/>
-          </a:xfrm>
-          <a:prstGeom prst="rect">
-            <a:avLst/>
-          </a:prstGeom>
-          <a:noFill/>
-          <a:ln w="28575">
-            <a:solidFill>
-              <a:schemeClr val="tx1"/>
-            </a:solidFill>
-          </a:ln>
-        </p:spPr>
-        <p:style>
-          <a:lnRef idx="2">
-            <a:schemeClr val="accent1">
-              <a:shade val="50000"/>
-            </a:schemeClr>
-          </a:lnRef>
-          <a:fillRef idx="1">
-            <a:schemeClr val="accent1"/>
-          </a:fillRef>
-          <a:effectRef idx="0">
-            <a:schemeClr val="accent1"/>
-          </a:effectRef>
-          <a:fontRef idx="minor">
-            <a:schemeClr val="lt1"/>
-          </a:fontRef>
-        </p:style>
-        <p:txBody>
-          <a:bodyPr rtlCol="0" anchor="ctr"/>
-          <a:lstStyle/>
-          <a:p>
-            <a:pPr algn="ctr"/>
-            <a:endParaRPr lang="fr-FR"/>
-          </a:p>
-        </p:txBody>
-      </p:sp>
-      <p:sp>
-        <p:nvSpPr>
           <p:cNvPr id="116" name="ZoneTexte 115">
             <a:extLst>
               <a:ext uri="{FF2B5EF4-FFF2-40B4-BE49-F238E27FC236}">
@@ -7752,6 +7004,1093 @@
               </a:rPr>
               <a:t>25,5 m</a:t>
             </a:r>
+          </a:p>
+        </p:txBody>
+      </p:sp>
+      <p:sp>
+        <p:nvSpPr>
+          <p:cNvPr id="104" name="ZoneTexte 103">
+            <a:extLst>
+              <a:ext uri="{FF2B5EF4-FFF2-40B4-BE49-F238E27FC236}">
+                <a16:creationId xmlns:a16="http://schemas.microsoft.com/office/drawing/2014/main" id="{4B071544-D3A0-4AB9-B079-6164D10C1FC0}"/>
+              </a:ext>
+            </a:extLst>
+          </p:cNvPr>
+          <p:cNvSpPr txBox="1"/>
+          <p:nvPr/>
+        </p:nvSpPr>
+        <p:spPr>
+          <a:xfrm>
+            <a:off x="10598220" y="6066132"/>
+            <a:ext cx="1218045" cy="646331"/>
+          </a:xfrm>
+          <a:prstGeom prst="rect">
+            <a:avLst/>
+          </a:prstGeom>
+          <a:noFill/>
+        </p:spPr>
+        <p:txBody>
+          <a:bodyPr wrap="square" rtlCol="0">
+            <a:spAutoFit/>
+          </a:bodyPr>
+          <a:lstStyle/>
+          <a:p>
+            <a:pPr algn="ctr"/>
+            <a:r>
+              <a:rPr lang="fr-FR" sz="1200" dirty="0"/>
+              <a:t>Cuisine, Equipements de sécurité</a:t>
+            </a:r>
+          </a:p>
+        </p:txBody>
+      </p:sp>
+      <p:sp>
+        <p:nvSpPr>
+          <p:cNvPr id="105" name="ZoneTexte 104">
+            <a:extLst>
+              <a:ext uri="{FF2B5EF4-FFF2-40B4-BE49-F238E27FC236}">
+                <a16:creationId xmlns:a16="http://schemas.microsoft.com/office/drawing/2014/main" id="{B8A5ADAF-F8E1-481C-99DC-713B5D1C8194}"/>
+              </a:ext>
+            </a:extLst>
+          </p:cNvPr>
+          <p:cNvSpPr txBox="1"/>
+          <p:nvPr/>
+        </p:nvSpPr>
+        <p:spPr>
+          <a:xfrm>
+            <a:off x="9294353" y="6050779"/>
+            <a:ext cx="1303867" cy="461665"/>
+          </a:xfrm>
+          <a:prstGeom prst="rect">
+            <a:avLst/>
+          </a:prstGeom>
+          <a:noFill/>
+        </p:spPr>
+        <p:txBody>
+          <a:bodyPr wrap="square" rtlCol="0">
+            <a:spAutoFit/>
+          </a:bodyPr>
+          <a:lstStyle/>
+          <a:p>
+            <a:pPr algn="ctr"/>
+            <a:r>
+              <a:rPr lang="fr-FR" sz="1200" dirty="0"/>
+              <a:t>Intégration sur le véhicule</a:t>
+            </a:r>
+          </a:p>
+        </p:txBody>
+      </p:sp>
+      <p:sp>
+        <p:nvSpPr>
+          <p:cNvPr id="106" name="Rectangle 105">
+            <a:extLst>
+              <a:ext uri="{FF2B5EF4-FFF2-40B4-BE49-F238E27FC236}">
+                <a16:creationId xmlns:a16="http://schemas.microsoft.com/office/drawing/2014/main" id="{9C22E0EB-D946-4E5F-AA31-8F6E01FCF918}"/>
+              </a:ext>
+            </a:extLst>
+          </p:cNvPr>
+          <p:cNvSpPr/>
+          <p:nvPr/>
+        </p:nvSpPr>
+        <p:spPr>
+          <a:xfrm>
+            <a:off x="5908305" y="3159423"/>
+            <a:ext cx="598607" cy="1151821"/>
+          </a:xfrm>
+          <a:prstGeom prst="rect">
+            <a:avLst/>
+          </a:prstGeom>
+          <a:solidFill>
+            <a:schemeClr val="bg1"/>
+          </a:solidFill>
+          <a:ln w="28575">
+            <a:noFill/>
+          </a:ln>
+        </p:spPr>
+        <p:style>
+          <a:lnRef idx="2">
+            <a:schemeClr val="accent1">
+              <a:shade val="50000"/>
+            </a:schemeClr>
+          </a:lnRef>
+          <a:fillRef idx="1">
+            <a:schemeClr val="accent1"/>
+          </a:fillRef>
+          <a:effectRef idx="0">
+            <a:schemeClr val="accent1"/>
+          </a:effectRef>
+          <a:fontRef idx="minor">
+            <a:schemeClr val="lt1"/>
+          </a:fontRef>
+        </p:style>
+        <p:txBody>
+          <a:bodyPr rtlCol="0" anchor="ctr"/>
+          <a:lstStyle/>
+          <a:p>
+            <a:pPr algn="ctr"/>
+            <a:endParaRPr lang="fr-FR"/>
+          </a:p>
+        </p:txBody>
+      </p:sp>
+      <p:grpSp>
+        <p:nvGrpSpPr>
+          <p:cNvPr id="36" name="Groupe 35">
+            <a:extLst>
+              <a:ext uri="{FF2B5EF4-FFF2-40B4-BE49-F238E27FC236}">
+                <a16:creationId xmlns:a16="http://schemas.microsoft.com/office/drawing/2014/main" id="{521F51EB-1B43-4F92-B27F-C824114C1FA5}"/>
+              </a:ext>
+            </a:extLst>
+          </p:cNvPr>
+          <p:cNvGrpSpPr/>
+          <p:nvPr/>
+        </p:nvGrpSpPr>
+        <p:grpSpPr>
+          <a:xfrm>
+            <a:off x="2584185" y="3813108"/>
+            <a:ext cx="4416812" cy="846574"/>
+            <a:chOff x="3052463" y="3813108"/>
+            <a:chExt cx="1454609" cy="846574"/>
+          </a:xfrm>
+        </p:grpSpPr>
+        <p:sp>
+          <p:nvSpPr>
+            <p:cNvPr id="25" name="Rectangle 24">
+              <a:extLst>
+                <a:ext uri="{FF2B5EF4-FFF2-40B4-BE49-F238E27FC236}">
+                  <a16:creationId xmlns:a16="http://schemas.microsoft.com/office/drawing/2014/main" id="{878D9040-500C-4321-B270-8EB30599F438}"/>
+                </a:ext>
+              </a:extLst>
+            </p:cNvPr>
+            <p:cNvSpPr/>
+            <p:nvPr/>
+          </p:nvSpPr>
+          <p:spPr>
+            <a:xfrm>
+              <a:off x="3052463" y="3813108"/>
+              <a:ext cx="1454609" cy="846574"/>
+            </a:xfrm>
+            <a:prstGeom prst="rect">
+              <a:avLst/>
+            </a:prstGeom>
+            <a:solidFill>
+              <a:schemeClr val="accent4">
+                <a:alpha val="30000"/>
+              </a:schemeClr>
+            </a:solidFill>
+          </p:spPr>
+          <p:style>
+            <a:lnRef idx="2">
+              <a:schemeClr val="accent4">
+                <a:shade val="50000"/>
+              </a:schemeClr>
+            </a:lnRef>
+            <a:fillRef idx="1">
+              <a:schemeClr val="accent4"/>
+            </a:fillRef>
+            <a:effectRef idx="0">
+              <a:schemeClr val="accent4"/>
+            </a:effectRef>
+            <a:fontRef idx="minor">
+              <a:schemeClr val="lt1"/>
+            </a:fontRef>
+          </p:style>
+          <p:txBody>
+            <a:bodyPr rtlCol="0" anchor="ctr"/>
+            <a:lstStyle/>
+            <a:p>
+              <a:pPr algn="ctr"/>
+              <a:endParaRPr lang="fr-FR"/>
+            </a:p>
+          </p:txBody>
+        </p:sp>
+        <p:sp>
+          <p:nvSpPr>
+            <p:cNvPr id="32" name="ZoneTexte 31">
+              <a:extLst>
+                <a:ext uri="{FF2B5EF4-FFF2-40B4-BE49-F238E27FC236}">
+                  <a16:creationId xmlns:a16="http://schemas.microsoft.com/office/drawing/2014/main" id="{85FA8619-CC5D-4CAD-A204-9FCDA5B3BBA6}"/>
+                </a:ext>
+              </a:extLst>
+            </p:cNvPr>
+            <p:cNvSpPr txBox="1"/>
+            <p:nvPr/>
+          </p:nvSpPr>
+          <p:spPr>
+            <a:xfrm>
+              <a:off x="3470757" y="3997028"/>
+              <a:ext cx="756763" cy="369332"/>
+            </a:xfrm>
+            <a:prstGeom prst="rect">
+              <a:avLst/>
+            </a:prstGeom>
+            <a:noFill/>
+          </p:spPr>
+          <p:txBody>
+            <a:bodyPr wrap="square" rtlCol="0">
+              <a:spAutoFit/>
+            </a:bodyPr>
+            <a:lstStyle/>
+            <a:p>
+              <a:r>
+                <a:rPr lang="fr-FR" b="1" i="1" dirty="0" err="1">
+                  <a:solidFill>
+                    <a:schemeClr val="accent2">
+                      <a:lumMod val="75000"/>
+                    </a:schemeClr>
+                  </a:solidFill>
+                  <a:latin typeface="Raleway" panose="020B0503030101060003" pitchFamily="34" charset="0"/>
+                </a:rPr>
+                <a:t>Sector</a:t>
+              </a:r>
+              <a:r>
+                <a:rPr lang="fr-FR" b="1" i="1" dirty="0">
+                  <a:solidFill>
+                    <a:schemeClr val="accent2">
+                      <a:lumMod val="75000"/>
+                    </a:schemeClr>
+                  </a:solidFill>
+                  <a:latin typeface="Raleway" panose="020B0503030101060003" pitchFamily="34" charset="0"/>
+                </a:rPr>
+                <a:t> 5</a:t>
+              </a:r>
+            </a:p>
+          </p:txBody>
+        </p:sp>
+      </p:grpSp>
+      <p:sp>
+        <p:nvSpPr>
+          <p:cNvPr id="107" name="ZoneTexte 106">
+            <a:extLst>
+              <a:ext uri="{FF2B5EF4-FFF2-40B4-BE49-F238E27FC236}">
+                <a16:creationId xmlns:a16="http://schemas.microsoft.com/office/drawing/2014/main" id="{0963FCEA-B3D9-4673-B5EA-F0FD14CAAF29}"/>
+              </a:ext>
+            </a:extLst>
+          </p:cNvPr>
+          <p:cNvSpPr txBox="1"/>
+          <p:nvPr/>
+        </p:nvSpPr>
+        <p:spPr>
+          <a:xfrm>
+            <a:off x="7893431" y="6065720"/>
+            <a:ext cx="1303867" cy="461665"/>
+          </a:xfrm>
+          <a:prstGeom prst="rect">
+            <a:avLst/>
+          </a:prstGeom>
+          <a:noFill/>
+        </p:spPr>
+        <p:txBody>
+          <a:bodyPr wrap="square" rtlCol="0">
+            <a:spAutoFit/>
+          </a:bodyPr>
+          <a:lstStyle/>
+          <a:p>
+            <a:pPr algn="ctr"/>
+            <a:r>
+              <a:rPr lang="fr-FR" sz="1200" dirty="0"/>
+              <a:t>Rangement Outils</a:t>
+            </a:r>
+          </a:p>
+          <a:p>
+            <a:pPr algn="ctr"/>
+            <a:r>
+              <a:rPr lang="fr-FR" sz="1200" dirty="0"/>
+              <a:t>+ Etablis</a:t>
+            </a:r>
+          </a:p>
+        </p:txBody>
+      </p:sp>
+      <p:grpSp>
+        <p:nvGrpSpPr>
+          <p:cNvPr id="109" name="Groupe 108">
+            <a:extLst>
+              <a:ext uri="{FF2B5EF4-FFF2-40B4-BE49-F238E27FC236}">
+                <a16:creationId xmlns:a16="http://schemas.microsoft.com/office/drawing/2014/main" id="{5474F342-955C-4F19-BACE-3C897FC14348}"/>
+              </a:ext>
+            </a:extLst>
+          </p:cNvPr>
+          <p:cNvGrpSpPr/>
+          <p:nvPr/>
+        </p:nvGrpSpPr>
+        <p:grpSpPr>
+          <a:xfrm>
+            <a:off x="6741985" y="5589303"/>
+            <a:ext cx="1229559" cy="393648"/>
+            <a:chOff x="11195438" y="4748365"/>
+            <a:chExt cx="3788872" cy="820398"/>
+          </a:xfrm>
+        </p:grpSpPr>
+        <p:sp>
+          <p:nvSpPr>
+            <p:cNvPr id="111" name="Rectangle 110">
+              <a:extLst>
+                <a:ext uri="{FF2B5EF4-FFF2-40B4-BE49-F238E27FC236}">
+                  <a16:creationId xmlns:a16="http://schemas.microsoft.com/office/drawing/2014/main" id="{0503971E-50D1-4042-8ECD-66FB94DFF2B2}"/>
+                </a:ext>
+              </a:extLst>
+            </p:cNvPr>
+            <p:cNvSpPr/>
+            <p:nvPr/>
+          </p:nvSpPr>
+          <p:spPr>
+            <a:xfrm>
+              <a:off x="11195438" y="4748365"/>
+              <a:ext cx="3398661" cy="820398"/>
+            </a:xfrm>
+            <a:prstGeom prst="rect">
+              <a:avLst/>
+            </a:prstGeom>
+            <a:solidFill>
+              <a:schemeClr val="tx2">
+                <a:alpha val="30000"/>
+              </a:schemeClr>
+            </a:solidFill>
+          </p:spPr>
+          <p:style>
+            <a:lnRef idx="2">
+              <a:schemeClr val="accent4">
+                <a:shade val="50000"/>
+              </a:schemeClr>
+            </a:lnRef>
+            <a:fillRef idx="1">
+              <a:schemeClr val="accent4"/>
+            </a:fillRef>
+            <a:effectRef idx="0">
+              <a:schemeClr val="accent4"/>
+            </a:effectRef>
+            <a:fontRef idx="minor">
+              <a:schemeClr val="lt1"/>
+            </a:fontRef>
+          </p:style>
+          <p:txBody>
+            <a:bodyPr rtlCol="0" anchor="ctr"/>
+            <a:lstStyle/>
+            <a:p>
+              <a:pPr algn="ctr"/>
+              <a:endParaRPr lang="fr-FR" dirty="0"/>
+            </a:p>
+          </p:txBody>
+        </p:sp>
+        <p:sp>
+          <p:nvSpPr>
+            <p:cNvPr id="112" name="ZoneTexte 111">
+              <a:extLst>
+                <a:ext uri="{FF2B5EF4-FFF2-40B4-BE49-F238E27FC236}">
+                  <a16:creationId xmlns:a16="http://schemas.microsoft.com/office/drawing/2014/main" id="{2B9CDE9B-F8DD-4071-8B00-AEF209E4497A}"/>
+                </a:ext>
+              </a:extLst>
+            </p:cNvPr>
+            <p:cNvSpPr txBox="1"/>
+            <p:nvPr/>
+          </p:nvSpPr>
+          <p:spPr>
+            <a:xfrm>
+              <a:off x="11277186" y="4825257"/>
+              <a:ext cx="3707124" cy="708974"/>
+            </a:xfrm>
+            <a:prstGeom prst="rect">
+              <a:avLst/>
+            </a:prstGeom>
+            <a:noFill/>
+          </p:spPr>
+          <p:txBody>
+            <a:bodyPr wrap="square" rtlCol="0">
+              <a:spAutoFit/>
+            </a:bodyPr>
+            <a:lstStyle/>
+            <a:p>
+              <a:r>
+                <a:rPr lang="fr-FR" b="1" i="1" dirty="0" err="1">
+                  <a:solidFill>
+                    <a:schemeClr val="bg2">
+                      <a:lumMod val="50000"/>
+                    </a:schemeClr>
+                  </a:solidFill>
+                  <a:latin typeface="Raleway" panose="020B0503030101060003" pitchFamily="34" charset="0"/>
+                </a:rPr>
+                <a:t>Sector</a:t>
+              </a:r>
+              <a:r>
+                <a:rPr lang="fr-FR" b="1" i="1" dirty="0">
+                  <a:solidFill>
+                    <a:schemeClr val="bg2">
+                      <a:lumMod val="50000"/>
+                    </a:schemeClr>
+                  </a:solidFill>
+                  <a:latin typeface="Raleway" panose="020B0503030101060003" pitchFamily="34" charset="0"/>
+                </a:rPr>
+                <a:t> 4</a:t>
+              </a:r>
+            </a:p>
+          </p:txBody>
+        </p:sp>
+      </p:grpSp>
+      <p:sp>
+        <p:nvSpPr>
+          <p:cNvPr id="113" name="Rectangle 112">
+            <a:extLst>
+              <a:ext uri="{FF2B5EF4-FFF2-40B4-BE49-F238E27FC236}">
+                <a16:creationId xmlns:a16="http://schemas.microsoft.com/office/drawing/2014/main" id="{840376D0-290A-47E9-A9F9-812A44ACA0BF}"/>
+              </a:ext>
+            </a:extLst>
+          </p:cNvPr>
+          <p:cNvSpPr/>
+          <p:nvPr/>
+        </p:nvSpPr>
+        <p:spPr>
+          <a:xfrm>
+            <a:off x="6454651" y="3403451"/>
+            <a:ext cx="598607" cy="147901"/>
+          </a:xfrm>
+          <a:prstGeom prst="rect">
+            <a:avLst/>
+          </a:prstGeom>
+          <a:noFill/>
+          <a:ln w="28575">
+            <a:solidFill>
+              <a:schemeClr val="tx1"/>
+            </a:solidFill>
+            <a:prstDash val="dash"/>
+          </a:ln>
+        </p:spPr>
+        <p:style>
+          <a:lnRef idx="2">
+            <a:schemeClr val="accent1">
+              <a:shade val="50000"/>
+            </a:schemeClr>
+          </a:lnRef>
+          <a:fillRef idx="1">
+            <a:schemeClr val="accent1"/>
+          </a:fillRef>
+          <a:effectRef idx="0">
+            <a:schemeClr val="accent1"/>
+          </a:effectRef>
+          <a:fontRef idx="minor">
+            <a:schemeClr val="lt1"/>
+          </a:fontRef>
+        </p:style>
+        <p:txBody>
+          <a:bodyPr rtlCol="0" anchor="ctr"/>
+          <a:lstStyle/>
+          <a:p>
+            <a:pPr algn="ctr"/>
+            <a:endParaRPr lang="fr-FR"/>
+          </a:p>
+        </p:txBody>
+      </p:sp>
+      <p:sp>
+        <p:nvSpPr>
+          <p:cNvPr id="114" name="Rectangle 113">
+            <a:extLst>
+              <a:ext uri="{FF2B5EF4-FFF2-40B4-BE49-F238E27FC236}">
+                <a16:creationId xmlns:a16="http://schemas.microsoft.com/office/drawing/2014/main" id="{88921F0D-803F-46D1-9D7D-582931F2BFA7}"/>
+              </a:ext>
+            </a:extLst>
+          </p:cNvPr>
+          <p:cNvSpPr/>
+          <p:nvPr/>
+        </p:nvSpPr>
+        <p:spPr>
+          <a:xfrm rot="5400000">
+            <a:off x="6095504" y="3031060"/>
+            <a:ext cx="526508" cy="137956"/>
+          </a:xfrm>
+          <a:prstGeom prst="rect">
+            <a:avLst/>
+          </a:prstGeom>
+          <a:noFill/>
+          <a:ln w="28575">
+            <a:solidFill>
+              <a:schemeClr val="tx1"/>
+            </a:solidFill>
+            <a:prstDash val="dash"/>
+          </a:ln>
+        </p:spPr>
+        <p:style>
+          <a:lnRef idx="2">
+            <a:schemeClr val="accent1">
+              <a:shade val="50000"/>
+            </a:schemeClr>
+          </a:lnRef>
+          <a:fillRef idx="1">
+            <a:schemeClr val="accent1"/>
+          </a:fillRef>
+          <a:effectRef idx="0">
+            <a:schemeClr val="accent1"/>
+          </a:effectRef>
+          <a:fontRef idx="minor">
+            <a:schemeClr val="lt1"/>
+          </a:fontRef>
+        </p:style>
+        <p:txBody>
+          <a:bodyPr rtlCol="0" anchor="ctr"/>
+          <a:lstStyle/>
+          <a:p>
+            <a:pPr algn="ctr"/>
+            <a:endParaRPr lang="fr-FR"/>
+          </a:p>
+        </p:txBody>
+      </p:sp>
+      <p:sp>
+        <p:nvSpPr>
+          <p:cNvPr id="115" name="Rectangle 114">
+            <a:extLst>
+              <a:ext uri="{FF2B5EF4-FFF2-40B4-BE49-F238E27FC236}">
+                <a16:creationId xmlns:a16="http://schemas.microsoft.com/office/drawing/2014/main" id="{31EDB8F6-77A7-4946-B0B6-4438A20C8313}"/>
+              </a:ext>
+            </a:extLst>
+          </p:cNvPr>
+          <p:cNvSpPr/>
+          <p:nvPr/>
+        </p:nvSpPr>
+        <p:spPr>
+          <a:xfrm rot="5400000">
+            <a:off x="141928" y="5668309"/>
+            <a:ext cx="416560" cy="174174"/>
+          </a:xfrm>
+          <a:prstGeom prst="rect">
+            <a:avLst/>
+          </a:prstGeom>
+          <a:noFill/>
+          <a:ln w="28575">
+            <a:solidFill>
+              <a:schemeClr val="tx1"/>
+            </a:solidFill>
+            <a:prstDash val="dash"/>
+          </a:ln>
+        </p:spPr>
+        <p:style>
+          <a:lnRef idx="2">
+            <a:schemeClr val="accent1">
+              <a:shade val="50000"/>
+            </a:schemeClr>
+          </a:lnRef>
+          <a:fillRef idx="1">
+            <a:schemeClr val="accent1"/>
+          </a:fillRef>
+          <a:effectRef idx="0">
+            <a:schemeClr val="accent1"/>
+          </a:effectRef>
+          <a:fontRef idx="minor">
+            <a:schemeClr val="lt1"/>
+          </a:fontRef>
+        </p:style>
+        <p:txBody>
+          <a:bodyPr rtlCol="0" anchor="ctr"/>
+          <a:lstStyle/>
+          <a:p>
+            <a:pPr algn="ctr"/>
+            <a:endParaRPr lang="fr-FR"/>
+          </a:p>
+        </p:txBody>
+      </p:sp>
+      <p:sp>
+        <p:nvSpPr>
+          <p:cNvPr id="117" name="ZoneTexte 116">
+            <a:extLst>
+              <a:ext uri="{FF2B5EF4-FFF2-40B4-BE49-F238E27FC236}">
+                <a16:creationId xmlns:a16="http://schemas.microsoft.com/office/drawing/2014/main" id="{F5D26D9B-13B7-439E-923F-AE0225D4FE01}"/>
+              </a:ext>
+            </a:extLst>
+          </p:cNvPr>
+          <p:cNvSpPr txBox="1"/>
+          <p:nvPr/>
+        </p:nvSpPr>
+        <p:spPr>
+          <a:xfrm>
+            <a:off x="523443" y="5641815"/>
+            <a:ext cx="1083569" cy="276999"/>
+          </a:xfrm>
+          <a:prstGeom prst="rect">
+            <a:avLst/>
+          </a:prstGeom>
+          <a:noFill/>
+        </p:spPr>
+        <p:txBody>
+          <a:bodyPr wrap="square" rtlCol="0">
+            <a:spAutoFit/>
+          </a:bodyPr>
+          <a:lstStyle/>
+          <a:p>
+            <a:r>
+              <a:rPr lang="fr-FR" sz="1200" dirty="0"/>
+              <a:t>Etabli Moteur</a:t>
+            </a:r>
+          </a:p>
+        </p:txBody>
+      </p:sp>
+      <p:sp>
+        <p:nvSpPr>
+          <p:cNvPr id="123" name="Rectangle 122">
+            <a:extLst>
+              <a:ext uri="{FF2B5EF4-FFF2-40B4-BE49-F238E27FC236}">
+                <a16:creationId xmlns:a16="http://schemas.microsoft.com/office/drawing/2014/main" id="{C843B5D2-E473-41ED-93A9-2EB6687876C1}"/>
+              </a:ext>
+            </a:extLst>
+          </p:cNvPr>
+          <p:cNvSpPr/>
+          <p:nvPr/>
+        </p:nvSpPr>
+        <p:spPr>
+          <a:xfrm>
+            <a:off x="11406586" y="3115297"/>
+            <a:ext cx="183071" cy="1374844"/>
+          </a:xfrm>
+          <a:prstGeom prst="rect">
+            <a:avLst/>
+          </a:prstGeom>
+          <a:noFill/>
+          <a:ln w="28575">
+            <a:solidFill>
+              <a:schemeClr val="tx1"/>
+            </a:solidFill>
+          </a:ln>
+        </p:spPr>
+        <p:style>
+          <a:lnRef idx="2">
+            <a:schemeClr val="accent1">
+              <a:shade val="50000"/>
+            </a:schemeClr>
+          </a:lnRef>
+          <a:fillRef idx="1">
+            <a:schemeClr val="accent1"/>
+          </a:fillRef>
+          <a:effectRef idx="0">
+            <a:schemeClr val="accent1"/>
+          </a:effectRef>
+          <a:fontRef idx="minor">
+            <a:schemeClr val="lt1"/>
+          </a:fontRef>
+        </p:style>
+        <p:txBody>
+          <a:bodyPr rtlCol="0" anchor="ctr"/>
+          <a:lstStyle/>
+          <a:p>
+            <a:pPr algn="ctr"/>
+            <a:endParaRPr lang="fr-FR"/>
+          </a:p>
+        </p:txBody>
+      </p:sp>
+      <p:sp>
+        <p:nvSpPr>
+          <p:cNvPr id="124" name="ZoneTexte 123">
+            <a:extLst>
+              <a:ext uri="{FF2B5EF4-FFF2-40B4-BE49-F238E27FC236}">
+                <a16:creationId xmlns:a16="http://schemas.microsoft.com/office/drawing/2014/main" id="{CB782EB6-2E12-40BB-962D-DB60D21B0B6C}"/>
+              </a:ext>
+            </a:extLst>
+          </p:cNvPr>
+          <p:cNvSpPr txBox="1"/>
+          <p:nvPr/>
+        </p:nvSpPr>
+        <p:spPr>
+          <a:xfrm>
+            <a:off x="11303152" y="3250190"/>
+            <a:ext cx="369332" cy="1140504"/>
+          </a:xfrm>
+          <a:prstGeom prst="rect">
+            <a:avLst/>
+          </a:prstGeom>
+          <a:noFill/>
+        </p:spPr>
+        <p:txBody>
+          <a:bodyPr vert="vert" wrap="square" rtlCol="0">
+            <a:spAutoFit/>
+          </a:bodyPr>
+          <a:lstStyle/>
+          <a:p>
+            <a:r>
+              <a:rPr lang="fr-FR" sz="1200" dirty="0"/>
+              <a:t>Tableau de Bord</a:t>
+            </a:r>
+          </a:p>
+        </p:txBody>
+      </p:sp>
+      <p:sp>
+        <p:nvSpPr>
+          <p:cNvPr id="126" name="Sous-titre 2">
+            <a:extLst>
+              <a:ext uri="{FF2B5EF4-FFF2-40B4-BE49-F238E27FC236}">
+                <a16:creationId xmlns:a16="http://schemas.microsoft.com/office/drawing/2014/main" id="{FD0FAFF2-93E2-412C-9A90-30AA8191D3DE}"/>
+              </a:ext>
+            </a:extLst>
+          </p:cNvPr>
+          <p:cNvSpPr txBox="1">
+            <a:spLocks/>
+          </p:cNvSpPr>
+          <p:nvPr/>
+        </p:nvSpPr>
+        <p:spPr>
+          <a:xfrm>
+            <a:off x="64342" y="6600065"/>
+            <a:ext cx="1897588" cy="307777"/>
+          </a:xfrm>
+          <a:prstGeom prst="rect">
+            <a:avLst/>
+          </a:prstGeom>
+        </p:spPr>
+        <p:txBody>
+          <a:bodyPr vert="horz" lIns="91440" tIns="45720" rIns="91440" bIns="45720" rtlCol="0">
+            <a:normAutofit/>
+          </a:bodyPr>
+          <a:lstStyle>
+            <a:lvl1pPr marL="0" indent="0" algn="ctr" defTabSz="914400" rtl="0" eaLnBrk="1" latinLnBrk="0" hangingPunct="1">
+              <a:lnSpc>
+                <a:spcPct val="90000"/>
+              </a:lnSpc>
+              <a:spcBef>
+                <a:spcPts val="1000"/>
+              </a:spcBef>
+              <a:buFont typeface="Arial" panose="020B0604020202020204" pitchFamily="34" charset="0"/>
+              <a:buNone/>
+              <a:defRPr sz="2400" kern="1200">
+                <a:solidFill>
+                  <a:schemeClr val="tx1"/>
+                </a:solidFill>
+                <a:latin typeface="+mn-lt"/>
+                <a:ea typeface="+mn-ea"/>
+                <a:cs typeface="+mn-cs"/>
+              </a:defRPr>
+            </a:lvl1pPr>
+            <a:lvl2pPr marL="457200" indent="0" algn="ctr" defTabSz="914400" rtl="0" eaLnBrk="1" latinLnBrk="0" hangingPunct="1">
+              <a:lnSpc>
+                <a:spcPct val="90000"/>
+              </a:lnSpc>
+              <a:spcBef>
+                <a:spcPts val="500"/>
+              </a:spcBef>
+              <a:buFont typeface="Arial" panose="020B0604020202020204" pitchFamily="34" charset="0"/>
+              <a:buNone/>
+              <a:defRPr sz="2000" kern="1200">
+                <a:solidFill>
+                  <a:schemeClr val="tx1"/>
+                </a:solidFill>
+                <a:latin typeface="+mn-lt"/>
+                <a:ea typeface="+mn-ea"/>
+                <a:cs typeface="+mn-cs"/>
+              </a:defRPr>
+            </a:lvl2pPr>
+            <a:lvl3pPr marL="914400" indent="0" algn="ctr" defTabSz="914400" rtl="0" eaLnBrk="1" latinLnBrk="0" hangingPunct="1">
+              <a:lnSpc>
+                <a:spcPct val="90000"/>
+              </a:lnSpc>
+              <a:spcBef>
+                <a:spcPts val="500"/>
+              </a:spcBef>
+              <a:buFont typeface="Arial" panose="020B0604020202020204" pitchFamily="34" charset="0"/>
+              <a:buNone/>
+              <a:defRPr sz="1800" kern="1200">
+                <a:solidFill>
+                  <a:schemeClr val="tx1"/>
+                </a:solidFill>
+                <a:latin typeface="+mn-lt"/>
+                <a:ea typeface="+mn-ea"/>
+                <a:cs typeface="+mn-cs"/>
+              </a:defRPr>
+            </a:lvl3pPr>
+            <a:lvl4pPr marL="1371600" indent="0" algn="ctr" defTabSz="914400" rtl="0" eaLnBrk="1" latinLnBrk="0" hangingPunct="1">
+              <a:lnSpc>
+                <a:spcPct val="90000"/>
+              </a:lnSpc>
+              <a:spcBef>
+                <a:spcPts val="500"/>
+              </a:spcBef>
+              <a:buFont typeface="Arial" panose="020B0604020202020204" pitchFamily="34" charset="0"/>
+              <a:buNone/>
+              <a:defRPr sz="1600" kern="1200">
+                <a:solidFill>
+                  <a:schemeClr val="tx1"/>
+                </a:solidFill>
+                <a:latin typeface="+mn-lt"/>
+                <a:ea typeface="+mn-ea"/>
+                <a:cs typeface="+mn-cs"/>
+              </a:defRPr>
+            </a:lvl4pPr>
+            <a:lvl5pPr marL="1828800" indent="0" algn="ctr" defTabSz="914400" rtl="0" eaLnBrk="1" latinLnBrk="0" hangingPunct="1">
+              <a:lnSpc>
+                <a:spcPct val="90000"/>
+              </a:lnSpc>
+              <a:spcBef>
+                <a:spcPts val="500"/>
+              </a:spcBef>
+              <a:buFont typeface="Arial" panose="020B0604020202020204" pitchFamily="34" charset="0"/>
+              <a:buNone/>
+              <a:defRPr sz="1600" kern="1200">
+                <a:solidFill>
+                  <a:schemeClr val="tx1"/>
+                </a:solidFill>
+                <a:latin typeface="+mn-lt"/>
+                <a:ea typeface="+mn-ea"/>
+                <a:cs typeface="+mn-cs"/>
+              </a:defRPr>
+            </a:lvl5pPr>
+            <a:lvl6pPr marL="2286000" indent="0" algn="ctr" defTabSz="914400" rtl="0" eaLnBrk="1" latinLnBrk="0" hangingPunct="1">
+              <a:lnSpc>
+                <a:spcPct val="90000"/>
+              </a:lnSpc>
+              <a:spcBef>
+                <a:spcPts val="500"/>
+              </a:spcBef>
+              <a:buFont typeface="Arial" panose="020B0604020202020204" pitchFamily="34" charset="0"/>
+              <a:buNone/>
+              <a:defRPr sz="1600" kern="1200">
+                <a:solidFill>
+                  <a:schemeClr val="tx1"/>
+                </a:solidFill>
+                <a:latin typeface="+mn-lt"/>
+                <a:ea typeface="+mn-ea"/>
+                <a:cs typeface="+mn-cs"/>
+              </a:defRPr>
+            </a:lvl6pPr>
+            <a:lvl7pPr marL="2743200" indent="0" algn="ctr" defTabSz="914400" rtl="0" eaLnBrk="1" latinLnBrk="0" hangingPunct="1">
+              <a:lnSpc>
+                <a:spcPct val="90000"/>
+              </a:lnSpc>
+              <a:spcBef>
+                <a:spcPts val="500"/>
+              </a:spcBef>
+              <a:buFont typeface="Arial" panose="020B0604020202020204" pitchFamily="34" charset="0"/>
+              <a:buNone/>
+              <a:defRPr sz="1600" kern="1200">
+                <a:solidFill>
+                  <a:schemeClr val="tx1"/>
+                </a:solidFill>
+                <a:latin typeface="+mn-lt"/>
+                <a:ea typeface="+mn-ea"/>
+                <a:cs typeface="+mn-cs"/>
+              </a:defRPr>
+            </a:lvl7pPr>
+            <a:lvl8pPr marL="3200400" indent="0" algn="ctr" defTabSz="914400" rtl="0" eaLnBrk="1" latinLnBrk="0" hangingPunct="1">
+              <a:lnSpc>
+                <a:spcPct val="90000"/>
+              </a:lnSpc>
+              <a:spcBef>
+                <a:spcPts val="500"/>
+              </a:spcBef>
+              <a:buFont typeface="Arial" panose="020B0604020202020204" pitchFamily="34" charset="0"/>
+              <a:buNone/>
+              <a:defRPr sz="1600" kern="1200">
+                <a:solidFill>
+                  <a:schemeClr val="tx1"/>
+                </a:solidFill>
+                <a:latin typeface="+mn-lt"/>
+                <a:ea typeface="+mn-ea"/>
+                <a:cs typeface="+mn-cs"/>
+              </a:defRPr>
+            </a:lvl8pPr>
+            <a:lvl9pPr marL="3657600" indent="0" algn="ctr" defTabSz="914400" rtl="0" eaLnBrk="1" latinLnBrk="0" hangingPunct="1">
+              <a:lnSpc>
+                <a:spcPct val="90000"/>
+              </a:lnSpc>
+              <a:spcBef>
+                <a:spcPts val="500"/>
+              </a:spcBef>
+              <a:buFont typeface="Arial" panose="020B0604020202020204" pitchFamily="34" charset="0"/>
+              <a:buNone/>
+              <a:defRPr sz="1600" kern="1200">
+                <a:solidFill>
+                  <a:schemeClr val="tx1"/>
+                </a:solidFill>
+                <a:latin typeface="+mn-lt"/>
+                <a:ea typeface="+mn-ea"/>
+                <a:cs typeface="+mn-cs"/>
+              </a:defRPr>
+            </a:lvl9pPr>
+          </a:lstStyle>
+          <a:p>
+            <a:r>
+              <a:rPr lang="fr-FR" sz="1200" b="1" dirty="0">
+                <a:solidFill>
+                  <a:schemeClr val="bg1"/>
+                </a:solidFill>
+                <a:latin typeface="Raleway" panose="020B0503030101060003" pitchFamily="34" charset="0"/>
+              </a:rPr>
+              <a:t>Date</a:t>
+            </a:r>
+            <a:r>
+              <a:rPr lang="fr-FR" sz="1200" dirty="0">
+                <a:solidFill>
+                  <a:schemeClr val="bg1"/>
+                </a:solidFill>
+                <a:latin typeface="Raleway" panose="020B0503030101060003" pitchFamily="34" charset="0"/>
+              </a:rPr>
+              <a:t> : 06/03/2020, CMI</a:t>
+            </a:r>
+          </a:p>
+        </p:txBody>
+      </p:sp>
+      <p:grpSp>
+        <p:nvGrpSpPr>
+          <p:cNvPr id="2" name="Groupe 1">
+            <a:extLst>
+              <a:ext uri="{FF2B5EF4-FFF2-40B4-BE49-F238E27FC236}">
+                <a16:creationId xmlns:a16="http://schemas.microsoft.com/office/drawing/2014/main" id="{22FFECF3-C703-45B6-A26D-888AA1946911}"/>
+              </a:ext>
+            </a:extLst>
+          </p:cNvPr>
+          <p:cNvGrpSpPr/>
+          <p:nvPr/>
+        </p:nvGrpSpPr>
+        <p:grpSpPr>
+          <a:xfrm>
+            <a:off x="7001384" y="3188306"/>
+            <a:ext cx="2754123" cy="1482812"/>
+            <a:chOff x="7001384" y="3188306"/>
+            <a:chExt cx="2754123" cy="1482812"/>
+          </a:xfrm>
+        </p:grpSpPr>
+        <p:sp>
+          <p:nvSpPr>
+            <p:cNvPr id="24" name="Rectangle 23">
+              <a:extLst>
+                <a:ext uri="{FF2B5EF4-FFF2-40B4-BE49-F238E27FC236}">
+                  <a16:creationId xmlns:a16="http://schemas.microsoft.com/office/drawing/2014/main" id="{C4A8431A-0716-4C92-9603-1C38D4A9922A}"/>
+                </a:ext>
+              </a:extLst>
+            </p:cNvPr>
+            <p:cNvSpPr/>
+            <p:nvPr/>
+          </p:nvSpPr>
+          <p:spPr>
+            <a:xfrm>
+              <a:off x="7001384" y="3188306"/>
+              <a:ext cx="2754123" cy="1482812"/>
+            </a:xfrm>
+            <a:prstGeom prst="rect">
+              <a:avLst/>
+            </a:prstGeom>
+            <a:solidFill>
+              <a:schemeClr val="tx2">
+                <a:alpha val="30000"/>
+              </a:schemeClr>
+            </a:solidFill>
+          </p:spPr>
+          <p:style>
+            <a:lnRef idx="2">
+              <a:schemeClr val="accent4">
+                <a:shade val="50000"/>
+              </a:schemeClr>
+            </a:lnRef>
+            <a:fillRef idx="1">
+              <a:schemeClr val="accent4"/>
+            </a:fillRef>
+            <a:effectRef idx="0">
+              <a:schemeClr val="accent4"/>
+            </a:effectRef>
+            <a:fontRef idx="minor">
+              <a:schemeClr val="lt1"/>
+            </a:fontRef>
+          </p:style>
+          <p:txBody>
+            <a:bodyPr rtlCol="0" anchor="ctr"/>
+            <a:lstStyle/>
+            <a:p>
+              <a:pPr algn="ctr"/>
+              <a:endParaRPr lang="fr-FR" dirty="0"/>
+            </a:p>
+          </p:txBody>
+        </p:sp>
+        <p:sp>
+          <p:nvSpPr>
+            <p:cNvPr id="28" name="ZoneTexte 27">
+              <a:extLst>
+                <a:ext uri="{FF2B5EF4-FFF2-40B4-BE49-F238E27FC236}">
+                  <a16:creationId xmlns:a16="http://schemas.microsoft.com/office/drawing/2014/main" id="{E0F67465-C439-4602-8006-656E8C806EEA}"/>
+                </a:ext>
+              </a:extLst>
+            </p:cNvPr>
+            <p:cNvSpPr txBox="1"/>
+            <p:nvPr/>
+          </p:nvSpPr>
+          <p:spPr>
+            <a:xfrm>
+              <a:off x="7870655" y="3735333"/>
+              <a:ext cx="1392978" cy="369332"/>
+            </a:xfrm>
+            <a:prstGeom prst="rect">
+              <a:avLst/>
+            </a:prstGeom>
+            <a:noFill/>
+          </p:spPr>
+          <p:txBody>
+            <a:bodyPr wrap="square" rtlCol="0">
+              <a:spAutoFit/>
+            </a:bodyPr>
+            <a:lstStyle/>
+            <a:p>
+              <a:r>
+                <a:rPr lang="fr-FR" b="1" i="1" dirty="0" err="1">
+                  <a:solidFill>
+                    <a:schemeClr val="bg2">
+                      <a:lumMod val="50000"/>
+                    </a:schemeClr>
+                  </a:solidFill>
+                  <a:latin typeface="Raleway" panose="020B0503030101060003" pitchFamily="34" charset="0"/>
+                </a:rPr>
+                <a:t>Sector</a:t>
+              </a:r>
+              <a:r>
+                <a:rPr lang="fr-FR" b="1" i="1" dirty="0">
+                  <a:solidFill>
+                    <a:schemeClr val="bg2">
+                      <a:lumMod val="50000"/>
+                    </a:schemeClr>
+                  </a:solidFill>
+                  <a:latin typeface="Raleway" panose="020B0503030101060003" pitchFamily="34" charset="0"/>
+                </a:rPr>
+                <a:t> 4</a:t>
+              </a:r>
+            </a:p>
+          </p:txBody>
+        </p:sp>
+      </p:grpSp>
+      <p:sp>
+        <p:nvSpPr>
+          <p:cNvPr id="132" name="Rectangle 131">
+            <a:extLst>
+              <a:ext uri="{FF2B5EF4-FFF2-40B4-BE49-F238E27FC236}">
+                <a16:creationId xmlns:a16="http://schemas.microsoft.com/office/drawing/2014/main" id="{C0420C07-29D6-43BE-A2B7-D3020BC3C8AB}"/>
+              </a:ext>
+            </a:extLst>
+          </p:cNvPr>
+          <p:cNvSpPr/>
+          <p:nvPr/>
+        </p:nvSpPr>
+        <p:spPr>
+          <a:xfrm>
+            <a:off x="2586896" y="3438190"/>
+            <a:ext cx="1783254" cy="375194"/>
+          </a:xfrm>
+          <a:prstGeom prst="rect">
+            <a:avLst/>
+          </a:prstGeom>
+          <a:solidFill>
+            <a:schemeClr val="accent4">
+              <a:alpha val="30000"/>
+            </a:schemeClr>
+          </a:solidFill>
+        </p:spPr>
+        <p:style>
+          <a:lnRef idx="2">
+            <a:schemeClr val="accent4">
+              <a:shade val="50000"/>
+            </a:schemeClr>
+          </a:lnRef>
+          <a:fillRef idx="1">
+            <a:schemeClr val="accent4"/>
+          </a:fillRef>
+          <a:effectRef idx="0">
+            <a:schemeClr val="accent4"/>
+          </a:effectRef>
+          <a:fontRef idx="minor">
+            <a:schemeClr val="lt1"/>
+          </a:fontRef>
+        </p:style>
+        <p:txBody>
+          <a:bodyPr rtlCol="0" anchor="ctr"/>
+          <a:lstStyle/>
+          <a:p>
+            <a:pPr algn="ctr"/>
+            <a:endParaRPr lang="fr-FR"/>
           </a:p>
         </p:txBody>
       </p:sp>
@@ -7787,6 +8126,755 @@
       </p:grpSpPr>
       <p:sp>
         <p:nvSpPr>
+          <p:cNvPr id="3" name="Espace réservé du contenu 2">
+            <a:extLst>
+              <a:ext uri="{FF2B5EF4-FFF2-40B4-BE49-F238E27FC236}">
+                <a16:creationId xmlns:a16="http://schemas.microsoft.com/office/drawing/2014/main" id="{A8F2B748-B81E-472D-B4AF-464BD50F6F3D}"/>
+              </a:ext>
+            </a:extLst>
+          </p:cNvPr>
+          <p:cNvSpPr>
+            <a:spLocks noGrp="1"/>
+          </p:cNvSpPr>
+          <p:nvPr>
+            <p:ph idx="1"/>
+          </p:nvPr>
+        </p:nvSpPr>
+        <p:spPr>
+          <a:xfrm>
+            <a:off x="691371" y="1338040"/>
+            <a:ext cx="10515600" cy="4351338"/>
+          </a:xfrm>
+        </p:spPr>
+        <p:txBody>
+          <a:bodyPr/>
+          <a:lstStyle/>
+          <a:p>
+            <a:pPr>
+              <a:buFont typeface="Wingdings" panose="05000000000000000000" pitchFamily="2" charset="2"/>
+              <a:buChar char="§"/>
+            </a:pPr>
+            <a:r>
+              <a:rPr lang="fr-FR" dirty="0"/>
+              <a:t>…</a:t>
+            </a:r>
+          </a:p>
+          <a:p>
+            <a:pPr>
+              <a:buFont typeface="Wingdings" panose="05000000000000000000" pitchFamily="2" charset="2"/>
+              <a:buChar char="§"/>
+            </a:pPr>
+            <a:endParaRPr lang="fr-FR" dirty="0"/>
+          </a:p>
+          <a:p>
+            <a:pPr>
+              <a:buFont typeface="Wingdings" panose="05000000000000000000" pitchFamily="2" charset="2"/>
+              <a:buChar char="§"/>
+            </a:pPr>
+            <a:endParaRPr lang="fr-FR" dirty="0"/>
+          </a:p>
+          <a:p>
+            <a:pPr>
+              <a:buFont typeface="Wingdings" panose="05000000000000000000" pitchFamily="2" charset="2"/>
+              <a:buChar char="§"/>
+            </a:pPr>
+            <a:endParaRPr lang="fr-FR" dirty="0"/>
+          </a:p>
+        </p:txBody>
+      </p:sp>
+      <p:sp>
+        <p:nvSpPr>
+          <p:cNvPr id="4" name="Rectangle 3">
+            <a:extLst>
+              <a:ext uri="{FF2B5EF4-FFF2-40B4-BE49-F238E27FC236}">
+                <a16:creationId xmlns:a16="http://schemas.microsoft.com/office/drawing/2014/main" id="{F2940DA2-2C1C-4627-9760-C2535A513937}"/>
+              </a:ext>
+            </a:extLst>
+          </p:cNvPr>
+          <p:cNvSpPr/>
+          <p:nvPr/>
+        </p:nvSpPr>
+        <p:spPr>
+          <a:xfrm>
+            <a:off x="0" y="6313247"/>
+            <a:ext cx="1382746" cy="416560"/>
+          </a:xfrm>
+          <a:prstGeom prst="rect">
+            <a:avLst/>
+          </a:prstGeom>
+          <a:ln>
+            <a:noFill/>
+          </a:ln>
+        </p:spPr>
+        <p:style>
+          <a:lnRef idx="2">
+            <a:schemeClr val="dk1">
+              <a:shade val="50000"/>
+            </a:schemeClr>
+          </a:lnRef>
+          <a:fillRef idx="1">
+            <a:schemeClr val="dk1"/>
+          </a:fillRef>
+          <a:effectRef idx="0">
+            <a:schemeClr val="dk1"/>
+          </a:effectRef>
+          <a:fontRef idx="minor">
+            <a:schemeClr val="lt1"/>
+          </a:fontRef>
+        </p:style>
+        <p:txBody>
+          <a:bodyPr rtlCol="0" anchor="ctr"/>
+          <a:lstStyle/>
+          <a:p>
+            <a:pPr algn="ctr"/>
+            <a:endParaRPr lang="fr-FR"/>
+          </a:p>
+        </p:txBody>
+      </p:sp>
+      <p:sp>
+        <p:nvSpPr>
+          <p:cNvPr id="5" name="Sous-titre 2">
+            <a:extLst>
+              <a:ext uri="{FF2B5EF4-FFF2-40B4-BE49-F238E27FC236}">
+                <a16:creationId xmlns:a16="http://schemas.microsoft.com/office/drawing/2014/main" id="{C15DF406-1DC9-4677-8B61-A7DA3D313EBC}"/>
+              </a:ext>
+            </a:extLst>
+          </p:cNvPr>
+          <p:cNvSpPr txBox="1">
+            <a:spLocks/>
+          </p:cNvSpPr>
+          <p:nvPr/>
+        </p:nvSpPr>
+        <p:spPr>
+          <a:xfrm>
+            <a:off x="64343" y="6422030"/>
+            <a:ext cx="1254059" cy="307777"/>
+          </a:xfrm>
+          <a:prstGeom prst="rect">
+            <a:avLst/>
+          </a:prstGeom>
+        </p:spPr>
+        <p:txBody>
+          <a:bodyPr vert="horz" lIns="91440" tIns="45720" rIns="91440" bIns="45720" rtlCol="0">
+            <a:normAutofit fontScale="77500" lnSpcReduction="20000"/>
+          </a:bodyPr>
+          <a:lstStyle>
+            <a:lvl1pPr marL="228600" indent="-228600" algn="l" defTabSz="914400" rtl="0" eaLnBrk="1" latinLnBrk="0" hangingPunct="1">
+              <a:lnSpc>
+                <a:spcPct val="90000"/>
+              </a:lnSpc>
+              <a:spcBef>
+                <a:spcPts val="1000"/>
+              </a:spcBef>
+              <a:buFont typeface="Arial" panose="020B0604020202020204" pitchFamily="34" charset="0"/>
+              <a:buChar char="•"/>
+              <a:defRPr sz="2800" kern="1200">
+                <a:solidFill>
+                  <a:schemeClr val="tx1"/>
+                </a:solidFill>
+                <a:latin typeface="+mn-lt"/>
+                <a:ea typeface="+mn-ea"/>
+                <a:cs typeface="+mn-cs"/>
+              </a:defRPr>
+            </a:lvl1pPr>
+            <a:lvl2pPr marL="685800" indent="-228600" algn="l" defTabSz="914400" rtl="0" eaLnBrk="1" latinLnBrk="0" hangingPunct="1">
+              <a:lnSpc>
+                <a:spcPct val="90000"/>
+              </a:lnSpc>
+              <a:spcBef>
+                <a:spcPts val="500"/>
+              </a:spcBef>
+              <a:buFont typeface="Arial" panose="020B0604020202020204" pitchFamily="34" charset="0"/>
+              <a:buChar char="•"/>
+              <a:defRPr sz="2400" kern="1200">
+                <a:solidFill>
+                  <a:schemeClr val="tx1"/>
+                </a:solidFill>
+                <a:latin typeface="+mn-lt"/>
+                <a:ea typeface="+mn-ea"/>
+                <a:cs typeface="+mn-cs"/>
+              </a:defRPr>
+            </a:lvl2pPr>
+            <a:lvl3pPr marL="1143000" indent="-228600" algn="l" defTabSz="914400" rtl="0" eaLnBrk="1" latinLnBrk="0" hangingPunct="1">
+              <a:lnSpc>
+                <a:spcPct val="90000"/>
+              </a:lnSpc>
+              <a:spcBef>
+                <a:spcPts val="500"/>
+              </a:spcBef>
+              <a:buFont typeface="Arial" panose="020B0604020202020204" pitchFamily="34" charset="0"/>
+              <a:buChar char="•"/>
+              <a:defRPr sz="2000" kern="1200">
+                <a:solidFill>
+                  <a:schemeClr val="tx1"/>
+                </a:solidFill>
+                <a:latin typeface="+mn-lt"/>
+                <a:ea typeface="+mn-ea"/>
+                <a:cs typeface="+mn-cs"/>
+              </a:defRPr>
+            </a:lvl3pPr>
+            <a:lvl4pPr marL="1600200" indent="-228600" algn="l" defTabSz="914400" rtl="0" eaLnBrk="1" latinLnBrk="0" hangingPunct="1">
+              <a:lnSpc>
+                <a:spcPct val="90000"/>
+              </a:lnSpc>
+              <a:spcBef>
+                <a:spcPts val="500"/>
+              </a:spcBef>
+              <a:buFont typeface="Arial" panose="020B0604020202020204" pitchFamily="34" charset="0"/>
+              <a:buChar char="•"/>
+              <a:defRPr sz="1800" kern="1200">
+                <a:solidFill>
+                  <a:schemeClr val="tx1"/>
+                </a:solidFill>
+                <a:latin typeface="+mn-lt"/>
+                <a:ea typeface="+mn-ea"/>
+                <a:cs typeface="+mn-cs"/>
+              </a:defRPr>
+            </a:lvl4pPr>
+            <a:lvl5pPr marL="2057400" indent="-228600" algn="l" defTabSz="914400" rtl="0" eaLnBrk="1" latinLnBrk="0" hangingPunct="1">
+              <a:lnSpc>
+                <a:spcPct val="90000"/>
+              </a:lnSpc>
+              <a:spcBef>
+                <a:spcPts val="500"/>
+              </a:spcBef>
+              <a:buFont typeface="Arial" panose="020B0604020202020204" pitchFamily="34" charset="0"/>
+              <a:buChar char="•"/>
+              <a:defRPr sz="1800" kern="1200">
+                <a:solidFill>
+                  <a:schemeClr val="tx1"/>
+                </a:solidFill>
+                <a:latin typeface="+mn-lt"/>
+                <a:ea typeface="+mn-ea"/>
+                <a:cs typeface="+mn-cs"/>
+              </a:defRPr>
+            </a:lvl5pPr>
+            <a:lvl6pPr marL="2514600" indent="-228600" algn="l" defTabSz="914400" rtl="0" eaLnBrk="1" latinLnBrk="0" hangingPunct="1">
+              <a:lnSpc>
+                <a:spcPct val="90000"/>
+              </a:lnSpc>
+              <a:spcBef>
+                <a:spcPts val="500"/>
+              </a:spcBef>
+              <a:buFont typeface="Arial" panose="020B0604020202020204" pitchFamily="34" charset="0"/>
+              <a:buChar char="•"/>
+              <a:defRPr sz="1800" kern="1200">
+                <a:solidFill>
+                  <a:schemeClr val="tx1"/>
+                </a:solidFill>
+                <a:latin typeface="+mn-lt"/>
+                <a:ea typeface="+mn-ea"/>
+                <a:cs typeface="+mn-cs"/>
+              </a:defRPr>
+            </a:lvl6pPr>
+            <a:lvl7pPr marL="2971800" indent="-228600" algn="l" defTabSz="914400" rtl="0" eaLnBrk="1" latinLnBrk="0" hangingPunct="1">
+              <a:lnSpc>
+                <a:spcPct val="90000"/>
+              </a:lnSpc>
+              <a:spcBef>
+                <a:spcPts val="500"/>
+              </a:spcBef>
+              <a:buFont typeface="Arial" panose="020B0604020202020204" pitchFamily="34" charset="0"/>
+              <a:buChar char="•"/>
+              <a:defRPr sz="1800" kern="1200">
+                <a:solidFill>
+                  <a:schemeClr val="tx1"/>
+                </a:solidFill>
+                <a:latin typeface="+mn-lt"/>
+                <a:ea typeface="+mn-ea"/>
+                <a:cs typeface="+mn-cs"/>
+              </a:defRPr>
+            </a:lvl7pPr>
+            <a:lvl8pPr marL="3429000" indent="-228600" algn="l" defTabSz="914400" rtl="0" eaLnBrk="1" latinLnBrk="0" hangingPunct="1">
+              <a:lnSpc>
+                <a:spcPct val="90000"/>
+              </a:lnSpc>
+              <a:spcBef>
+                <a:spcPts val="500"/>
+              </a:spcBef>
+              <a:buFont typeface="Arial" panose="020B0604020202020204" pitchFamily="34" charset="0"/>
+              <a:buChar char="•"/>
+              <a:defRPr sz="1800" kern="1200">
+                <a:solidFill>
+                  <a:schemeClr val="tx1"/>
+                </a:solidFill>
+                <a:latin typeface="+mn-lt"/>
+                <a:ea typeface="+mn-ea"/>
+                <a:cs typeface="+mn-cs"/>
+              </a:defRPr>
+            </a:lvl8pPr>
+            <a:lvl9pPr marL="3886200" indent="-228600" algn="l" defTabSz="914400" rtl="0" eaLnBrk="1" latinLnBrk="0" hangingPunct="1">
+              <a:lnSpc>
+                <a:spcPct val="90000"/>
+              </a:lnSpc>
+              <a:spcBef>
+                <a:spcPts val="500"/>
+              </a:spcBef>
+              <a:buFont typeface="Arial" panose="020B0604020202020204" pitchFamily="34" charset="0"/>
+              <a:buChar char="•"/>
+              <a:defRPr sz="1800" kern="1200">
+                <a:solidFill>
+                  <a:schemeClr val="tx1"/>
+                </a:solidFill>
+                <a:latin typeface="+mn-lt"/>
+                <a:ea typeface="+mn-ea"/>
+                <a:cs typeface="+mn-cs"/>
+              </a:defRPr>
+            </a:lvl9pPr>
+          </a:lstStyle>
+          <a:p>
+            <a:pPr marL="0" indent="0">
+              <a:buNone/>
+            </a:pPr>
+            <a:r>
+              <a:rPr lang="fr-FR" sz="1600" b="1" dirty="0">
+                <a:solidFill>
+                  <a:schemeClr val="bg1"/>
+                </a:solidFill>
+                <a:latin typeface="Raleway" panose="020B0503030101060003" pitchFamily="34" charset="0"/>
+              </a:rPr>
+              <a:t>Version : </a:t>
+            </a:r>
+            <a:r>
+              <a:rPr lang="fr-FR" sz="1600" dirty="0">
+                <a:solidFill>
+                  <a:schemeClr val="bg1"/>
+                </a:solidFill>
+                <a:latin typeface="Raleway" panose="020B0503030101060003" pitchFamily="34" charset="0"/>
+              </a:rPr>
+              <a:t>v3.0</a:t>
+            </a:r>
+          </a:p>
+        </p:txBody>
+      </p:sp>
+      <p:grpSp>
+        <p:nvGrpSpPr>
+          <p:cNvPr id="6" name="Groupe 5">
+            <a:extLst>
+              <a:ext uri="{FF2B5EF4-FFF2-40B4-BE49-F238E27FC236}">
+                <a16:creationId xmlns:a16="http://schemas.microsoft.com/office/drawing/2014/main" id="{563DB308-10D2-4C17-9F31-A8429D30CB77}"/>
+              </a:ext>
+            </a:extLst>
+          </p:cNvPr>
+          <p:cNvGrpSpPr/>
+          <p:nvPr/>
+        </p:nvGrpSpPr>
+        <p:grpSpPr>
+          <a:xfrm>
+            <a:off x="0" y="147898"/>
+            <a:ext cx="4132881" cy="595606"/>
+            <a:chOff x="3197013" y="142241"/>
+            <a:chExt cx="5777654" cy="595606"/>
+          </a:xfrm>
+          <a:solidFill>
+            <a:schemeClr val="accent6">
+              <a:lumMod val="75000"/>
+            </a:schemeClr>
+          </a:solidFill>
+        </p:grpSpPr>
+        <p:sp>
+          <p:nvSpPr>
+            <p:cNvPr id="7" name="Rectangle 6">
+              <a:extLst>
+                <a:ext uri="{FF2B5EF4-FFF2-40B4-BE49-F238E27FC236}">
+                  <a16:creationId xmlns:a16="http://schemas.microsoft.com/office/drawing/2014/main" id="{D7292B60-3E02-47A9-9750-5884747324EE}"/>
+                </a:ext>
+              </a:extLst>
+            </p:cNvPr>
+            <p:cNvSpPr/>
+            <p:nvPr/>
+          </p:nvSpPr>
+          <p:spPr>
+            <a:xfrm>
+              <a:off x="3197013" y="142241"/>
+              <a:ext cx="5662507" cy="595606"/>
+            </a:xfrm>
+            <a:prstGeom prst="rect">
+              <a:avLst/>
+            </a:prstGeom>
+            <a:grpFill/>
+            <a:ln>
+              <a:noFill/>
+            </a:ln>
+          </p:spPr>
+          <p:style>
+            <a:lnRef idx="2">
+              <a:schemeClr val="dk1">
+                <a:shade val="50000"/>
+              </a:schemeClr>
+            </a:lnRef>
+            <a:fillRef idx="1">
+              <a:schemeClr val="dk1"/>
+            </a:fillRef>
+            <a:effectRef idx="0">
+              <a:schemeClr val="dk1"/>
+            </a:effectRef>
+            <a:fontRef idx="minor">
+              <a:schemeClr val="lt1"/>
+            </a:fontRef>
+          </p:style>
+          <p:txBody>
+            <a:bodyPr rtlCol="0" anchor="ctr"/>
+            <a:lstStyle/>
+            <a:p>
+              <a:pPr algn="ctr"/>
+              <a:endParaRPr lang="fr-FR"/>
+            </a:p>
+          </p:txBody>
+        </p:sp>
+        <p:sp>
+          <p:nvSpPr>
+            <p:cNvPr id="8" name="ZoneTexte 7">
+              <a:extLst>
+                <a:ext uri="{FF2B5EF4-FFF2-40B4-BE49-F238E27FC236}">
+                  <a16:creationId xmlns:a16="http://schemas.microsoft.com/office/drawing/2014/main" id="{0FA94EE8-02E0-445C-9C1E-AED7843CB65D}"/>
+                </a:ext>
+              </a:extLst>
+            </p:cNvPr>
+            <p:cNvSpPr txBox="1"/>
+            <p:nvPr/>
+          </p:nvSpPr>
+          <p:spPr>
+            <a:xfrm>
+              <a:off x="3217333" y="255378"/>
+              <a:ext cx="5757334" cy="369332"/>
+            </a:xfrm>
+            <a:prstGeom prst="rect">
+              <a:avLst/>
+            </a:prstGeom>
+            <a:noFill/>
+          </p:spPr>
+          <p:txBody>
+            <a:bodyPr wrap="square" rtlCol="0">
+              <a:spAutoFit/>
+            </a:bodyPr>
+            <a:lstStyle/>
+            <a:p>
+              <a:r>
+                <a:rPr lang="fr-FR" b="1" dirty="0" err="1">
+                  <a:solidFill>
+                    <a:schemeClr val="bg1"/>
+                  </a:solidFill>
+                  <a:latin typeface="Raleway" panose="020B0503030101060003" pitchFamily="34" charset="0"/>
+                </a:rPr>
+                <a:t>Sector</a:t>
+              </a:r>
+              <a:r>
+                <a:rPr lang="fr-FR" b="1" dirty="0">
+                  <a:solidFill>
+                    <a:schemeClr val="bg1"/>
+                  </a:solidFill>
+                  <a:latin typeface="Raleway" panose="020B0503030101060003" pitchFamily="34" charset="0"/>
+                </a:rPr>
+                <a:t> 7 : …</a:t>
+              </a:r>
+            </a:p>
+          </p:txBody>
+        </p:sp>
+      </p:grpSp>
+      <p:sp>
+        <p:nvSpPr>
+          <p:cNvPr id="9" name="Rectangle 8">
+            <a:extLst>
+              <a:ext uri="{FF2B5EF4-FFF2-40B4-BE49-F238E27FC236}">
+                <a16:creationId xmlns:a16="http://schemas.microsoft.com/office/drawing/2014/main" id="{4D1F1A92-53E9-4A24-B026-9B7050E5D438}"/>
+              </a:ext>
+            </a:extLst>
+          </p:cNvPr>
+          <p:cNvSpPr/>
+          <p:nvPr/>
+        </p:nvSpPr>
+        <p:spPr>
+          <a:xfrm>
+            <a:off x="0" y="805853"/>
+            <a:ext cx="1382746" cy="351830"/>
+          </a:xfrm>
+          <a:prstGeom prst="rect">
+            <a:avLst/>
+          </a:prstGeom>
+          <a:ln>
+            <a:noFill/>
+          </a:ln>
+        </p:spPr>
+        <p:style>
+          <a:lnRef idx="2">
+            <a:schemeClr val="dk1">
+              <a:shade val="50000"/>
+            </a:schemeClr>
+          </a:lnRef>
+          <a:fillRef idx="1">
+            <a:schemeClr val="dk1"/>
+          </a:fillRef>
+          <a:effectRef idx="0">
+            <a:schemeClr val="dk1"/>
+          </a:effectRef>
+          <a:fontRef idx="minor">
+            <a:schemeClr val="lt1"/>
+          </a:fontRef>
+        </p:style>
+        <p:txBody>
+          <a:bodyPr rtlCol="0" anchor="ctr"/>
+          <a:lstStyle/>
+          <a:p>
+            <a:pPr algn="ctr"/>
+            <a:endParaRPr lang="fr-FR"/>
+          </a:p>
+        </p:txBody>
+      </p:sp>
+      <p:sp>
+        <p:nvSpPr>
+          <p:cNvPr id="10" name="Sous-titre 2">
+            <a:extLst>
+              <a:ext uri="{FF2B5EF4-FFF2-40B4-BE49-F238E27FC236}">
+                <a16:creationId xmlns:a16="http://schemas.microsoft.com/office/drawing/2014/main" id="{18C91692-9982-40A4-AFA2-A2EC7D5669B3}"/>
+              </a:ext>
+            </a:extLst>
+          </p:cNvPr>
+          <p:cNvSpPr txBox="1">
+            <a:spLocks/>
+          </p:cNvSpPr>
+          <p:nvPr/>
+        </p:nvSpPr>
+        <p:spPr>
+          <a:xfrm>
+            <a:off x="64342" y="852287"/>
+            <a:ext cx="1254059" cy="307777"/>
+          </a:xfrm>
+          <a:prstGeom prst="rect">
+            <a:avLst/>
+          </a:prstGeom>
+        </p:spPr>
+        <p:txBody>
+          <a:bodyPr vert="horz" lIns="91440" tIns="45720" rIns="91440" bIns="45720" rtlCol="0">
+            <a:normAutofit lnSpcReduction="10000"/>
+          </a:bodyPr>
+          <a:lstStyle>
+            <a:lvl1pPr marL="228600" indent="-228600" algn="l" defTabSz="914400" rtl="0" eaLnBrk="1" latinLnBrk="0" hangingPunct="1">
+              <a:lnSpc>
+                <a:spcPct val="90000"/>
+              </a:lnSpc>
+              <a:spcBef>
+                <a:spcPts val="1000"/>
+              </a:spcBef>
+              <a:buFont typeface="Arial" panose="020B0604020202020204" pitchFamily="34" charset="0"/>
+              <a:buChar char="•"/>
+              <a:defRPr sz="2800" kern="1200">
+                <a:solidFill>
+                  <a:schemeClr val="tx1"/>
+                </a:solidFill>
+                <a:latin typeface="+mn-lt"/>
+                <a:ea typeface="+mn-ea"/>
+                <a:cs typeface="+mn-cs"/>
+              </a:defRPr>
+            </a:lvl1pPr>
+            <a:lvl2pPr marL="685800" indent="-228600" algn="l" defTabSz="914400" rtl="0" eaLnBrk="1" latinLnBrk="0" hangingPunct="1">
+              <a:lnSpc>
+                <a:spcPct val="90000"/>
+              </a:lnSpc>
+              <a:spcBef>
+                <a:spcPts val="500"/>
+              </a:spcBef>
+              <a:buFont typeface="Arial" panose="020B0604020202020204" pitchFamily="34" charset="0"/>
+              <a:buChar char="•"/>
+              <a:defRPr sz="2400" kern="1200">
+                <a:solidFill>
+                  <a:schemeClr val="tx1"/>
+                </a:solidFill>
+                <a:latin typeface="+mn-lt"/>
+                <a:ea typeface="+mn-ea"/>
+                <a:cs typeface="+mn-cs"/>
+              </a:defRPr>
+            </a:lvl2pPr>
+            <a:lvl3pPr marL="1143000" indent="-228600" algn="l" defTabSz="914400" rtl="0" eaLnBrk="1" latinLnBrk="0" hangingPunct="1">
+              <a:lnSpc>
+                <a:spcPct val="90000"/>
+              </a:lnSpc>
+              <a:spcBef>
+                <a:spcPts val="500"/>
+              </a:spcBef>
+              <a:buFont typeface="Arial" panose="020B0604020202020204" pitchFamily="34" charset="0"/>
+              <a:buChar char="•"/>
+              <a:defRPr sz="2000" kern="1200">
+                <a:solidFill>
+                  <a:schemeClr val="tx1"/>
+                </a:solidFill>
+                <a:latin typeface="+mn-lt"/>
+                <a:ea typeface="+mn-ea"/>
+                <a:cs typeface="+mn-cs"/>
+              </a:defRPr>
+            </a:lvl3pPr>
+            <a:lvl4pPr marL="1600200" indent="-228600" algn="l" defTabSz="914400" rtl="0" eaLnBrk="1" latinLnBrk="0" hangingPunct="1">
+              <a:lnSpc>
+                <a:spcPct val="90000"/>
+              </a:lnSpc>
+              <a:spcBef>
+                <a:spcPts val="500"/>
+              </a:spcBef>
+              <a:buFont typeface="Arial" panose="020B0604020202020204" pitchFamily="34" charset="0"/>
+              <a:buChar char="•"/>
+              <a:defRPr sz="1800" kern="1200">
+                <a:solidFill>
+                  <a:schemeClr val="tx1"/>
+                </a:solidFill>
+                <a:latin typeface="+mn-lt"/>
+                <a:ea typeface="+mn-ea"/>
+                <a:cs typeface="+mn-cs"/>
+              </a:defRPr>
+            </a:lvl4pPr>
+            <a:lvl5pPr marL="2057400" indent="-228600" algn="l" defTabSz="914400" rtl="0" eaLnBrk="1" latinLnBrk="0" hangingPunct="1">
+              <a:lnSpc>
+                <a:spcPct val="90000"/>
+              </a:lnSpc>
+              <a:spcBef>
+                <a:spcPts val="500"/>
+              </a:spcBef>
+              <a:buFont typeface="Arial" panose="020B0604020202020204" pitchFamily="34" charset="0"/>
+              <a:buChar char="•"/>
+              <a:defRPr sz="1800" kern="1200">
+                <a:solidFill>
+                  <a:schemeClr val="tx1"/>
+                </a:solidFill>
+                <a:latin typeface="+mn-lt"/>
+                <a:ea typeface="+mn-ea"/>
+                <a:cs typeface="+mn-cs"/>
+              </a:defRPr>
+            </a:lvl5pPr>
+            <a:lvl6pPr marL="2514600" indent="-228600" algn="l" defTabSz="914400" rtl="0" eaLnBrk="1" latinLnBrk="0" hangingPunct="1">
+              <a:lnSpc>
+                <a:spcPct val="90000"/>
+              </a:lnSpc>
+              <a:spcBef>
+                <a:spcPts val="500"/>
+              </a:spcBef>
+              <a:buFont typeface="Arial" panose="020B0604020202020204" pitchFamily="34" charset="0"/>
+              <a:buChar char="•"/>
+              <a:defRPr sz="1800" kern="1200">
+                <a:solidFill>
+                  <a:schemeClr val="tx1"/>
+                </a:solidFill>
+                <a:latin typeface="+mn-lt"/>
+                <a:ea typeface="+mn-ea"/>
+                <a:cs typeface="+mn-cs"/>
+              </a:defRPr>
+            </a:lvl6pPr>
+            <a:lvl7pPr marL="2971800" indent="-228600" algn="l" defTabSz="914400" rtl="0" eaLnBrk="1" latinLnBrk="0" hangingPunct="1">
+              <a:lnSpc>
+                <a:spcPct val="90000"/>
+              </a:lnSpc>
+              <a:spcBef>
+                <a:spcPts val="500"/>
+              </a:spcBef>
+              <a:buFont typeface="Arial" panose="020B0604020202020204" pitchFamily="34" charset="0"/>
+              <a:buChar char="•"/>
+              <a:defRPr sz="1800" kern="1200">
+                <a:solidFill>
+                  <a:schemeClr val="tx1"/>
+                </a:solidFill>
+                <a:latin typeface="+mn-lt"/>
+                <a:ea typeface="+mn-ea"/>
+                <a:cs typeface="+mn-cs"/>
+              </a:defRPr>
+            </a:lvl7pPr>
+            <a:lvl8pPr marL="3429000" indent="-228600" algn="l" defTabSz="914400" rtl="0" eaLnBrk="1" latinLnBrk="0" hangingPunct="1">
+              <a:lnSpc>
+                <a:spcPct val="90000"/>
+              </a:lnSpc>
+              <a:spcBef>
+                <a:spcPts val="500"/>
+              </a:spcBef>
+              <a:buFont typeface="Arial" panose="020B0604020202020204" pitchFamily="34" charset="0"/>
+              <a:buChar char="•"/>
+              <a:defRPr sz="1800" kern="1200">
+                <a:solidFill>
+                  <a:schemeClr val="tx1"/>
+                </a:solidFill>
+                <a:latin typeface="+mn-lt"/>
+                <a:ea typeface="+mn-ea"/>
+                <a:cs typeface="+mn-cs"/>
+              </a:defRPr>
+            </a:lvl8pPr>
+            <a:lvl9pPr marL="3886200" indent="-228600" algn="l" defTabSz="914400" rtl="0" eaLnBrk="1" latinLnBrk="0" hangingPunct="1">
+              <a:lnSpc>
+                <a:spcPct val="90000"/>
+              </a:lnSpc>
+              <a:spcBef>
+                <a:spcPts val="500"/>
+              </a:spcBef>
+              <a:buFont typeface="Arial" panose="020B0604020202020204" pitchFamily="34" charset="0"/>
+              <a:buChar char="•"/>
+              <a:defRPr sz="1800" kern="1200">
+                <a:solidFill>
+                  <a:schemeClr val="tx1"/>
+                </a:solidFill>
+                <a:latin typeface="+mn-lt"/>
+                <a:ea typeface="+mn-ea"/>
+                <a:cs typeface="+mn-cs"/>
+              </a:defRPr>
+            </a:lvl9pPr>
+          </a:lstStyle>
+          <a:p>
+            <a:pPr marL="0" indent="0">
+              <a:buNone/>
+            </a:pPr>
+            <a:r>
+              <a:rPr lang="fr-FR" sz="1600" b="1" dirty="0" err="1">
+                <a:solidFill>
+                  <a:schemeClr val="bg1"/>
+                </a:solidFill>
+                <a:latin typeface="Raleway" panose="020B0503030101060003" pitchFamily="34" charset="0"/>
+              </a:rPr>
+              <a:t>Officer</a:t>
+            </a:r>
+            <a:r>
+              <a:rPr lang="fr-FR" sz="1600" b="1" dirty="0">
+                <a:solidFill>
+                  <a:schemeClr val="bg1"/>
+                </a:solidFill>
+                <a:latin typeface="Raleway" panose="020B0503030101060003" pitchFamily="34" charset="0"/>
+              </a:rPr>
+              <a:t> : …</a:t>
+            </a:r>
+            <a:endParaRPr lang="fr-FR" sz="1600" dirty="0">
+              <a:solidFill>
+                <a:schemeClr val="bg1"/>
+              </a:solidFill>
+              <a:latin typeface="Raleway" panose="020B0503030101060003" pitchFamily="34" charset="0"/>
+            </a:endParaRPr>
+          </a:p>
+        </p:txBody>
+      </p:sp>
+    </p:spTree>
+    <p:extLst>
+      <p:ext uri="{BB962C8B-B14F-4D97-AF65-F5344CB8AC3E}">
+        <p14:creationId xmlns:p14="http://schemas.microsoft.com/office/powerpoint/2010/main" val="2495371813"/>
+      </p:ext>
+    </p:extLst>
+  </p:cSld>
+  <p:clrMapOvr>
+    <a:masterClrMapping/>
+  </p:clrMapOvr>
+</p:sld>
+</file>
+
+<file path=ppt/slides/slide11.xml><?xml version="1.0" encoding="utf-8"?>
+<p:sld xmlns:a="http://schemas.openxmlformats.org/drawingml/2006/main" xmlns:r="http://schemas.openxmlformats.org/officeDocument/2006/relationships" xmlns:p="http://schemas.openxmlformats.org/presentationml/2006/main">
+  <p:cSld>
+    <p:spTree>
+      <p:nvGrpSpPr>
+        <p:cNvPr id="1" name=""/>
+        <p:cNvGrpSpPr/>
+        <p:nvPr/>
+      </p:nvGrpSpPr>
+      <p:grpSpPr>
+        <a:xfrm>
+          <a:off x="0" y="0"/>
+          <a:ext cx="0" cy="0"/>
+          <a:chOff x="0" y="0"/>
+          <a:chExt cx="0" cy="0"/>
+        </a:xfrm>
+      </p:grpSpPr>
+      <p:sp>
+        <p:nvSpPr>
           <p:cNvPr id="2" name="Titre 1">
             <a:extLst>
               <a:ext uri="{FF2B5EF4-FFF2-40B4-BE49-F238E27FC236}">
@@ -8334,7 +9422,7 @@
 </p:sld>
 </file>
 
-<file path=ppt/slides/slide11.xml><?xml version="1.0" encoding="utf-8"?>
+<file path=ppt/slides/slide12.xml><?xml version="1.0" encoding="utf-8"?>
 <p:sld xmlns:a="http://schemas.openxmlformats.org/drawingml/2006/main" xmlns:r="http://schemas.openxmlformats.org/officeDocument/2006/relationships" xmlns:p="http://schemas.openxmlformats.org/presentationml/2006/main">
   <p:cSld>
     <p:spTree>
@@ -8507,7 +9595,7 @@
 </p:sld>
 </file>
 
-<file path=ppt/slides/slide12.xml><?xml version="1.0" encoding="utf-8"?>
+<file path=ppt/slides/slide13.xml><?xml version="1.0" encoding="utf-8"?>
 <p:sld xmlns:a="http://schemas.openxmlformats.org/drawingml/2006/main" xmlns:r="http://schemas.openxmlformats.org/officeDocument/2006/relationships" xmlns:p="http://schemas.openxmlformats.org/presentationml/2006/main">
   <p:cSld>
     <p:spTree>
@@ -8682,6 +9770,4615 @@
 </file>
 
 <file path=ppt/slides/slide2.xml><?xml version="1.0" encoding="utf-8"?>
+<p:sld xmlns:a="http://schemas.openxmlformats.org/drawingml/2006/main" xmlns:r="http://schemas.openxmlformats.org/officeDocument/2006/relationships" xmlns:p="http://schemas.openxmlformats.org/presentationml/2006/main">
+  <p:cSld>
+    <p:spTree>
+      <p:nvGrpSpPr>
+        <p:cNvPr id="1" name=""/>
+        <p:cNvGrpSpPr/>
+        <p:nvPr/>
+      </p:nvGrpSpPr>
+      <p:grpSpPr>
+        <a:xfrm>
+          <a:off x="0" y="0"/>
+          <a:ext cx="0" cy="0"/>
+          <a:chOff x="0" y="0"/>
+          <a:chExt cx="0" cy="0"/>
+        </a:xfrm>
+      </p:grpSpPr>
+      <p:pic>
+        <p:nvPicPr>
+          <p:cNvPr id="49" name="Image 48">
+            <a:extLst>
+              <a:ext uri="{FF2B5EF4-FFF2-40B4-BE49-F238E27FC236}">
+                <a16:creationId xmlns:a16="http://schemas.microsoft.com/office/drawing/2014/main" id="{E1F02009-81B4-4C2B-A421-9C94B5F75830}"/>
+              </a:ext>
+            </a:extLst>
+          </p:cNvPr>
+          <p:cNvPicPr>
+            <a:picLocks noChangeAspect="1"/>
+          </p:cNvPicPr>
+          <p:nvPr/>
+        </p:nvPicPr>
+        <p:blipFill>
+          <a:blip r:embed="rId2">
+            <a:extLst>
+              <a:ext uri="{28A0092B-C50C-407E-A947-70E740481C1C}">
+                <a14:useLocalDpi xmlns:a14="http://schemas.microsoft.com/office/drawing/2010/main" val="0"/>
+              </a:ext>
+            </a:extLst>
+          </a:blip>
+          <a:stretch>
+            <a:fillRect/>
+          </a:stretch>
+        </p:blipFill>
+        <p:spPr>
+          <a:xfrm>
+            <a:off x="959514" y="1536265"/>
+            <a:ext cx="10634725" cy="3158064"/>
+          </a:xfrm>
+          <a:prstGeom prst="rect">
+            <a:avLst/>
+          </a:prstGeom>
+        </p:spPr>
+      </p:pic>
+      <p:sp>
+        <p:nvSpPr>
+          <p:cNvPr id="3" name="Sous-titre 2">
+            <a:extLst>
+              <a:ext uri="{FF2B5EF4-FFF2-40B4-BE49-F238E27FC236}">
+                <a16:creationId xmlns:a16="http://schemas.microsoft.com/office/drawing/2014/main" id="{6FFAD397-444A-4C2E-8BA6-9889D6320527}"/>
+              </a:ext>
+            </a:extLst>
+          </p:cNvPr>
+          <p:cNvSpPr>
+            <a:spLocks noGrp="1"/>
+          </p:cNvSpPr>
+          <p:nvPr>
+            <p:ph type="subTitle" idx="1"/>
+          </p:nvPr>
+        </p:nvSpPr>
+        <p:spPr>
+          <a:xfrm>
+            <a:off x="64343" y="6422030"/>
+            <a:ext cx="1254059" cy="307777"/>
+          </a:xfrm>
+        </p:spPr>
+        <p:txBody>
+          <a:bodyPr>
+            <a:normAutofit fontScale="77500" lnSpcReduction="20000"/>
+          </a:bodyPr>
+          <a:lstStyle/>
+          <a:p>
+            <a:r>
+              <a:rPr lang="fr-FR" sz="1600" b="1" dirty="0">
+                <a:solidFill>
+                  <a:schemeClr val="bg1"/>
+                </a:solidFill>
+                <a:latin typeface="Raleway" panose="020B0503030101060003" pitchFamily="34" charset="0"/>
+              </a:rPr>
+              <a:t>Version : </a:t>
+            </a:r>
+            <a:r>
+              <a:rPr lang="fr-FR" sz="1600" dirty="0">
+                <a:solidFill>
+                  <a:schemeClr val="bg1"/>
+                </a:solidFill>
+                <a:latin typeface="Raleway" panose="020B0503030101060003" pitchFamily="34" charset="0"/>
+              </a:rPr>
+              <a:t>v3.0</a:t>
+            </a:r>
+          </a:p>
+        </p:txBody>
+      </p:sp>
+      <p:grpSp>
+        <p:nvGrpSpPr>
+          <p:cNvPr id="13" name="Groupe 12">
+            <a:extLst>
+              <a:ext uri="{FF2B5EF4-FFF2-40B4-BE49-F238E27FC236}">
+                <a16:creationId xmlns:a16="http://schemas.microsoft.com/office/drawing/2014/main" id="{645E8D1C-A08F-4C0A-9217-CBE9D2266AF6}"/>
+              </a:ext>
+            </a:extLst>
+          </p:cNvPr>
+          <p:cNvGrpSpPr/>
+          <p:nvPr/>
+        </p:nvGrpSpPr>
+        <p:grpSpPr>
+          <a:xfrm>
+            <a:off x="0" y="172321"/>
+            <a:ext cx="5777653" cy="595606"/>
+            <a:chOff x="3197013" y="142241"/>
+            <a:chExt cx="5777653" cy="595606"/>
+          </a:xfrm>
+        </p:grpSpPr>
+        <p:sp>
+          <p:nvSpPr>
+            <p:cNvPr id="12" name="Rectangle 11">
+              <a:extLst>
+                <a:ext uri="{FF2B5EF4-FFF2-40B4-BE49-F238E27FC236}">
+                  <a16:creationId xmlns:a16="http://schemas.microsoft.com/office/drawing/2014/main" id="{5003CB31-D2D3-4ECF-84E3-00A61459058B}"/>
+                </a:ext>
+              </a:extLst>
+            </p:cNvPr>
+            <p:cNvSpPr/>
+            <p:nvPr/>
+          </p:nvSpPr>
+          <p:spPr>
+            <a:xfrm>
+              <a:off x="3197013" y="142241"/>
+              <a:ext cx="5662507" cy="595606"/>
+            </a:xfrm>
+            <a:prstGeom prst="rect">
+              <a:avLst/>
+            </a:prstGeom>
+            <a:ln>
+              <a:noFill/>
+            </a:ln>
+          </p:spPr>
+          <p:style>
+            <a:lnRef idx="2">
+              <a:schemeClr val="dk1">
+                <a:shade val="50000"/>
+              </a:schemeClr>
+            </a:lnRef>
+            <a:fillRef idx="1">
+              <a:schemeClr val="dk1"/>
+            </a:fillRef>
+            <a:effectRef idx="0">
+              <a:schemeClr val="dk1"/>
+            </a:effectRef>
+            <a:fontRef idx="minor">
+              <a:schemeClr val="lt1"/>
+            </a:fontRef>
+          </p:style>
+          <p:txBody>
+            <a:bodyPr rtlCol="0" anchor="ctr"/>
+            <a:lstStyle/>
+            <a:p>
+              <a:pPr algn="ctr"/>
+              <a:endParaRPr lang="fr-FR" dirty="0"/>
+            </a:p>
+          </p:txBody>
+        </p:sp>
+        <p:sp>
+          <p:nvSpPr>
+            <p:cNvPr id="11" name="ZoneTexte 10">
+              <a:extLst>
+                <a:ext uri="{FF2B5EF4-FFF2-40B4-BE49-F238E27FC236}">
+                  <a16:creationId xmlns:a16="http://schemas.microsoft.com/office/drawing/2014/main" id="{3FA8355A-A4C7-4D41-AB95-73E6C648DFC9}"/>
+                </a:ext>
+              </a:extLst>
+            </p:cNvPr>
+            <p:cNvSpPr txBox="1"/>
+            <p:nvPr/>
+          </p:nvSpPr>
+          <p:spPr>
+            <a:xfrm>
+              <a:off x="3217333" y="255378"/>
+              <a:ext cx="5757333" cy="369332"/>
+            </a:xfrm>
+            <a:prstGeom prst="rect">
+              <a:avLst/>
+            </a:prstGeom>
+            <a:noFill/>
+          </p:spPr>
+          <p:txBody>
+            <a:bodyPr wrap="square" rtlCol="0">
+              <a:spAutoFit/>
+            </a:bodyPr>
+            <a:lstStyle/>
+            <a:p>
+              <a:r>
+                <a:rPr lang="fr-FR" b="1" dirty="0" err="1">
+                  <a:solidFill>
+                    <a:schemeClr val="bg1"/>
+                  </a:solidFill>
+                  <a:latin typeface="Raleway" panose="020B0503030101060003" pitchFamily="34" charset="0"/>
+                </a:rPr>
+                <a:t>Features</a:t>
+              </a:r>
+              <a:endParaRPr lang="fr-FR" b="1" dirty="0">
+                <a:solidFill>
+                  <a:schemeClr val="bg1"/>
+                </a:solidFill>
+                <a:latin typeface="Raleway" panose="020B0503030101060003" pitchFamily="34" charset="0"/>
+              </a:endParaRPr>
+            </a:p>
+          </p:txBody>
+        </p:sp>
+      </p:grpSp>
+      <p:grpSp>
+        <p:nvGrpSpPr>
+          <p:cNvPr id="34" name="Groupe 33">
+            <a:extLst>
+              <a:ext uri="{FF2B5EF4-FFF2-40B4-BE49-F238E27FC236}">
+                <a16:creationId xmlns:a16="http://schemas.microsoft.com/office/drawing/2014/main" id="{E47B1674-EA0D-4332-974F-FBC0AEB4DA83}"/>
+              </a:ext>
+            </a:extLst>
+          </p:cNvPr>
+          <p:cNvGrpSpPr/>
+          <p:nvPr/>
+        </p:nvGrpSpPr>
+        <p:grpSpPr>
+          <a:xfrm>
+            <a:off x="9755504" y="1534825"/>
+            <a:ext cx="1839120" cy="3124855"/>
+            <a:chOff x="9801013" y="1578279"/>
+            <a:chExt cx="1815245" cy="3081403"/>
+          </a:xfrm>
+        </p:grpSpPr>
+        <p:sp>
+          <p:nvSpPr>
+            <p:cNvPr id="18" name="Rectangle 17">
+              <a:extLst>
+                <a:ext uri="{FF2B5EF4-FFF2-40B4-BE49-F238E27FC236}">
+                  <a16:creationId xmlns:a16="http://schemas.microsoft.com/office/drawing/2014/main" id="{1B8F295A-E012-4B8D-A328-AF3172551FE0}"/>
+                </a:ext>
+              </a:extLst>
+            </p:cNvPr>
+            <p:cNvSpPr/>
+            <p:nvPr/>
+          </p:nvSpPr>
+          <p:spPr>
+            <a:xfrm>
+              <a:off x="9801013" y="1578279"/>
+              <a:ext cx="1815245" cy="3081403"/>
+            </a:xfrm>
+            <a:prstGeom prst="rect">
+              <a:avLst/>
+            </a:prstGeom>
+            <a:solidFill>
+              <a:schemeClr val="accent1">
+                <a:alpha val="30000"/>
+              </a:schemeClr>
+            </a:solidFill>
+          </p:spPr>
+          <p:style>
+            <a:lnRef idx="2">
+              <a:schemeClr val="accent1">
+                <a:shade val="50000"/>
+              </a:schemeClr>
+            </a:lnRef>
+            <a:fillRef idx="1">
+              <a:schemeClr val="accent1"/>
+            </a:fillRef>
+            <a:effectRef idx="0">
+              <a:schemeClr val="accent1"/>
+            </a:effectRef>
+            <a:fontRef idx="minor">
+              <a:schemeClr val="lt1"/>
+            </a:fontRef>
+          </p:style>
+          <p:txBody>
+            <a:bodyPr rtlCol="0" anchor="ctr"/>
+            <a:lstStyle/>
+            <a:p>
+              <a:pPr algn="ctr"/>
+              <a:endParaRPr lang="fr-FR"/>
+            </a:p>
+          </p:txBody>
+        </p:sp>
+        <p:sp>
+          <p:nvSpPr>
+            <p:cNvPr id="26" name="ZoneTexte 25">
+              <a:extLst>
+                <a:ext uri="{FF2B5EF4-FFF2-40B4-BE49-F238E27FC236}">
+                  <a16:creationId xmlns:a16="http://schemas.microsoft.com/office/drawing/2014/main" id="{BBCDB51F-5D8B-4D96-BA88-C5286291E943}"/>
+                </a:ext>
+              </a:extLst>
+            </p:cNvPr>
+            <p:cNvSpPr txBox="1"/>
+            <p:nvPr/>
+          </p:nvSpPr>
+          <p:spPr>
+            <a:xfrm>
+              <a:off x="10092149" y="3327953"/>
+              <a:ext cx="1403062" cy="369332"/>
+            </a:xfrm>
+            <a:prstGeom prst="rect">
+              <a:avLst/>
+            </a:prstGeom>
+            <a:noFill/>
+          </p:spPr>
+          <p:txBody>
+            <a:bodyPr wrap="square" rtlCol="0">
+              <a:spAutoFit/>
+            </a:bodyPr>
+            <a:lstStyle/>
+            <a:p>
+              <a:r>
+                <a:rPr lang="fr-FR" b="1" i="1" dirty="0" err="1">
+                  <a:solidFill>
+                    <a:schemeClr val="accent1">
+                      <a:lumMod val="75000"/>
+                    </a:schemeClr>
+                  </a:solidFill>
+                  <a:latin typeface="Raleway" panose="020B0503030101060003" pitchFamily="34" charset="0"/>
+                </a:rPr>
+                <a:t>Sector</a:t>
+              </a:r>
+              <a:r>
+                <a:rPr lang="fr-FR" b="1" i="1" dirty="0">
+                  <a:solidFill>
+                    <a:schemeClr val="accent1">
+                      <a:lumMod val="75000"/>
+                    </a:schemeClr>
+                  </a:solidFill>
+                  <a:latin typeface="Raleway" panose="020B0503030101060003" pitchFamily="34" charset="0"/>
+                </a:rPr>
+                <a:t> 1</a:t>
+              </a:r>
+            </a:p>
+          </p:txBody>
+        </p:sp>
+      </p:grpSp>
+      <p:sp>
+        <p:nvSpPr>
+          <p:cNvPr id="19" name="Rectangle 18">
+            <a:extLst>
+              <a:ext uri="{FF2B5EF4-FFF2-40B4-BE49-F238E27FC236}">
+                <a16:creationId xmlns:a16="http://schemas.microsoft.com/office/drawing/2014/main" id="{8B7613A4-D628-41E1-BE5E-2FBD64A6D615}"/>
+              </a:ext>
+            </a:extLst>
+          </p:cNvPr>
+          <p:cNvSpPr/>
+          <p:nvPr/>
+        </p:nvSpPr>
+        <p:spPr>
+          <a:xfrm>
+            <a:off x="959514" y="1578279"/>
+            <a:ext cx="1617892" cy="3081403"/>
+          </a:xfrm>
+          <a:prstGeom prst="rect">
+            <a:avLst/>
+          </a:prstGeom>
+          <a:solidFill>
+            <a:schemeClr val="accent3">
+              <a:alpha val="30000"/>
+            </a:schemeClr>
+          </a:solidFill>
+        </p:spPr>
+        <p:style>
+          <a:lnRef idx="2">
+            <a:schemeClr val="accent3">
+              <a:shade val="50000"/>
+            </a:schemeClr>
+          </a:lnRef>
+          <a:fillRef idx="1">
+            <a:schemeClr val="accent3"/>
+          </a:fillRef>
+          <a:effectRef idx="0">
+            <a:schemeClr val="accent3"/>
+          </a:effectRef>
+          <a:fontRef idx="minor">
+            <a:schemeClr val="lt1"/>
+          </a:fontRef>
+        </p:style>
+        <p:txBody>
+          <a:bodyPr rtlCol="0" anchor="ctr"/>
+          <a:lstStyle/>
+          <a:p>
+            <a:pPr algn="ctr"/>
+            <a:endParaRPr lang="fr-FR" dirty="0"/>
+          </a:p>
+        </p:txBody>
+      </p:sp>
+      <p:sp>
+        <p:nvSpPr>
+          <p:cNvPr id="27" name="ZoneTexte 26">
+            <a:extLst>
+              <a:ext uri="{FF2B5EF4-FFF2-40B4-BE49-F238E27FC236}">
+                <a16:creationId xmlns:a16="http://schemas.microsoft.com/office/drawing/2014/main" id="{4F489E98-1AB2-454B-BC1B-5AE010A0C585}"/>
+              </a:ext>
+            </a:extLst>
+          </p:cNvPr>
+          <p:cNvSpPr txBox="1"/>
+          <p:nvPr/>
+        </p:nvSpPr>
+        <p:spPr>
+          <a:xfrm>
+            <a:off x="1347540" y="2908203"/>
+            <a:ext cx="1212780" cy="369332"/>
+          </a:xfrm>
+          <a:prstGeom prst="rect">
+            <a:avLst/>
+          </a:prstGeom>
+          <a:noFill/>
+        </p:spPr>
+        <p:txBody>
+          <a:bodyPr wrap="square" rtlCol="0">
+            <a:spAutoFit/>
+          </a:bodyPr>
+          <a:lstStyle/>
+          <a:p>
+            <a:r>
+              <a:rPr lang="fr-FR" b="1" i="1" dirty="0" err="1">
+                <a:solidFill>
+                  <a:schemeClr val="bg1">
+                    <a:lumMod val="50000"/>
+                  </a:schemeClr>
+                </a:solidFill>
+                <a:latin typeface="Raleway" panose="020B0503030101060003" pitchFamily="34" charset="0"/>
+              </a:rPr>
+              <a:t>Sector</a:t>
+            </a:r>
+            <a:r>
+              <a:rPr lang="fr-FR" b="1" i="1" dirty="0">
+                <a:solidFill>
+                  <a:schemeClr val="bg1">
+                    <a:lumMod val="50000"/>
+                  </a:schemeClr>
+                </a:solidFill>
+                <a:latin typeface="Raleway" panose="020B0503030101060003" pitchFamily="34" charset="0"/>
+              </a:rPr>
+              <a:t> 7</a:t>
+            </a:r>
+          </a:p>
+        </p:txBody>
+      </p:sp>
+      <p:grpSp>
+        <p:nvGrpSpPr>
+          <p:cNvPr id="79" name="Groupe 78">
+            <a:extLst>
+              <a:ext uri="{FF2B5EF4-FFF2-40B4-BE49-F238E27FC236}">
+                <a16:creationId xmlns:a16="http://schemas.microsoft.com/office/drawing/2014/main" id="{3CAED0A4-C8FA-4B92-92CF-731A99DAD731}"/>
+              </a:ext>
+            </a:extLst>
+          </p:cNvPr>
+          <p:cNvGrpSpPr/>
+          <p:nvPr/>
+        </p:nvGrpSpPr>
+        <p:grpSpPr>
+          <a:xfrm>
+            <a:off x="9630554" y="5602942"/>
+            <a:ext cx="1218045" cy="370861"/>
+            <a:chOff x="7340131" y="5587589"/>
+            <a:chExt cx="1218045" cy="370861"/>
+          </a:xfrm>
+        </p:grpSpPr>
+        <p:sp>
+          <p:nvSpPr>
+            <p:cNvPr id="76" name="Rectangle 75">
+              <a:extLst>
+                <a:ext uri="{FF2B5EF4-FFF2-40B4-BE49-F238E27FC236}">
+                  <a16:creationId xmlns:a16="http://schemas.microsoft.com/office/drawing/2014/main" id="{07C6C0B8-8A42-4295-B5B9-ADA09F270A73}"/>
+                </a:ext>
+              </a:extLst>
+            </p:cNvPr>
+            <p:cNvSpPr/>
+            <p:nvPr/>
+          </p:nvSpPr>
+          <p:spPr>
+            <a:xfrm>
+              <a:off x="7347842" y="5597856"/>
+              <a:ext cx="1202625" cy="360594"/>
+            </a:xfrm>
+            <a:prstGeom prst="rect">
+              <a:avLst/>
+            </a:prstGeom>
+            <a:solidFill>
+              <a:schemeClr val="accent3">
+                <a:alpha val="30000"/>
+              </a:schemeClr>
+            </a:solidFill>
+          </p:spPr>
+          <p:style>
+            <a:lnRef idx="2">
+              <a:schemeClr val="accent3">
+                <a:shade val="50000"/>
+              </a:schemeClr>
+            </a:lnRef>
+            <a:fillRef idx="1">
+              <a:schemeClr val="accent3"/>
+            </a:fillRef>
+            <a:effectRef idx="0">
+              <a:schemeClr val="accent3"/>
+            </a:effectRef>
+            <a:fontRef idx="minor">
+              <a:schemeClr val="lt1"/>
+            </a:fontRef>
+          </p:style>
+          <p:txBody>
+            <a:bodyPr rtlCol="0" anchor="ctr"/>
+            <a:lstStyle/>
+            <a:p>
+              <a:pPr algn="ctr"/>
+              <a:endParaRPr lang="fr-FR" dirty="0"/>
+            </a:p>
+          </p:txBody>
+        </p:sp>
+        <p:sp>
+          <p:nvSpPr>
+            <p:cNvPr id="77" name="ZoneTexte 76">
+              <a:extLst>
+                <a:ext uri="{FF2B5EF4-FFF2-40B4-BE49-F238E27FC236}">
+                  <a16:creationId xmlns:a16="http://schemas.microsoft.com/office/drawing/2014/main" id="{D6234D4E-B13D-4DCB-B8CC-66387093F426}"/>
+                </a:ext>
+              </a:extLst>
+            </p:cNvPr>
+            <p:cNvSpPr txBox="1"/>
+            <p:nvPr/>
+          </p:nvSpPr>
+          <p:spPr>
+            <a:xfrm>
+              <a:off x="7340131" y="5587589"/>
+              <a:ext cx="1218045" cy="369332"/>
+            </a:xfrm>
+            <a:prstGeom prst="rect">
+              <a:avLst/>
+            </a:prstGeom>
+            <a:noFill/>
+          </p:spPr>
+          <p:txBody>
+            <a:bodyPr wrap="square" rtlCol="0">
+              <a:spAutoFit/>
+            </a:bodyPr>
+            <a:lstStyle/>
+            <a:p>
+              <a:r>
+                <a:rPr lang="fr-FR" b="1" i="1" dirty="0" err="1">
+                  <a:solidFill>
+                    <a:schemeClr val="bg1">
+                      <a:lumMod val="50000"/>
+                    </a:schemeClr>
+                  </a:solidFill>
+                  <a:latin typeface="Raleway" panose="020B0503030101060003" pitchFamily="34" charset="0"/>
+                </a:rPr>
+                <a:t>Sector</a:t>
+              </a:r>
+              <a:r>
+                <a:rPr lang="fr-FR" b="1" i="1" dirty="0">
+                  <a:solidFill>
+                    <a:schemeClr val="bg1">
+                      <a:lumMod val="50000"/>
+                    </a:schemeClr>
+                  </a:solidFill>
+                  <a:latin typeface="Raleway" panose="020B0503030101060003" pitchFamily="34" charset="0"/>
+                </a:rPr>
+                <a:t> 7</a:t>
+              </a:r>
+            </a:p>
+          </p:txBody>
+        </p:sp>
+      </p:grpSp>
+      <p:grpSp>
+        <p:nvGrpSpPr>
+          <p:cNvPr id="2" name="Groupe 1">
+            <a:extLst>
+              <a:ext uri="{FF2B5EF4-FFF2-40B4-BE49-F238E27FC236}">
+                <a16:creationId xmlns:a16="http://schemas.microsoft.com/office/drawing/2014/main" id="{22FFECF3-C703-45B6-A26D-888AA1946911}"/>
+              </a:ext>
+            </a:extLst>
+          </p:cNvPr>
+          <p:cNvGrpSpPr/>
+          <p:nvPr/>
+        </p:nvGrpSpPr>
+        <p:grpSpPr>
+          <a:xfrm>
+            <a:off x="7001384" y="3188306"/>
+            <a:ext cx="2754123" cy="1482812"/>
+            <a:chOff x="7001384" y="3188306"/>
+            <a:chExt cx="2754123" cy="1482812"/>
+          </a:xfrm>
+        </p:grpSpPr>
+        <p:sp>
+          <p:nvSpPr>
+            <p:cNvPr id="24" name="Rectangle 23">
+              <a:extLst>
+                <a:ext uri="{FF2B5EF4-FFF2-40B4-BE49-F238E27FC236}">
+                  <a16:creationId xmlns:a16="http://schemas.microsoft.com/office/drawing/2014/main" id="{C4A8431A-0716-4C92-9603-1C38D4A9922A}"/>
+                </a:ext>
+              </a:extLst>
+            </p:cNvPr>
+            <p:cNvSpPr/>
+            <p:nvPr/>
+          </p:nvSpPr>
+          <p:spPr>
+            <a:xfrm>
+              <a:off x="7001384" y="3188306"/>
+              <a:ext cx="2754123" cy="1482812"/>
+            </a:xfrm>
+            <a:prstGeom prst="rect">
+              <a:avLst/>
+            </a:prstGeom>
+            <a:solidFill>
+              <a:schemeClr val="tx2">
+                <a:alpha val="30000"/>
+              </a:schemeClr>
+            </a:solidFill>
+          </p:spPr>
+          <p:style>
+            <a:lnRef idx="2">
+              <a:schemeClr val="accent4">
+                <a:shade val="50000"/>
+              </a:schemeClr>
+            </a:lnRef>
+            <a:fillRef idx="1">
+              <a:schemeClr val="accent4"/>
+            </a:fillRef>
+            <a:effectRef idx="0">
+              <a:schemeClr val="accent4"/>
+            </a:effectRef>
+            <a:fontRef idx="minor">
+              <a:schemeClr val="lt1"/>
+            </a:fontRef>
+          </p:style>
+          <p:txBody>
+            <a:bodyPr rtlCol="0" anchor="ctr"/>
+            <a:lstStyle/>
+            <a:p>
+              <a:pPr algn="ctr"/>
+              <a:endParaRPr lang="fr-FR" dirty="0"/>
+            </a:p>
+          </p:txBody>
+        </p:sp>
+        <p:sp>
+          <p:nvSpPr>
+            <p:cNvPr id="28" name="ZoneTexte 27">
+              <a:extLst>
+                <a:ext uri="{FF2B5EF4-FFF2-40B4-BE49-F238E27FC236}">
+                  <a16:creationId xmlns:a16="http://schemas.microsoft.com/office/drawing/2014/main" id="{E0F67465-C439-4602-8006-656E8C806EEA}"/>
+                </a:ext>
+              </a:extLst>
+            </p:cNvPr>
+            <p:cNvSpPr txBox="1"/>
+            <p:nvPr/>
+          </p:nvSpPr>
+          <p:spPr>
+            <a:xfrm>
+              <a:off x="7870655" y="3735333"/>
+              <a:ext cx="1392978" cy="369332"/>
+            </a:xfrm>
+            <a:prstGeom prst="rect">
+              <a:avLst/>
+            </a:prstGeom>
+            <a:noFill/>
+          </p:spPr>
+          <p:txBody>
+            <a:bodyPr wrap="square" rtlCol="0">
+              <a:spAutoFit/>
+            </a:bodyPr>
+            <a:lstStyle/>
+            <a:p>
+              <a:r>
+                <a:rPr lang="fr-FR" b="1" i="1" dirty="0" err="1">
+                  <a:solidFill>
+                    <a:schemeClr val="bg2">
+                      <a:lumMod val="50000"/>
+                    </a:schemeClr>
+                  </a:solidFill>
+                  <a:latin typeface="Raleway" panose="020B0503030101060003" pitchFamily="34" charset="0"/>
+                </a:rPr>
+                <a:t>Sector</a:t>
+              </a:r>
+              <a:r>
+                <a:rPr lang="fr-FR" b="1" i="1" dirty="0">
+                  <a:solidFill>
+                    <a:schemeClr val="bg2">
+                      <a:lumMod val="50000"/>
+                    </a:schemeClr>
+                  </a:solidFill>
+                  <a:latin typeface="Raleway" panose="020B0503030101060003" pitchFamily="34" charset="0"/>
+                </a:rPr>
+                <a:t> 4</a:t>
+              </a:r>
+            </a:p>
+          </p:txBody>
+        </p:sp>
+      </p:grpSp>
+      <p:grpSp>
+        <p:nvGrpSpPr>
+          <p:cNvPr id="58" name="Groupe 57">
+            <a:extLst>
+              <a:ext uri="{FF2B5EF4-FFF2-40B4-BE49-F238E27FC236}">
+                <a16:creationId xmlns:a16="http://schemas.microsoft.com/office/drawing/2014/main" id="{2235A119-6713-477A-BEE3-B0C7C9295792}"/>
+              </a:ext>
+            </a:extLst>
+          </p:cNvPr>
+          <p:cNvGrpSpPr/>
+          <p:nvPr/>
+        </p:nvGrpSpPr>
+        <p:grpSpPr>
+          <a:xfrm>
+            <a:off x="7932363" y="1540696"/>
+            <a:ext cx="1823141" cy="846574"/>
+            <a:chOff x="7701975" y="1583195"/>
+            <a:chExt cx="2092951" cy="846574"/>
+          </a:xfrm>
+        </p:grpSpPr>
+        <p:sp>
+          <p:nvSpPr>
+            <p:cNvPr id="20" name="Rectangle 19">
+              <a:extLst>
+                <a:ext uri="{FF2B5EF4-FFF2-40B4-BE49-F238E27FC236}">
+                  <a16:creationId xmlns:a16="http://schemas.microsoft.com/office/drawing/2014/main" id="{96C2F680-432C-42F4-A67E-59F81128B0B0}"/>
+                </a:ext>
+              </a:extLst>
+            </p:cNvPr>
+            <p:cNvSpPr/>
+            <p:nvPr/>
+          </p:nvSpPr>
+          <p:spPr>
+            <a:xfrm>
+              <a:off x="7701975" y="1583195"/>
+              <a:ext cx="2092951" cy="846574"/>
+            </a:xfrm>
+            <a:prstGeom prst="rect">
+              <a:avLst/>
+            </a:prstGeom>
+            <a:solidFill>
+              <a:schemeClr val="accent6">
+                <a:alpha val="30000"/>
+              </a:schemeClr>
+            </a:solidFill>
+          </p:spPr>
+          <p:style>
+            <a:lnRef idx="2">
+              <a:schemeClr val="accent6">
+                <a:shade val="50000"/>
+              </a:schemeClr>
+            </a:lnRef>
+            <a:fillRef idx="1">
+              <a:schemeClr val="accent6"/>
+            </a:fillRef>
+            <a:effectRef idx="0">
+              <a:schemeClr val="accent6"/>
+            </a:effectRef>
+            <a:fontRef idx="minor">
+              <a:schemeClr val="lt1"/>
+            </a:fontRef>
+          </p:style>
+          <p:txBody>
+            <a:bodyPr rtlCol="0" anchor="ctr"/>
+            <a:lstStyle/>
+            <a:p>
+              <a:pPr algn="ctr"/>
+              <a:endParaRPr lang="fr-FR"/>
+            </a:p>
+          </p:txBody>
+        </p:sp>
+        <p:sp>
+          <p:nvSpPr>
+            <p:cNvPr id="29" name="ZoneTexte 28">
+              <a:extLst>
+                <a:ext uri="{FF2B5EF4-FFF2-40B4-BE49-F238E27FC236}">
+                  <a16:creationId xmlns:a16="http://schemas.microsoft.com/office/drawing/2014/main" id="{70CA4045-1956-4BBE-86FC-B1CC695CCFA8}"/>
+                </a:ext>
+              </a:extLst>
+            </p:cNvPr>
+            <p:cNvSpPr txBox="1"/>
+            <p:nvPr/>
+          </p:nvSpPr>
+          <p:spPr>
+            <a:xfrm>
+              <a:off x="8133479" y="1829348"/>
+              <a:ext cx="1308412" cy="369332"/>
+            </a:xfrm>
+            <a:prstGeom prst="rect">
+              <a:avLst/>
+            </a:prstGeom>
+            <a:noFill/>
+          </p:spPr>
+          <p:txBody>
+            <a:bodyPr wrap="square" rtlCol="0">
+              <a:spAutoFit/>
+            </a:bodyPr>
+            <a:lstStyle/>
+            <a:p>
+              <a:r>
+                <a:rPr lang="fr-FR" b="1" i="1" dirty="0" err="1">
+                  <a:solidFill>
+                    <a:schemeClr val="accent6">
+                      <a:lumMod val="75000"/>
+                    </a:schemeClr>
+                  </a:solidFill>
+                  <a:latin typeface="Raleway" panose="020B0503030101060003" pitchFamily="34" charset="0"/>
+                </a:rPr>
+                <a:t>Sector</a:t>
+              </a:r>
+              <a:r>
+                <a:rPr lang="fr-FR" b="1" i="1" dirty="0">
+                  <a:solidFill>
+                    <a:schemeClr val="accent6">
+                      <a:lumMod val="75000"/>
+                    </a:schemeClr>
+                  </a:solidFill>
+                  <a:latin typeface="Raleway" panose="020B0503030101060003" pitchFamily="34" charset="0"/>
+                </a:rPr>
+                <a:t> 2</a:t>
+              </a:r>
+            </a:p>
+          </p:txBody>
+        </p:sp>
+      </p:grpSp>
+      <p:grpSp>
+        <p:nvGrpSpPr>
+          <p:cNvPr id="64" name="Groupe 63">
+            <a:extLst>
+              <a:ext uri="{FF2B5EF4-FFF2-40B4-BE49-F238E27FC236}">
+                <a16:creationId xmlns:a16="http://schemas.microsoft.com/office/drawing/2014/main" id="{478AAA71-CCE4-49FF-87F3-6D54C279CBF2}"/>
+              </a:ext>
+            </a:extLst>
+          </p:cNvPr>
+          <p:cNvGrpSpPr/>
+          <p:nvPr/>
+        </p:nvGrpSpPr>
+        <p:grpSpPr>
+          <a:xfrm>
+            <a:off x="5919900" y="1544511"/>
+            <a:ext cx="2001454" cy="846574"/>
+            <a:chOff x="5337405" y="1578280"/>
+            <a:chExt cx="2092951" cy="846574"/>
+          </a:xfrm>
+        </p:grpSpPr>
+        <p:sp>
+          <p:nvSpPr>
+            <p:cNvPr id="21" name="Rectangle 20">
+              <a:extLst>
+                <a:ext uri="{FF2B5EF4-FFF2-40B4-BE49-F238E27FC236}">
+                  <a16:creationId xmlns:a16="http://schemas.microsoft.com/office/drawing/2014/main" id="{428FA79D-C385-40DD-80C7-A76526ADBA03}"/>
+                </a:ext>
+              </a:extLst>
+            </p:cNvPr>
+            <p:cNvSpPr/>
+            <p:nvPr/>
+          </p:nvSpPr>
+          <p:spPr>
+            <a:xfrm>
+              <a:off x="5337405" y="1578280"/>
+              <a:ext cx="2092951" cy="846574"/>
+            </a:xfrm>
+            <a:prstGeom prst="rect">
+              <a:avLst/>
+            </a:prstGeom>
+            <a:solidFill>
+              <a:schemeClr val="accent2">
+                <a:alpha val="30000"/>
+              </a:schemeClr>
+            </a:solidFill>
+          </p:spPr>
+          <p:style>
+            <a:lnRef idx="2">
+              <a:schemeClr val="accent2">
+                <a:shade val="50000"/>
+              </a:schemeClr>
+            </a:lnRef>
+            <a:fillRef idx="1">
+              <a:schemeClr val="accent2"/>
+            </a:fillRef>
+            <a:effectRef idx="0">
+              <a:schemeClr val="accent2"/>
+            </a:effectRef>
+            <a:fontRef idx="minor">
+              <a:schemeClr val="lt1"/>
+            </a:fontRef>
+          </p:style>
+          <p:txBody>
+            <a:bodyPr rtlCol="0" anchor="ctr"/>
+            <a:lstStyle/>
+            <a:p>
+              <a:pPr algn="ctr"/>
+              <a:endParaRPr lang="fr-FR"/>
+            </a:p>
+          </p:txBody>
+        </p:sp>
+        <p:sp>
+          <p:nvSpPr>
+            <p:cNvPr id="30" name="ZoneTexte 29">
+              <a:extLst>
+                <a:ext uri="{FF2B5EF4-FFF2-40B4-BE49-F238E27FC236}">
+                  <a16:creationId xmlns:a16="http://schemas.microsoft.com/office/drawing/2014/main" id="{643CB572-0DFB-495D-B896-86EB74BD2AA8}"/>
+                </a:ext>
+              </a:extLst>
+            </p:cNvPr>
+            <p:cNvSpPr txBox="1"/>
+            <p:nvPr/>
+          </p:nvSpPr>
+          <p:spPr>
+            <a:xfrm>
+              <a:off x="5607695" y="1790101"/>
+              <a:ext cx="1372263" cy="369332"/>
+            </a:xfrm>
+            <a:prstGeom prst="rect">
+              <a:avLst/>
+            </a:prstGeom>
+            <a:noFill/>
+          </p:spPr>
+          <p:txBody>
+            <a:bodyPr wrap="square" rtlCol="0">
+              <a:spAutoFit/>
+            </a:bodyPr>
+            <a:lstStyle/>
+            <a:p>
+              <a:r>
+                <a:rPr lang="fr-FR" b="1" i="1" dirty="0" err="1">
+                  <a:solidFill>
+                    <a:srgbClr val="FF0000"/>
+                  </a:solidFill>
+                  <a:latin typeface="Raleway" panose="020B0503030101060003" pitchFamily="34" charset="0"/>
+                </a:rPr>
+                <a:t>Sector</a:t>
+              </a:r>
+              <a:r>
+                <a:rPr lang="fr-FR" b="1" i="1" dirty="0">
+                  <a:solidFill>
+                    <a:srgbClr val="FF0000"/>
+                  </a:solidFill>
+                  <a:latin typeface="Raleway" panose="020B0503030101060003" pitchFamily="34" charset="0"/>
+                </a:rPr>
+                <a:t> 3</a:t>
+              </a:r>
+            </a:p>
+          </p:txBody>
+        </p:sp>
+      </p:grpSp>
+      <p:grpSp>
+        <p:nvGrpSpPr>
+          <p:cNvPr id="37" name="Groupe 36">
+            <a:extLst>
+              <a:ext uri="{FF2B5EF4-FFF2-40B4-BE49-F238E27FC236}">
+                <a16:creationId xmlns:a16="http://schemas.microsoft.com/office/drawing/2014/main" id="{A2BA6509-9B45-4692-989B-1B328C09C7BE}"/>
+              </a:ext>
+            </a:extLst>
+          </p:cNvPr>
+          <p:cNvGrpSpPr/>
+          <p:nvPr/>
+        </p:nvGrpSpPr>
+        <p:grpSpPr>
+          <a:xfrm>
+            <a:off x="2599425" y="1544510"/>
+            <a:ext cx="2715017" cy="1572650"/>
+            <a:chOff x="2599425" y="1544510"/>
+            <a:chExt cx="2592929" cy="1506113"/>
+          </a:xfrm>
+        </p:grpSpPr>
+        <p:sp>
+          <p:nvSpPr>
+            <p:cNvPr id="22" name="Rectangle 21">
+              <a:extLst>
+                <a:ext uri="{FF2B5EF4-FFF2-40B4-BE49-F238E27FC236}">
+                  <a16:creationId xmlns:a16="http://schemas.microsoft.com/office/drawing/2014/main" id="{70901FC1-3469-45E9-8133-CCEE96BEA0F1}"/>
+                </a:ext>
+              </a:extLst>
+            </p:cNvPr>
+            <p:cNvSpPr/>
+            <p:nvPr/>
+          </p:nvSpPr>
+          <p:spPr>
+            <a:xfrm>
+              <a:off x="2599425" y="1544510"/>
+              <a:ext cx="2592929" cy="1506113"/>
+            </a:xfrm>
+            <a:prstGeom prst="rect">
+              <a:avLst/>
+            </a:prstGeom>
+            <a:solidFill>
+              <a:schemeClr val="accent4">
+                <a:alpha val="30000"/>
+              </a:schemeClr>
+            </a:solidFill>
+          </p:spPr>
+          <p:style>
+            <a:lnRef idx="2">
+              <a:schemeClr val="accent4">
+                <a:shade val="50000"/>
+              </a:schemeClr>
+            </a:lnRef>
+            <a:fillRef idx="1">
+              <a:schemeClr val="accent4"/>
+            </a:fillRef>
+            <a:effectRef idx="0">
+              <a:schemeClr val="accent4"/>
+            </a:effectRef>
+            <a:fontRef idx="minor">
+              <a:schemeClr val="lt1"/>
+            </a:fontRef>
+          </p:style>
+          <p:txBody>
+            <a:bodyPr rtlCol="0" anchor="ctr"/>
+            <a:lstStyle/>
+            <a:p>
+              <a:pPr algn="ctr"/>
+              <a:endParaRPr lang="fr-FR"/>
+            </a:p>
+          </p:txBody>
+        </p:sp>
+        <p:sp>
+          <p:nvSpPr>
+            <p:cNvPr id="33" name="ZoneTexte 32">
+              <a:extLst>
+                <a:ext uri="{FF2B5EF4-FFF2-40B4-BE49-F238E27FC236}">
+                  <a16:creationId xmlns:a16="http://schemas.microsoft.com/office/drawing/2014/main" id="{553AC406-6308-4219-B092-0BED5730C996}"/>
+                </a:ext>
+              </a:extLst>
+            </p:cNvPr>
+            <p:cNvSpPr txBox="1"/>
+            <p:nvPr/>
+          </p:nvSpPr>
+          <p:spPr>
+            <a:xfrm>
+              <a:off x="3295405" y="2140826"/>
+              <a:ext cx="1192107" cy="353706"/>
+            </a:xfrm>
+            <a:prstGeom prst="rect">
+              <a:avLst/>
+            </a:prstGeom>
+            <a:noFill/>
+          </p:spPr>
+          <p:txBody>
+            <a:bodyPr wrap="square" rtlCol="0">
+              <a:spAutoFit/>
+            </a:bodyPr>
+            <a:lstStyle/>
+            <a:p>
+              <a:r>
+                <a:rPr lang="fr-FR" b="1" i="1" dirty="0" err="1">
+                  <a:solidFill>
+                    <a:schemeClr val="accent2">
+                      <a:lumMod val="75000"/>
+                    </a:schemeClr>
+                  </a:solidFill>
+                  <a:latin typeface="Raleway" panose="020B0503030101060003" pitchFamily="34" charset="0"/>
+                </a:rPr>
+                <a:t>Sector</a:t>
+              </a:r>
+              <a:r>
+                <a:rPr lang="fr-FR" b="1" i="1" dirty="0">
+                  <a:solidFill>
+                    <a:schemeClr val="accent2">
+                      <a:lumMod val="75000"/>
+                    </a:schemeClr>
+                  </a:solidFill>
+                  <a:latin typeface="Raleway" panose="020B0503030101060003" pitchFamily="34" charset="0"/>
+                </a:rPr>
+                <a:t> 6</a:t>
+              </a:r>
+            </a:p>
+          </p:txBody>
+        </p:sp>
+      </p:grpSp>
+      <p:sp>
+        <p:nvSpPr>
+          <p:cNvPr id="35" name="Rectangle 34">
+            <a:extLst>
+              <a:ext uri="{FF2B5EF4-FFF2-40B4-BE49-F238E27FC236}">
+                <a16:creationId xmlns:a16="http://schemas.microsoft.com/office/drawing/2014/main" id="{CA78EF10-B0D7-493F-8ABC-EC07A8C19837}"/>
+              </a:ext>
+            </a:extLst>
+          </p:cNvPr>
+          <p:cNvSpPr/>
+          <p:nvPr/>
+        </p:nvSpPr>
+        <p:spPr>
+          <a:xfrm>
+            <a:off x="9123531" y="508000"/>
+            <a:ext cx="677482" cy="586090"/>
+          </a:xfrm>
+          <a:prstGeom prst="rect">
+            <a:avLst/>
+          </a:prstGeom>
+          <a:noFill/>
+          <a:ln w="28575">
+            <a:solidFill>
+              <a:schemeClr val="tx1"/>
+            </a:solidFill>
+          </a:ln>
+        </p:spPr>
+        <p:style>
+          <a:lnRef idx="2">
+            <a:schemeClr val="accent1">
+              <a:shade val="50000"/>
+            </a:schemeClr>
+          </a:lnRef>
+          <a:fillRef idx="1">
+            <a:schemeClr val="accent1"/>
+          </a:fillRef>
+          <a:effectRef idx="0">
+            <a:schemeClr val="accent1"/>
+          </a:effectRef>
+          <a:fontRef idx="minor">
+            <a:schemeClr val="lt1"/>
+          </a:fontRef>
+        </p:style>
+        <p:txBody>
+          <a:bodyPr rtlCol="0" anchor="ctr"/>
+          <a:lstStyle/>
+          <a:p>
+            <a:pPr algn="ctr"/>
+            <a:endParaRPr lang="fr-FR"/>
+          </a:p>
+        </p:txBody>
+      </p:sp>
+      <p:sp>
+        <p:nvSpPr>
+          <p:cNvPr id="42" name="Rectangle 41">
+            <a:extLst>
+              <a:ext uri="{FF2B5EF4-FFF2-40B4-BE49-F238E27FC236}">
+                <a16:creationId xmlns:a16="http://schemas.microsoft.com/office/drawing/2014/main" id="{2AF6F12E-B549-4307-84CD-F8D219FF14CF}"/>
+              </a:ext>
+            </a:extLst>
+          </p:cNvPr>
+          <p:cNvSpPr/>
+          <p:nvPr/>
+        </p:nvSpPr>
+        <p:spPr>
+          <a:xfrm>
+            <a:off x="8485208" y="485818"/>
+            <a:ext cx="540136" cy="586090"/>
+          </a:xfrm>
+          <a:prstGeom prst="rect">
+            <a:avLst/>
+          </a:prstGeom>
+          <a:noFill/>
+          <a:ln w="28575">
+            <a:solidFill>
+              <a:schemeClr val="tx1"/>
+            </a:solidFill>
+          </a:ln>
+        </p:spPr>
+        <p:style>
+          <a:lnRef idx="2">
+            <a:schemeClr val="accent1">
+              <a:shade val="50000"/>
+            </a:schemeClr>
+          </a:lnRef>
+          <a:fillRef idx="1">
+            <a:schemeClr val="accent1"/>
+          </a:fillRef>
+          <a:effectRef idx="0">
+            <a:schemeClr val="accent1"/>
+          </a:effectRef>
+          <a:fontRef idx="minor">
+            <a:schemeClr val="lt1"/>
+          </a:fontRef>
+        </p:style>
+        <p:txBody>
+          <a:bodyPr rtlCol="0" anchor="ctr"/>
+          <a:lstStyle/>
+          <a:p>
+            <a:pPr algn="ctr"/>
+            <a:endParaRPr lang="fr-FR"/>
+          </a:p>
+        </p:txBody>
+      </p:sp>
+      <p:sp>
+        <p:nvSpPr>
+          <p:cNvPr id="48" name="Rectangle 47">
+            <a:extLst>
+              <a:ext uri="{FF2B5EF4-FFF2-40B4-BE49-F238E27FC236}">
+                <a16:creationId xmlns:a16="http://schemas.microsoft.com/office/drawing/2014/main" id="{D402053E-E0A4-4C09-B97F-080EAC3BCA46}"/>
+              </a:ext>
+            </a:extLst>
+          </p:cNvPr>
+          <p:cNvSpPr/>
+          <p:nvPr/>
+        </p:nvSpPr>
+        <p:spPr>
+          <a:xfrm rot="16200000">
+            <a:off x="507539" y="3896945"/>
+            <a:ext cx="1231100" cy="313590"/>
+          </a:xfrm>
+          <a:prstGeom prst="rect">
+            <a:avLst/>
+          </a:prstGeom>
+          <a:noFill/>
+          <a:ln w="28575">
+            <a:solidFill>
+              <a:schemeClr val="tx1"/>
+            </a:solidFill>
+          </a:ln>
+        </p:spPr>
+        <p:style>
+          <a:lnRef idx="2">
+            <a:schemeClr val="accent1">
+              <a:shade val="50000"/>
+            </a:schemeClr>
+          </a:lnRef>
+          <a:fillRef idx="1">
+            <a:schemeClr val="accent1"/>
+          </a:fillRef>
+          <a:effectRef idx="0">
+            <a:schemeClr val="accent1"/>
+          </a:effectRef>
+          <a:fontRef idx="minor">
+            <a:schemeClr val="lt1"/>
+          </a:fontRef>
+        </p:style>
+        <p:txBody>
+          <a:bodyPr rtlCol="0" anchor="ctr"/>
+          <a:lstStyle/>
+          <a:p>
+            <a:pPr algn="ctr"/>
+            <a:endParaRPr lang="fr-FR"/>
+          </a:p>
+        </p:txBody>
+      </p:sp>
+      <p:sp>
+        <p:nvSpPr>
+          <p:cNvPr id="50" name="Rectangle 49">
+            <a:extLst>
+              <a:ext uri="{FF2B5EF4-FFF2-40B4-BE49-F238E27FC236}">
+                <a16:creationId xmlns:a16="http://schemas.microsoft.com/office/drawing/2014/main" id="{163954E1-EA0E-4A8D-9BC7-0ECA670DDE28}"/>
+              </a:ext>
+            </a:extLst>
+          </p:cNvPr>
+          <p:cNvSpPr/>
+          <p:nvPr/>
+        </p:nvSpPr>
+        <p:spPr>
+          <a:xfrm>
+            <a:off x="1407495" y="4348367"/>
+            <a:ext cx="1079428" cy="313590"/>
+          </a:xfrm>
+          <a:prstGeom prst="rect">
+            <a:avLst/>
+          </a:prstGeom>
+          <a:noFill/>
+          <a:ln w="28575">
+            <a:solidFill>
+              <a:schemeClr val="tx1"/>
+            </a:solidFill>
+          </a:ln>
+        </p:spPr>
+        <p:style>
+          <a:lnRef idx="2">
+            <a:schemeClr val="accent1">
+              <a:shade val="50000"/>
+            </a:schemeClr>
+          </a:lnRef>
+          <a:fillRef idx="1">
+            <a:schemeClr val="accent1"/>
+          </a:fillRef>
+          <a:effectRef idx="0">
+            <a:schemeClr val="accent1"/>
+          </a:effectRef>
+          <a:fontRef idx="minor">
+            <a:schemeClr val="lt1"/>
+          </a:fontRef>
+        </p:style>
+        <p:txBody>
+          <a:bodyPr rtlCol="0" anchor="ctr"/>
+          <a:lstStyle/>
+          <a:p>
+            <a:pPr algn="ctr"/>
+            <a:endParaRPr lang="fr-FR"/>
+          </a:p>
+        </p:txBody>
+      </p:sp>
+      <p:sp>
+        <p:nvSpPr>
+          <p:cNvPr id="52" name="Rectangle 51">
+            <a:extLst>
+              <a:ext uri="{FF2B5EF4-FFF2-40B4-BE49-F238E27FC236}">
+                <a16:creationId xmlns:a16="http://schemas.microsoft.com/office/drawing/2014/main" id="{B04AB1A0-48C8-4AC2-9DE9-640F7D478AB6}"/>
+              </a:ext>
+            </a:extLst>
+          </p:cNvPr>
+          <p:cNvSpPr/>
+          <p:nvPr/>
+        </p:nvSpPr>
+        <p:spPr>
+          <a:xfrm>
+            <a:off x="1407495" y="3438191"/>
+            <a:ext cx="1079428" cy="313590"/>
+          </a:xfrm>
+          <a:prstGeom prst="rect">
+            <a:avLst/>
+          </a:prstGeom>
+          <a:noFill/>
+          <a:ln w="28575">
+            <a:solidFill>
+              <a:schemeClr val="tx1"/>
+            </a:solidFill>
+          </a:ln>
+        </p:spPr>
+        <p:style>
+          <a:lnRef idx="2">
+            <a:schemeClr val="accent1">
+              <a:shade val="50000"/>
+            </a:schemeClr>
+          </a:lnRef>
+          <a:fillRef idx="1">
+            <a:schemeClr val="accent1"/>
+          </a:fillRef>
+          <a:effectRef idx="0">
+            <a:schemeClr val="accent1"/>
+          </a:effectRef>
+          <a:fontRef idx="minor">
+            <a:schemeClr val="lt1"/>
+          </a:fontRef>
+        </p:style>
+        <p:txBody>
+          <a:bodyPr rtlCol="0" anchor="ctr"/>
+          <a:lstStyle/>
+          <a:p>
+            <a:pPr algn="ctr"/>
+            <a:endParaRPr lang="fr-FR"/>
+          </a:p>
+        </p:txBody>
+      </p:sp>
+      <p:sp>
+        <p:nvSpPr>
+          <p:cNvPr id="53" name="Rectangle 52">
+            <a:extLst>
+              <a:ext uri="{FF2B5EF4-FFF2-40B4-BE49-F238E27FC236}">
+                <a16:creationId xmlns:a16="http://schemas.microsoft.com/office/drawing/2014/main" id="{847D2E7F-F4D7-4CBC-8816-5EB5395F43B3}"/>
+              </a:ext>
+            </a:extLst>
+          </p:cNvPr>
+          <p:cNvSpPr/>
+          <p:nvPr/>
+        </p:nvSpPr>
+        <p:spPr>
+          <a:xfrm>
+            <a:off x="1502231" y="2188169"/>
+            <a:ext cx="487681" cy="648615"/>
+          </a:xfrm>
+          <a:prstGeom prst="rect">
+            <a:avLst/>
+          </a:prstGeom>
+          <a:noFill/>
+          <a:ln w="28575">
+            <a:solidFill>
+              <a:schemeClr val="tx1"/>
+            </a:solidFill>
+          </a:ln>
+        </p:spPr>
+        <p:style>
+          <a:lnRef idx="2">
+            <a:schemeClr val="accent1">
+              <a:shade val="50000"/>
+            </a:schemeClr>
+          </a:lnRef>
+          <a:fillRef idx="1">
+            <a:schemeClr val="accent1"/>
+          </a:fillRef>
+          <a:effectRef idx="0">
+            <a:schemeClr val="accent1"/>
+          </a:effectRef>
+          <a:fontRef idx="minor">
+            <a:schemeClr val="lt1"/>
+          </a:fontRef>
+        </p:style>
+        <p:txBody>
+          <a:bodyPr rtlCol="0" anchor="ctr"/>
+          <a:lstStyle/>
+          <a:p>
+            <a:pPr algn="ctr"/>
+            <a:endParaRPr lang="fr-FR"/>
+          </a:p>
+        </p:txBody>
+      </p:sp>
+      <p:grpSp>
+        <p:nvGrpSpPr>
+          <p:cNvPr id="55" name="Groupe 54">
+            <a:extLst>
+              <a:ext uri="{FF2B5EF4-FFF2-40B4-BE49-F238E27FC236}">
+                <a16:creationId xmlns:a16="http://schemas.microsoft.com/office/drawing/2014/main" id="{28529F58-83C1-4926-BED7-C5B7F3F8ABC2}"/>
+              </a:ext>
+            </a:extLst>
+          </p:cNvPr>
+          <p:cNvGrpSpPr/>
+          <p:nvPr/>
+        </p:nvGrpSpPr>
+        <p:grpSpPr>
+          <a:xfrm>
+            <a:off x="1574499" y="5594344"/>
+            <a:ext cx="1324487" cy="395262"/>
+            <a:chOff x="9801012" y="1578279"/>
+            <a:chExt cx="1815246" cy="3081403"/>
+          </a:xfrm>
+        </p:grpSpPr>
+        <p:sp>
+          <p:nvSpPr>
+            <p:cNvPr id="56" name="Rectangle 55">
+              <a:extLst>
+                <a:ext uri="{FF2B5EF4-FFF2-40B4-BE49-F238E27FC236}">
+                  <a16:creationId xmlns:a16="http://schemas.microsoft.com/office/drawing/2014/main" id="{8F7B5F93-D9BF-48C8-9BB3-B2D85D23C683}"/>
+                </a:ext>
+              </a:extLst>
+            </p:cNvPr>
+            <p:cNvSpPr/>
+            <p:nvPr/>
+          </p:nvSpPr>
+          <p:spPr>
+            <a:xfrm>
+              <a:off x="9801013" y="1578279"/>
+              <a:ext cx="1815245" cy="3081403"/>
+            </a:xfrm>
+            <a:prstGeom prst="rect">
+              <a:avLst/>
+            </a:prstGeom>
+            <a:solidFill>
+              <a:schemeClr val="accent1">
+                <a:alpha val="30000"/>
+              </a:schemeClr>
+            </a:solidFill>
+          </p:spPr>
+          <p:style>
+            <a:lnRef idx="2">
+              <a:schemeClr val="accent1">
+                <a:shade val="50000"/>
+              </a:schemeClr>
+            </a:lnRef>
+            <a:fillRef idx="1">
+              <a:schemeClr val="accent1"/>
+            </a:fillRef>
+            <a:effectRef idx="0">
+              <a:schemeClr val="accent1"/>
+            </a:effectRef>
+            <a:fontRef idx="minor">
+              <a:schemeClr val="lt1"/>
+            </a:fontRef>
+          </p:style>
+          <p:txBody>
+            <a:bodyPr rtlCol="0" anchor="ctr"/>
+            <a:lstStyle/>
+            <a:p>
+              <a:pPr algn="ctr"/>
+              <a:endParaRPr lang="fr-FR"/>
+            </a:p>
+          </p:txBody>
+        </p:sp>
+        <p:sp>
+          <p:nvSpPr>
+            <p:cNvPr id="57" name="ZoneTexte 56">
+              <a:extLst>
+                <a:ext uri="{FF2B5EF4-FFF2-40B4-BE49-F238E27FC236}">
+                  <a16:creationId xmlns:a16="http://schemas.microsoft.com/office/drawing/2014/main" id="{254D34AA-1E47-4FA0-B5DD-C27D03FD76DE}"/>
+                </a:ext>
+              </a:extLst>
+            </p:cNvPr>
+            <p:cNvSpPr txBox="1"/>
+            <p:nvPr/>
+          </p:nvSpPr>
+          <p:spPr>
+            <a:xfrm>
+              <a:off x="9801012" y="1578279"/>
+              <a:ext cx="1815245" cy="2879257"/>
+            </a:xfrm>
+            <a:prstGeom prst="rect">
+              <a:avLst/>
+            </a:prstGeom>
+            <a:noFill/>
+          </p:spPr>
+          <p:txBody>
+            <a:bodyPr wrap="square" rtlCol="0">
+              <a:spAutoFit/>
+            </a:bodyPr>
+            <a:lstStyle/>
+            <a:p>
+              <a:r>
+                <a:rPr lang="fr-FR" b="1" i="1" dirty="0" err="1">
+                  <a:solidFill>
+                    <a:schemeClr val="accent1">
+                      <a:lumMod val="75000"/>
+                    </a:schemeClr>
+                  </a:solidFill>
+                  <a:latin typeface="Raleway" panose="020B0503030101060003" pitchFamily="34" charset="0"/>
+                </a:rPr>
+                <a:t>Sector</a:t>
+              </a:r>
+              <a:r>
+                <a:rPr lang="fr-FR" b="1" i="1" dirty="0">
+                  <a:solidFill>
+                    <a:schemeClr val="accent1">
+                      <a:lumMod val="75000"/>
+                    </a:schemeClr>
+                  </a:solidFill>
+                  <a:latin typeface="Raleway" panose="020B0503030101060003" pitchFamily="34" charset="0"/>
+                </a:rPr>
+                <a:t> 1</a:t>
+              </a:r>
+            </a:p>
+          </p:txBody>
+        </p:sp>
+      </p:grpSp>
+      <p:grpSp>
+        <p:nvGrpSpPr>
+          <p:cNvPr id="59" name="Groupe 58">
+            <a:extLst>
+              <a:ext uri="{FF2B5EF4-FFF2-40B4-BE49-F238E27FC236}">
+                <a16:creationId xmlns:a16="http://schemas.microsoft.com/office/drawing/2014/main" id="{A603A594-2C35-47FB-B899-6E004CAFDABF}"/>
+              </a:ext>
+            </a:extLst>
+          </p:cNvPr>
+          <p:cNvGrpSpPr/>
+          <p:nvPr/>
+        </p:nvGrpSpPr>
+        <p:grpSpPr>
+          <a:xfrm>
+            <a:off x="3015976" y="5596241"/>
+            <a:ext cx="1324486" cy="395262"/>
+            <a:chOff x="7430356" y="1574806"/>
+            <a:chExt cx="2092951" cy="850048"/>
+          </a:xfrm>
+        </p:grpSpPr>
+        <p:sp>
+          <p:nvSpPr>
+            <p:cNvPr id="60" name="Rectangle 59">
+              <a:extLst>
+                <a:ext uri="{FF2B5EF4-FFF2-40B4-BE49-F238E27FC236}">
+                  <a16:creationId xmlns:a16="http://schemas.microsoft.com/office/drawing/2014/main" id="{C102813C-CF40-4BD8-882A-18F1D2DB768E}"/>
+                </a:ext>
+              </a:extLst>
+            </p:cNvPr>
+            <p:cNvSpPr/>
+            <p:nvPr/>
+          </p:nvSpPr>
+          <p:spPr>
+            <a:xfrm>
+              <a:off x="7430356" y="1578280"/>
+              <a:ext cx="2092951" cy="846574"/>
+            </a:xfrm>
+            <a:prstGeom prst="rect">
+              <a:avLst/>
+            </a:prstGeom>
+            <a:solidFill>
+              <a:schemeClr val="accent6">
+                <a:alpha val="30000"/>
+              </a:schemeClr>
+            </a:solidFill>
+          </p:spPr>
+          <p:style>
+            <a:lnRef idx="2">
+              <a:schemeClr val="accent6">
+                <a:shade val="50000"/>
+              </a:schemeClr>
+            </a:lnRef>
+            <a:fillRef idx="1">
+              <a:schemeClr val="accent6"/>
+            </a:fillRef>
+            <a:effectRef idx="0">
+              <a:schemeClr val="accent6"/>
+            </a:effectRef>
+            <a:fontRef idx="minor">
+              <a:schemeClr val="lt1"/>
+            </a:fontRef>
+          </p:style>
+          <p:txBody>
+            <a:bodyPr rtlCol="0" anchor="ctr"/>
+            <a:lstStyle/>
+            <a:p>
+              <a:pPr algn="ctr"/>
+              <a:endParaRPr lang="fr-FR"/>
+            </a:p>
+          </p:txBody>
+        </p:sp>
+        <p:sp>
+          <p:nvSpPr>
+            <p:cNvPr id="61" name="ZoneTexte 60">
+              <a:extLst>
+                <a:ext uri="{FF2B5EF4-FFF2-40B4-BE49-F238E27FC236}">
+                  <a16:creationId xmlns:a16="http://schemas.microsoft.com/office/drawing/2014/main" id="{E3163B3E-F919-470E-8F78-CB1991EC8447}"/>
+                </a:ext>
+              </a:extLst>
+            </p:cNvPr>
+            <p:cNvSpPr txBox="1"/>
+            <p:nvPr/>
+          </p:nvSpPr>
+          <p:spPr>
+            <a:xfrm>
+              <a:off x="7499904" y="1574806"/>
+              <a:ext cx="1990821" cy="794283"/>
+            </a:xfrm>
+            <a:prstGeom prst="rect">
+              <a:avLst/>
+            </a:prstGeom>
+            <a:noFill/>
+          </p:spPr>
+          <p:txBody>
+            <a:bodyPr wrap="square" rtlCol="0">
+              <a:spAutoFit/>
+            </a:bodyPr>
+            <a:lstStyle/>
+            <a:p>
+              <a:r>
+                <a:rPr lang="fr-FR" b="1" i="1" dirty="0" err="1">
+                  <a:solidFill>
+                    <a:schemeClr val="accent6">
+                      <a:lumMod val="75000"/>
+                    </a:schemeClr>
+                  </a:solidFill>
+                  <a:latin typeface="Raleway" panose="020B0503030101060003" pitchFamily="34" charset="0"/>
+                </a:rPr>
+                <a:t>Sector</a:t>
+              </a:r>
+              <a:r>
+                <a:rPr lang="fr-FR" b="1" i="1" dirty="0">
+                  <a:solidFill>
+                    <a:schemeClr val="accent6">
+                      <a:lumMod val="75000"/>
+                    </a:schemeClr>
+                  </a:solidFill>
+                  <a:latin typeface="Raleway" panose="020B0503030101060003" pitchFamily="34" charset="0"/>
+                </a:rPr>
+                <a:t> 2</a:t>
+              </a:r>
+            </a:p>
+          </p:txBody>
+        </p:sp>
+      </p:grpSp>
+      <p:grpSp>
+        <p:nvGrpSpPr>
+          <p:cNvPr id="65" name="Groupe 64">
+            <a:extLst>
+              <a:ext uri="{FF2B5EF4-FFF2-40B4-BE49-F238E27FC236}">
+                <a16:creationId xmlns:a16="http://schemas.microsoft.com/office/drawing/2014/main" id="{A5B5AF29-4999-4E82-9451-A2D181E3CC20}"/>
+              </a:ext>
+            </a:extLst>
+          </p:cNvPr>
+          <p:cNvGrpSpPr/>
+          <p:nvPr/>
+        </p:nvGrpSpPr>
+        <p:grpSpPr>
+          <a:xfrm>
+            <a:off x="4465108" y="5601461"/>
+            <a:ext cx="1211332" cy="369332"/>
+            <a:chOff x="5337405" y="1574804"/>
+            <a:chExt cx="2092951" cy="866752"/>
+          </a:xfrm>
+        </p:grpSpPr>
+        <p:sp>
+          <p:nvSpPr>
+            <p:cNvPr id="66" name="Rectangle 65">
+              <a:extLst>
+                <a:ext uri="{FF2B5EF4-FFF2-40B4-BE49-F238E27FC236}">
+                  <a16:creationId xmlns:a16="http://schemas.microsoft.com/office/drawing/2014/main" id="{D4965A46-4A71-4564-ABA0-3191719BC424}"/>
+                </a:ext>
+              </a:extLst>
+            </p:cNvPr>
+            <p:cNvSpPr/>
+            <p:nvPr/>
+          </p:nvSpPr>
+          <p:spPr>
+            <a:xfrm>
+              <a:off x="5337405" y="1578280"/>
+              <a:ext cx="2092951" cy="846574"/>
+            </a:xfrm>
+            <a:prstGeom prst="rect">
+              <a:avLst/>
+            </a:prstGeom>
+            <a:solidFill>
+              <a:schemeClr val="accent2">
+                <a:alpha val="30000"/>
+              </a:schemeClr>
+            </a:solidFill>
+          </p:spPr>
+          <p:style>
+            <a:lnRef idx="2">
+              <a:schemeClr val="accent2">
+                <a:shade val="50000"/>
+              </a:schemeClr>
+            </a:lnRef>
+            <a:fillRef idx="1">
+              <a:schemeClr val="accent2"/>
+            </a:fillRef>
+            <a:effectRef idx="0">
+              <a:schemeClr val="accent2"/>
+            </a:effectRef>
+            <a:fontRef idx="minor">
+              <a:schemeClr val="lt1"/>
+            </a:fontRef>
+          </p:style>
+          <p:txBody>
+            <a:bodyPr rtlCol="0" anchor="ctr"/>
+            <a:lstStyle/>
+            <a:p>
+              <a:pPr algn="ctr"/>
+              <a:endParaRPr lang="fr-FR"/>
+            </a:p>
+          </p:txBody>
+        </p:sp>
+        <p:sp>
+          <p:nvSpPr>
+            <p:cNvPr id="67" name="ZoneTexte 66">
+              <a:extLst>
+                <a:ext uri="{FF2B5EF4-FFF2-40B4-BE49-F238E27FC236}">
+                  <a16:creationId xmlns:a16="http://schemas.microsoft.com/office/drawing/2014/main" id="{FA67A012-DDEE-4A5F-9328-5FD1B3C101DC}"/>
+                </a:ext>
+              </a:extLst>
+            </p:cNvPr>
+            <p:cNvSpPr txBox="1"/>
+            <p:nvPr/>
+          </p:nvSpPr>
+          <p:spPr>
+            <a:xfrm>
+              <a:off x="5337405" y="1574804"/>
+              <a:ext cx="2092951" cy="866752"/>
+            </a:xfrm>
+            <a:prstGeom prst="rect">
+              <a:avLst/>
+            </a:prstGeom>
+            <a:noFill/>
+          </p:spPr>
+          <p:txBody>
+            <a:bodyPr wrap="square" rtlCol="0">
+              <a:spAutoFit/>
+            </a:bodyPr>
+            <a:lstStyle/>
+            <a:p>
+              <a:r>
+                <a:rPr lang="fr-FR" b="1" i="1" dirty="0" err="1">
+                  <a:solidFill>
+                    <a:srgbClr val="FF0000"/>
+                  </a:solidFill>
+                  <a:latin typeface="Raleway" panose="020B0503030101060003" pitchFamily="34" charset="0"/>
+                </a:rPr>
+                <a:t>Sector</a:t>
+              </a:r>
+              <a:r>
+                <a:rPr lang="fr-FR" b="1" i="1" dirty="0">
+                  <a:solidFill>
+                    <a:srgbClr val="FF0000"/>
+                  </a:solidFill>
+                  <a:latin typeface="Raleway" panose="020B0503030101060003" pitchFamily="34" charset="0"/>
+                </a:rPr>
+                <a:t> 3</a:t>
+              </a:r>
+            </a:p>
+          </p:txBody>
+        </p:sp>
+      </p:grpSp>
+      <p:sp>
+        <p:nvSpPr>
+          <p:cNvPr id="69" name="Rectangle 68">
+            <a:extLst>
+              <a:ext uri="{FF2B5EF4-FFF2-40B4-BE49-F238E27FC236}">
+                <a16:creationId xmlns:a16="http://schemas.microsoft.com/office/drawing/2014/main" id="{B7480C09-90EA-4E32-AE5C-E011A39EA61D}"/>
+              </a:ext>
+            </a:extLst>
+          </p:cNvPr>
+          <p:cNvSpPr/>
+          <p:nvPr/>
+        </p:nvSpPr>
+        <p:spPr>
+          <a:xfrm>
+            <a:off x="9979141" y="462237"/>
+            <a:ext cx="2092951" cy="757991"/>
+          </a:xfrm>
+          <a:prstGeom prst="rect">
+            <a:avLst/>
+          </a:prstGeom>
+          <a:noFill/>
+          <a:ln w="28575">
+            <a:solidFill>
+              <a:schemeClr val="tx1"/>
+            </a:solidFill>
+            <a:prstDash val="dash"/>
+          </a:ln>
+        </p:spPr>
+        <p:style>
+          <a:lnRef idx="2">
+            <a:schemeClr val="accent1">
+              <a:shade val="50000"/>
+            </a:schemeClr>
+          </a:lnRef>
+          <a:fillRef idx="1">
+            <a:schemeClr val="accent1"/>
+          </a:fillRef>
+          <a:effectRef idx="0">
+            <a:schemeClr val="accent1"/>
+          </a:effectRef>
+          <a:fontRef idx="minor">
+            <a:schemeClr val="lt1"/>
+          </a:fontRef>
+        </p:style>
+        <p:txBody>
+          <a:bodyPr rtlCol="0" anchor="ctr"/>
+          <a:lstStyle/>
+          <a:p>
+            <a:pPr algn="ctr"/>
+            <a:endParaRPr lang="fr-FR"/>
+          </a:p>
+        </p:txBody>
+      </p:sp>
+      <p:grpSp>
+        <p:nvGrpSpPr>
+          <p:cNvPr id="81" name="Groupe 80">
+            <a:extLst>
+              <a:ext uri="{FF2B5EF4-FFF2-40B4-BE49-F238E27FC236}">
+                <a16:creationId xmlns:a16="http://schemas.microsoft.com/office/drawing/2014/main" id="{F8350B4A-0141-491A-B3B9-A3534523397C}"/>
+              </a:ext>
+            </a:extLst>
+          </p:cNvPr>
+          <p:cNvGrpSpPr/>
+          <p:nvPr/>
+        </p:nvGrpSpPr>
+        <p:grpSpPr>
+          <a:xfrm>
+            <a:off x="7011587" y="5594344"/>
+            <a:ext cx="1218045" cy="376450"/>
+            <a:chOff x="6023357" y="5594344"/>
+            <a:chExt cx="1218045" cy="376450"/>
+          </a:xfrm>
+        </p:grpSpPr>
+        <p:sp>
+          <p:nvSpPr>
+            <p:cNvPr id="82" name="Rectangle 81">
+              <a:extLst>
+                <a:ext uri="{FF2B5EF4-FFF2-40B4-BE49-F238E27FC236}">
+                  <a16:creationId xmlns:a16="http://schemas.microsoft.com/office/drawing/2014/main" id="{E9706C51-E520-4A34-B41B-54A903F8DE9D}"/>
+                </a:ext>
+              </a:extLst>
+            </p:cNvPr>
+            <p:cNvSpPr/>
+            <p:nvPr/>
+          </p:nvSpPr>
+          <p:spPr>
+            <a:xfrm>
+              <a:off x="6043975" y="5594344"/>
+              <a:ext cx="1147239" cy="376449"/>
+            </a:xfrm>
+            <a:prstGeom prst="rect">
+              <a:avLst/>
+            </a:prstGeom>
+            <a:solidFill>
+              <a:schemeClr val="accent4">
+                <a:alpha val="30000"/>
+              </a:schemeClr>
+            </a:solidFill>
+          </p:spPr>
+          <p:style>
+            <a:lnRef idx="2">
+              <a:schemeClr val="accent4">
+                <a:shade val="50000"/>
+              </a:schemeClr>
+            </a:lnRef>
+            <a:fillRef idx="1">
+              <a:schemeClr val="accent4"/>
+            </a:fillRef>
+            <a:effectRef idx="0">
+              <a:schemeClr val="accent4"/>
+            </a:effectRef>
+            <a:fontRef idx="minor">
+              <a:schemeClr val="lt1"/>
+            </a:fontRef>
+          </p:style>
+          <p:txBody>
+            <a:bodyPr rtlCol="0" anchor="ctr"/>
+            <a:lstStyle/>
+            <a:p>
+              <a:pPr algn="ctr"/>
+              <a:endParaRPr lang="fr-FR"/>
+            </a:p>
+          </p:txBody>
+        </p:sp>
+        <p:sp>
+          <p:nvSpPr>
+            <p:cNvPr id="83" name="ZoneTexte 82">
+              <a:extLst>
+                <a:ext uri="{FF2B5EF4-FFF2-40B4-BE49-F238E27FC236}">
+                  <a16:creationId xmlns:a16="http://schemas.microsoft.com/office/drawing/2014/main" id="{E8D104AE-CB20-4119-AD50-E876C3BA01C4}"/>
+                </a:ext>
+              </a:extLst>
+            </p:cNvPr>
+            <p:cNvSpPr txBox="1"/>
+            <p:nvPr/>
+          </p:nvSpPr>
+          <p:spPr>
+            <a:xfrm>
+              <a:off x="6023357" y="5601462"/>
+              <a:ext cx="1218045" cy="369332"/>
+            </a:xfrm>
+            <a:prstGeom prst="rect">
+              <a:avLst/>
+            </a:prstGeom>
+            <a:noFill/>
+          </p:spPr>
+          <p:txBody>
+            <a:bodyPr wrap="square" rtlCol="0">
+              <a:spAutoFit/>
+            </a:bodyPr>
+            <a:lstStyle/>
+            <a:p>
+              <a:r>
+                <a:rPr lang="fr-FR" b="1" i="1" dirty="0" err="1">
+                  <a:solidFill>
+                    <a:schemeClr val="accent2">
+                      <a:lumMod val="75000"/>
+                    </a:schemeClr>
+                  </a:solidFill>
+                  <a:latin typeface="Raleway" panose="020B0503030101060003" pitchFamily="34" charset="0"/>
+                </a:rPr>
+                <a:t>Sector</a:t>
+              </a:r>
+              <a:r>
+                <a:rPr lang="fr-FR" b="1" i="1" dirty="0">
+                  <a:solidFill>
+                    <a:schemeClr val="accent2">
+                      <a:lumMod val="75000"/>
+                    </a:schemeClr>
+                  </a:solidFill>
+                  <a:latin typeface="Raleway" panose="020B0503030101060003" pitchFamily="34" charset="0"/>
+                </a:rPr>
+                <a:t> 5</a:t>
+              </a:r>
+            </a:p>
+          </p:txBody>
+        </p:sp>
+      </p:grpSp>
+      <p:grpSp>
+        <p:nvGrpSpPr>
+          <p:cNvPr id="84" name="Groupe 83">
+            <a:extLst>
+              <a:ext uri="{FF2B5EF4-FFF2-40B4-BE49-F238E27FC236}">
+                <a16:creationId xmlns:a16="http://schemas.microsoft.com/office/drawing/2014/main" id="{9F14CE9C-1789-4E1E-A409-8937693C0423}"/>
+              </a:ext>
+            </a:extLst>
+          </p:cNvPr>
+          <p:cNvGrpSpPr/>
+          <p:nvPr/>
+        </p:nvGrpSpPr>
+        <p:grpSpPr>
+          <a:xfrm>
+            <a:off x="8369599" y="5594344"/>
+            <a:ext cx="1218045" cy="376450"/>
+            <a:chOff x="6023357" y="5594344"/>
+            <a:chExt cx="1218045" cy="376450"/>
+          </a:xfrm>
+        </p:grpSpPr>
+        <p:sp>
+          <p:nvSpPr>
+            <p:cNvPr id="85" name="Rectangle 84">
+              <a:extLst>
+                <a:ext uri="{FF2B5EF4-FFF2-40B4-BE49-F238E27FC236}">
+                  <a16:creationId xmlns:a16="http://schemas.microsoft.com/office/drawing/2014/main" id="{951D81C1-FAF3-4B19-8ED8-41E8F40908F6}"/>
+                </a:ext>
+              </a:extLst>
+            </p:cNvPr>
+            <p:cNvSpPr/>
+            <p:nvPr/>
+          </p:nvSpPr>
+          <p:spPr>
+            <a:xfrm>
+              <a:off x="6043975" y="5594344"/>
+              <a:ext cx="1147239" cy="376449"/>
+            </a:xfrm>
+            <a:prstGeom prst="rect">
+              <a:avLst/>
+            </a:prstGeom>
+            <a:solidFill>
+              <a:schemeClr val="accent4">
+                <a:alpha val="30000"/>
+              </a:schemeClr>
+            </a:solidFill>
+          </p:spPr>
+          <p:style>
+            <a:lnRef idx="2">
+              <a:schemeClr val="accent4">
+                <a:shade val="50000"/>
+              </a:schemeClr>
+            </a:lnRef>
+            <a:fillRef idx="1">
+              <a:schemeClr val="accent4"/>
+            </a:fillRef>
+            <a:effectRef idx="0">
+              <a:schemeClr val="accent4"/>
+            </a:effectRef>
+            <a:fontRef idx="minor">
+              <a:schemeClr val="lt1"/>
+            </a:fontRef>
+          </p:style>
+          <p:txBody>
+            <a:bodyPr rtlCol="0" anchor="ctr"/>
+            <a:lstStyle/>
+            <a:p>
+              <a:pPr algn="ctr"/>
+              <a:endParaRPr lang="fr-FR"/>
+            </a:p>
+          </p:txBody>
+        </p:sp>
+        <p:sp>
+          <p:nvSpPr>
+            <p:cNvPr id="86" name="ZoneTexte 85">
+              <a:extLst>
+                <a:ext uri="{FF2B5EF4-FFF2-40B4-BE49-F238E27FC236}">
+                  <a16:creationId xmlns:a16="http://schemas.microsoft.com/office/drawing/2014/main" id="{B81896FB-8215-45F6-AA19-EA6CB5E2C2FF}"/>
+                </a:ext>
+              </a:extLst>
+            </p:cNvPr>
+            <p:cNvSpPr txBox="1"/>
+            <p:nvPr/>
+          </p:nvSpPr>
+          <p:spPr>
+            <a:xfrm>
+              <a:off x="6023357" y="5601462"/>
+              <a:ext cx="1218045" cy="369332"/>
+            </a:xfrm>
+            <a:prstGeom prst="rect">
+              <a:avLst/>
+            </a:prstGeom>
+            <a:noFill/>
+          </p:spPr>
+          <p:txBody>
+            <a:bodyPr wrap="square" rtlCol="0">
+              <a:spAutoFit/>
+            </a:bodyPr>
+            <a:lstStyle/>
+            <a:p>
+              <a:r>
+                <a:rPr lang="fr-FR" b="1" i="1" dirty="0" err="1">
+                  <a:solidFill>
+                    <a:schemeClr val="accent2">
+                      <a:lumMod val="75000"/>
+                    </a:schemeClr>
+                  </a:solidFill>
+                  <a:latin typeface="Raleway" panose="020B0503030101060003" pitchFamily="34" charset="0"/>
+                </a:rPr>
+                <a:t>Sector</a:t>
+              </a:r>
+              <a:r>
+                <a:rPr lang="fr-FR" b="1" i="1" dirty="0">
+                  <a:solidFill>
+                    <a:schemeClr val="accent2">
+                      <a:lumMod val="75000"/>
+                    </a:schemeClr>
+                  </a:solidFill>
+                  <a:latin typeface="Raleway" panose="020B0503030101060003" pitchFamily="34" charset="0"/>
+                </a:rPr>
+                <a:t> 6</a:t>
+              </a:r>
+            </a:p>
+          </p:txBody>
+        </p:sp>
+      </p:grpSp>
+      <p:cxnSp>
+        <p:nvCxnSpPr>
+          <p:cNvPr id="5" name="Connecteur droit avec flèche 4">
+            <a:extLst>
+              <a:ext uri="{FF2B5EF4-FFF2-40B4-BE49-F238E27FC236}">
+                <a16:creationId xmlns:a16="http://schemas.microsoft.com/office/drawing/2014/main" id="{EB18CBD8-08C4-4E7B-8299-AF4CEAF4E728}"/>
+              </a:ext>
+            </a:extLst>
+          </p:cNvPr>
+          <p:cNvCxnSpPr>
+            <a:cxnSpLocks/>
+          </p:cNvCxnSpPr>
+          <p:nvPr/>
+        </p:nvCxnSpPr>
+        <p:spPr>
+          <a:xfrm>
+            <a:off x="11751113" y="1529516"/>
+            <a:ext cx="0" cy="1250604"/>
+          </a:xfrm>
+          <a:prstGeom prst="straightConnector1">
+            <a:avLst/>
+          </a:prstGeom>
+          <a:ln w="12700">
+            <a:headEnd type="stealth"/>
+            <a:tailEnd type="stealth"/>
+          </a:ln>
+        </p:spPr>
+        <p:style>
+          <a:lnRef idx="1">
+            <a:schemeClr val="accent1"/>
+          </a:lnRef>
+          <a:fillRef idx="0">
+            <a:schemeClr val="accent1"/>
+          </a:fillRef>
+          <a:effectRef idx="0">
+            <a:schemeClr val="accent1"/>
+          </a:effectRef>
+          <a:fontRef idx="minor">
+            <a:schemeClr val="tx1"/>
+          </a:fontRef>
+        </p:style>
+      </p:cxnSp>
+      <p:cxnSp>
+        <p:nvCxnSpPr>
+          <p:cNvPr id="87" name="Connecteur droit avec flèche 86">
+            <a:extLst>
+              <a:ext uri="{FF2B5EF4-FFF2-40B4-BE49-F238E27FC236}">
+                <a16:creationId xmlns:a16="http://schemas.microsoft.com/office/drawing/2014/main" id="{96751731-8DE7-48B7-8E16-8AF908E2F871}"/>
+              </a:ext>
+            </a:extLst>
+          </p:cNvPr>
+          <p:cNvCxnSpPr>
+            <a:cxnSpLocks/>
+          </p:cNvCxnSpPr>
+          <p:nvPr/>
+        </p:nvCxnSpPr>
+        <p:spPr>
+          <a:xfrm>
+            <a:off x="10898170" y="1470296"/>
+            <a:ext cx="718088" cy="0"/>
+          </a:xfrm>
+          <a:prstGeom prst="straightConnector1">
+            <a:avLst/>
+          </a:prstGeom>
+          <a:ln w="12700">
+            <a:headEnd type="stealth"/>
+            <a:tailEnd type="stealth"/>
+          </a:ln>
+        </p:spPr>
+        <p:style>
+          <a:lnRef idx="1">
+            <a:schemeClr val="accent1"/>
+          </a:lnRef>
+          <a:fillRef idx="0">
+            <a:schemeClr val="accent1"/>
+          </a:fillRef>
+          <a:effectRef idx="0">
+            <a:schemeClr val="accent1"/>
+          </a:effectRef>
+          <a:fontRef idx="minor">
+            <a:schemeClr val="tx1"/>
+          </a:fontRef>
+        </p:style>
+      </p:cxnSp>
+      <p:sp>
+        <p:nvSpPr>
+          <p:cNvPr id="88" name="ZoneTexte 87">
+            <a:extLst>
+              <a:ext uri="{FF2B5EF4-FFF2-40B4-BE49-F238E27FC236}">
+                <a16:creationId xmlns:a16="http://schemas.microsoft.com/office/drawing/2014/main" id="{2D705185-3C05-4544-9156-F0F6D3385E6D}"/>
+              </a:ext>
+            </a:extLst>
+          </p:cNvPr>
+          <p:cNvSpPr txBox="1"/>
+          <p:nvPr/>
+        </p:nvSpPr>
+        <p:spPr>
+          <a:xfrm>
+            <a:off x="11729094" y="1786849"/>
+            <a:ext cx="566202" cy="276999"/>
+          </a:xfrm>
+          <a:prstGeom prst="rect">
+            <a:avLst/>
+          </a:prstGeom>
+          <a:noFill/>
+        </p:spPr>
+        <p:txBody>
+          <a:bodyPr wrap="square" rtlCol="0">
+            <a:spAutoFit/>
+          </a:bodyPr>
+          <a:lstStyle/>
+          <a:p>
+            <a:r>
+              <a:rPr lang="fr-FR" sz="1200" dirty="0"/>
+              <a:t>3 m</a:t>
+            </a:r>
+          </a:p>
+        </p:txBody>
+      </p:sp>
+      <p:sp>
+        <p:nvSpPr>
+          <p:cNvPr id="89" name="Rectangle 88">
+            <a:extLst>
+              <a:ext uri="{FF2B5EF4-FFF2-40B4-BE49-F238E27FC236}">
+                <a16:creationId xmlns:a16="http://schemas.microsoft.com/office/drawing/2014/main" id="{D4372921-0784-467C-AC43-5024733FF732}"/>
+              </a:ext>
+            </a:extLst>
+          </p:cNvPr>
+          <p:cNvSpPr/>
+          <p:nvPr/>
+        </p:nvSpPr>
+        <p:spPr>
+          <a:xfrm>
+            <a:off x="7867539" y="121402"/>
+            <a:ext cx="540136" cy="442116"/>
+          </a:xfrm>
+          <a:prstGeom prst="rect">
+            <a:avLst/>
+          </a:prstGeom>
+          <a:noFill/>
+          <a:ln w="28575">
+            <a:solidFill>
+              <a:schemeClr val="tx1"/>
+            </a:solidFill>
+          </a:ln>
+        </p:spPr>
+        <p:style>
+          <a:lnRef idx="2">
+            <a:schemeClr val="accent1">
+              <a:shade val="50000"/>
+            </a:schemeClr>
+          </a:lnRef>
+          <a:fillRef idx="1">
+            <a:schemeClr val="accent1"/>
+          </a:fillRef>
+          <a:effectRef idx="0">
+            <a:schemeClr val="accent1"/>
+          </a:effectRef>
+          <a:fontRef idx="minor">
+            <a:schemeClr val="lt1"/>
+          </a:fontRef>
+        </p:style>
+        <p:txBody>
+          <a:bodyPr rtlCol="0" anchor="ctr"/>
+          <a:lstStyle/>
+          <a:p>
+            <a:pPr algn="ctr"/>
+            <a:endParaRPr lang="fr-FR"/>
+          </a:p>
+        </p:txBody>
+      </p:sp>
+      <p:sp>
+        <p:nvSpPr>
+          <p:cNvPr id="110" name="Rectangle 109">
+            <a:extLst>
+              <a:ext uri="{FF2B5EF4-FFF2-40B4-BE49-F238E27FC236}">
+                <a16:creationId xmlns:a16="http://schemas.microsoft.com/office/drawing/2014/main" id="{D63D5494-9827-4284-966C-4A9915FD2D49}"/>
+              </a:ext>
+            </a:extLst>
+          </p:cNvPr>
+          <p:cNvSpPr/>
+          <p:nvPr/>
+        </p:nvSpPr>
+        <p:spPr>
+          <a:xfrm>
+            <a:off x="7128058" y="363342"/>
+            <a:ext cx="352984" cy="400351"/>
+          </a:xfrm>
+          <a:prstGeom prst="rect">
+            <a:avLst/>
+          </a:prstGeom>
+          <a:noFill/>
+          <a:ln w="28575">
+            <a:solidFill>
+              <a:schemeClr val="tx1"/>
+            </a:solidFill>
+          </a:ln>
+        </p:spPr>
+        <p:style>
+          <a:lnRef idx="2">
+            <a:schemeClr val="accent1">
+              <a:shade val="50000"/>
+            </a:schemeClr>
+          </a:lnRef>
+          <a:fillRef idx="1">
+            <a:schemeClr val="accent1"/>
+          </a:fillRef>
+          <a:effectRef idx="0">
+            <a:schemeClr val="accent1"/>
+          </a:effectRef>
+          <a:fontRef idx="minor">
+            <a:schemeClr val="lt1"/>
+          </a:fontRef>
+        </p:style>
+        <p:txBody>
+          <a:bodyPr rtlCol="0" anchor="ctr"/>
+          <a:lstStyle/>
+          <a:p>
+            <a:pPr algn="ctr"/>
+            <a:endParaRPr lang="fr-FR"/>
+          </a:p>
+        </p:txBody>
+      </p:sp>
+      <p:sp>
+        <p:nvSpPr>
+          <p:cNvPr id="116" name="ZoneTexte 115">
+            <a:extLst>
+              <a:ext uri="{FF2B5EF4-FFF2-40B4-BE49-F238E27FC236}">
+                <a16:creationId xmlns:a16="http://schemas.microsoft.com/office/drawing/2014/main" id="{A380592D-B202-405C-9C47-E8D2508AB254}"/>
+              </a:ext>
+            </a:extLst>
+          </p:cNvPr>
+          <p:cNvSpPr txBox="1"/>
+          <p:nvPr/>
+        </p:nvSpPr>
+        <p:spPr>
+          <a:xfrm>
+            <a:off x="11007235" y="1196582"/>
+            <a:ext cx="566202" cy="276999"/>
+          </a:xfrm>
+          <a:prstGeom prst="rect">
+            <a:avLst/>
+          </a:prstGeom>
+          <a:noFill/>
+        </p:spPr>
+        <p:txBody>
+          <a:bodyPr wrap="square" rtlCol="0">
+            <a:spAutoFit/>
+          </a:bodyPr>
+          <a:lstStyle/>
+          <a:p>
+            <a:r>
+              <a:rPr lang="fr-FR" sz="1200" dirty="0"/>
+              <a:t>2 m</a:t>
+            </a:r>
+          </a:p>
+        </p:txBody>
+      </p:sp>
+      <p:sp>
+        <p:nvSpPr>
+          <p:cNvPr id="118" name="Rectangle 117">
+            <a:extLst>
+              <a:ext uri="{FF2B5EF4-FFF2-40B4-BE49-F238E27FC236}">
+                <a16:creationId xmlns:a16="http://schemas.microsoft.com/office/drawing/2014/main" id="{B532AA05-5117-426A-B582-65E4FA2A8FE2}"/>
+              </a:ext>
+            </a:extLst>
+          </p:cNvPr>
+          <p:cNvSpPr/>
+          <p:nvPr/>
+        </p:nvSpPr>
+        <p:spPr>
+          <a:xfrm>
+            <a:off x="10756935" y="1529516"/>
+            <a:ext cx="191149" cy="292088"/>
+          </a:xfrm>
+          <a:prstGeom prst="rect">
+            <a:avLst/>
+          </a:prstGeom>
+          <a:solidFill>
+            <a:srgbClr val="FF0000"/>
+          </a:solidFill>
+          <a:ln w="28575">
+            <a:solidFill>
+              <a:schemeClr val="tx1"/>
+            </a:solidFill>
+          </a:ln>
+        </p:spPr>
+        <p:style>
+          <a:lnRef idx="2">
+            <a:schemeClr val="accent1">
+              <a:shade val="50000"/>
+            </a:schemeClr>
+          </a:lnRef>
+          <a:fillRef idx="1">
+            <a:schemeClr val="accent1"/>
+          </a:fillRef>
+          <a:effectRef idx="0">
+            <a:schemeClr val="accent1"/>
+          </a:effectRef>
+          <a:fontRef idx="minor">
+            <a:schemeClr val="lt1"/>
+          </a:fontRef>
+        </p:style>
+        <p:txBody>
+          <a:bodyPr rtlCol="0" anchor="ctr"/>
+          <a:lstStyle/>
+          <a:p>
+            <a:pPr algn="ctr"/>
+            <a:endParaRPr lang="fr-FR"/>
+          </a:p>
+        </p:txBody>
+      </p:sp>
+      <p:sp>
+        <p:nvSpPr>
+          <p:cNvPr id="119" name="Rectangle 118">
+            <a:extLst>
+              <a:ext uri="{FF2B5EF4-FFF2-40B4-BE49-F238E27FC236}">
+                <a16:creationId xmlns:a16="http://schemas.microsoft.com/office/drawing/2014/main" id="{FF2CBAD1-C1B0-47DC-A476-090A641B1201}"/>
+              </a:ext>
+            </a:extLst>
+          </p:cNvPr>
+          <p:cNvSpPr/>
+          <p:nvPr/>
+        </p:nvSpPr>
+        <p:spPr>
+          <a:xfrm>
+            <a:off x="247861" y="5125128"/>
+            <a:ext cx="174173" cy="313210"/>
+          </a:xfrm>
+          <a:prstGeom prst="rect">
+            <a:avLst/>
+          </a:prstGeom>
+          <a:solidFill>
+            <a:srgbClr val="FF0000"/>
+          </a:solidFill>
+          <a:ln w="28575">
+            <a:solidFill>
+              <a:schemeClr val="tx1"/>
+            </a:solidFill>
+          </a:ln>
+        </p:spPr>
+        <p:style>
+          <a:lnRef idx="2">
+            <a:schemeClr val="accent1">
+              <a:shade val="50000"/>
+            </a:schemeClr>
+          </a:lnRef>
+          <a:fillRef idx="1">
+            <a:schemeClr val="accent1"/>
+          </a:fillRef>
+          <a:effectRef idx="0">
+            <a:schemeClr val="accent1"/>
+          </a:effectRef>
+          <a:fontRef idx="minor">
+            <a:schemeClr val="lt1"/>
+          </a:fontRef>
+        </p:style>
+        <p:txBody>
+          <a:bodyPr rtlCol="0" anchor="ctr"/>
+          <a:lstStyle/>
+          <a:p>
+            <a:pPr algn="ctr"/>
+            <a:endParaRPr lang="fr-FR"/>
+          </a:p>
+        </p:txBody>
+      </p:sp>
+      <p:sp>
+        <p:nvSpPr>
+          <p:cNvPr id="120" name="ZoneTexte 119">
+            <a:extLst>
+              <a:ext uri="{FF2B5EF4-FFF2-40B4-BE49-F238E27FC236}">
+                <a16:creationId xmlns:a16="http://schemas.microsoft.com/office/drawing/2014/main" id="{16F4B655-7C58-4C3D-BB77-35A5A3751D14}"/>
+              </a:ext>
+            </a:extLst>
+          </p:cNvPr>
+          <p:cNvSpPr txBox="1"/>
+          <p:nvPr/>
+        </p:nvSpPr>
+        <p:spPr>
+          <a:xfrm>
+            <a:off x="540402" y="5096969"/>
+            <a:ext cx="1324474" cy="276999"/>
+          </a:xfrm>
+          <a:prstGeom prst="rect">
+            <a:avLst/>
+          </a:prstGeom>
+          <a:noFill/>
+        </p:spPr>
+        <p:txBody>
+          <a:bodyPr wrap="square" rtlCol="0">
+            <a:spAutoFit/>
+          </a:bodyPr>
+          <a:lstStyle/>
+          <a:p>
+            <a:r>
+              <a:rPr lang="fr-FR" sz="1200" dirty="0"/>
+              <a:t>Machines</a:t>
+            </a:r>
+          </a:p>
+        </p:txBody>
+      </p:sp>
+      <p:cxnSp>
+        <p:nvCxnSpPr>
+          <p:cNvPr id="121" name="Connecteur droit avec flèche 120">
+            <a:extLst>
+              <a:ext uri="{FF2B5EF4-FFF2-40B4-BE49-F238E27FC236}">
+                <a16:creationId xmlns:a16="http://schemas.microsoft.com/office/drawing/2014/main" id="{A51EE5B6-D740-440E-BA19-2344E27E02F7}"/>
+              </a:ext>
+            </a:extLst>
+          </p:cNvPr>
+          <p:cNvCxnSpPr>
+            <a:cxnSpLocks/>
+          </p:cNvCxnSpPr>
+          <p:nvPr/>
+        </p:nvCxnSpPr>
+        <p:spPr>
+          <a:xfrm>
+            <a:off x="9787325" y="1470296"/>
+            <a:ext cx="1110845" cy="0"/>
+          </a:xfrm>
+          <a:prstGeom prst="straightConnector1">
+            <a:avLst/>
+          </a:prstGeom>
+          <a:ln w="12700">
+            <a:headEnd type="stealth"/>
+            <a:tailEnd type="stealth"/>
+          </a:ln>
+        </p:spPr>
+        <p:style>
+          <a:lnRef idx="1">
+            <a:schemeClr val="accent1"/>
+          </a:lnRef>
+          <a:fillRef idx="0">
+            <a:schemeClr val="accent1"/>
+          </a:fillRef>
+          <a:effectRef idx="0">
+            <a:schemeClr val="accent1"/>
+          </a:effectRef>
+          <a:fontRef idx="minor">
+            <a:schemeClr val="tx1"/>
+          </a:fontRef>
+        </p:style>
+      </p:cxnSp>
+      <p:sp>
+        <p:nvSpPr>
+          <p:cNvPr id="122" name="ZoneTexte 121">
+            <a:extLst>
+              <a:ext uri="{FF2B5EF4-FFF2-40B4-BE49-F238E27FC236}">
+                <a16:creationId xmlns:a16="http://schemas.microsoft.com/office/drawing/2014/main" id="{DD3DC1E6-4CD4-4878-9AD9-54AA60933E96}"/>
+              </a:ext>
+            </a:extLst>
+          </p:cNvPr>
+          <p:cNvSpPr txBox="1"/>
+          <p:nvPr/>
+        </p:nvSpPr>
+        <p:spPr>
+          <a:xfrm>
+            <a:off x="10106839" y="1206763"/>
+            <a:ext cx="566202" cy="276999"/>
+          </a:xfrm>
+          <a:prstGeom prst="rect">
+            <a:avLst/>
+          </a:prstGeom>
+          <a:noFill/>
+        </p:spPr>
+        <p:txBody>
+          <a:bodyPr wrap="square" rtlCol="0">
+            <a:spAutoFit/>
+          </a:bodyPr>
+          <a:lstStyle/>
+          <a:p>
+            <a:r>
+              <a:rPr lang="fr-FR" sz="1200" dirty="0"/>
+              <a:t>2,4 m</a:t>
+            </a:r>
+          </a:p>
+        </p:txBody>
+      </p:sp>
+      <p:sp>
+        <p:nvSpPr>
+          <p:cNvPr id="125" name="Rectangle 124">
+            <a:extLst>
+              <a:ext uri="{FF2B5EF4-FFF2-40B4-BE49-F238E27FC236}">
+                <a16:creationId xmlns:a16="http://schemas.microsoft.com/office/drawing/2014/main" id="{D37B2C73-F62E-42A5-B5B8-AFBE8E305AE0}"/>
+              </a:ext>
+            </a:extLst>
+          </p:cNvPr>
+          <p:cNvSpPr/>
+          <p:nvPr/>
+        </p:nvSpPr>
+        <p:spPr>
+          <a:xfrm>
+            <a:off x="10500579" y="1533500"/>
+            <a:ext cx="133273" cy="144743"/>
+          </a:xfrm>
+          <a:prstGeom prst="rect">
+            <a:avLst/>
+          </a:prstGeom>
+          <a:solidFill>
+            <a:srgbClr val="FF0000"/>
+          </a:solidFill>
+          <a:ln w="28575">
+            <a:solidFill>
+              <a:schemeClr val="tx1"/>
+            </a:solidFill>
+          </a:ln>
+        </p:spPr>
+        <p:style>
+          <a:lnRef idx="2">
+            <a:schemeClr val="accent1">
+              <a:shade val="50000"/>
+            </a:schemeClr>
+          </a:lnRef>
+          <a:fillRef idx="1">
+            <a:schemeClr val="accent1"/>
+          </a:fillRef>
+          <a:effectRef idx="0">
+            <a:schemeClr val="accent1"/>
+          </a:effectRef>
+          <a:fontRef idx="minor">
+            <a:schemeClr val="lt1"/>
+          </a:fontRef>
+        </p:style>
+        <p:txBody>
+          <a:bodyPr rtlCol="0" anchor="ctr"/>
+          <a:lstStyle/>
+          <a:p>
+            <a:pPr algn="ctr"/>
+            <a:endParaRPr lang="fr-FR"/>
+          </a:p>
+        </p:txBody>
+      </p:sp>
+      <p:cxnSp>
+        <p:nvCxnSpPr>
+          <p:cNvPr id="128" name="Connecteur droit avec flèche 127">
+            <a:extLst>
+              <a:ext uri="{FF2B5EF4-FFF2-40B4-BE49-F238E27FC236}">
+                <a16:creationId xmlns:a16="http://schemas.microsoft.com/office/drawing/2014/main" id="{CEF57C86-4736-4887-993C-3334050C0B8F}"/>
+              </a:ext>
+            </a:extLst>
+          </p:cNvPr>
+          <p:cNvCxnSpPr>
+            <a:cxnSpLocks/>
+          </p:cNvCxnSpPr>
+          <p:nvPr/>
+        </p:nvCxnSpPr>
+        <p:spPr>
+          <a:xfrm>
+            <a:off x="8260153" y="1460115"/>
+            <a:ext cx="1024088" cy="0"/>
+          </a:xfrm>
+          <a:prstGeom prst="straightConnector1">
+            <a:avLst/>
+          </a:prstGeom>
+          <a:ln w="12700">
+            <a:headEnd type="stealth"/>
+            <a:tailEnd type="stealth"/>
+          </a:ln>
+        </p:spPr>
+        <p:style>
+          <a:lnRef idx="1">
+            <a:schemeClr val="accent1"/>
+          </a:lnRef>
+          <a:fillRef idx="0">
+            <a:schemeClr val="accent1"/>
+          </a:fillRef>
+          <a:effectRef idx="0">
+            <a:schemeClr val="accent1"/>
+          </a:effectRef>
+          <a:fontRef idx="minor">
+            <a:schemeClr val="tx1"/>
+          </a:fontRef>
+        </p:style>
+      </p:cxnSp>
+      <p:sp>
+        <p:nvSpPr>
+          <p:cNvPr id="129" name="ZoneTexte 128">
+            <a:extLst>
+              <a:ext uri="{FF2B5EF4-FFF2-40B4-BE49-F238E27FC236}">
+                <a16:creationId xmlns:a16="http://schemas.microsoft.com/office/drawing/2014/main" id="{93C7E3AE-9F1A-44A3-96F1-29E21E3FE617}"/>
+              </a:ext>
+            </a:extLst>
+          </p:cNvPr>
+          <p:cNvSpPr txBox="1"/>
+          <p:nvPr/>
+        </p:nvSpPr>
+        <p:spPr>
+          <a:xfrm>
+            <a:off x="8525021" y="1190540"/>
+            <a:ext cx="566202" cy="276999"/>
+          </a:xfrm>
+          <a:prstGeom prst="rect">
+            <a:avLst/>
+          </a:prstGeom>
+          <a:noFill/>
+        </p:spPr>
+        <p:txBody>
+          <a:bodyPr wrap="square" rtlCol="0">
+            <a:spAutoFit/>
+          </a:bodyPr>
+          <a:lstStyle/>
+          <a:p>
+            <a:r>
+              <a:rPr lang="fr-FR" sz="1200" dirty="0"/>
+              <a:t>2,4 m</a:t>
+            </a:r>
+          </a:p>
+        </p:txBody>
+      </p:sp>
+      <p:cxnSp>
+        <p:nvCxnSpPr>
+          <p:cNvPr id="130" name="Connecteur droit avec flèche 129">
+            <a:extLst>
+              <a:ext uri="{FF2B5EF4-FFF2-40B4-BE49-F238E27FC236}">
+                <a16:creationId xmlns:a16="http://schemas.microsoft.com/office/drawing/2014/main" id="{8C90C4C2-8459-4E66-8357-ABA4D4FBF172}"/>
+              </a:ext>
+            </a:extLst>
+          </p:cNvPr>
+          <p:cNvCxnSpPr>
+            <a:cxnSpLocks/>
+          </p:cNvCxnSpPr>
+          <p:nvPr/>
+        </p:nvCxnSpPr>
+        <p:spPr>
+          <a:xfrm>
+            <a:off x="9674021" y="4768471"/>
+            <a:ext cx="221228" cy="0"/>
+          </a:xfrm>
+          <a:prstGeom prst="straightConnector1">
+            <a:avLst/>
+          </a:prstGeom>
+          <a:ln w="12700">
+            <a:headEnd type="stealth"/>
+            <a:tailEnd type="stealth"/>
+          </a:ln>
+        </p:spPr>
+        <p:style>
+          <a:lnRef idx="1">
+            <a:schemeClr val="accent1"/>
+          </a:lnRef>
+          <a:fillRef idx="0">
+            <a:schemeClr val="accent1"/>
+          </a:fillRef>
+          <a:effectRef idx="0">
+            <a:schemeClr val="accent1"/>
+          </a:effectRef>
+          <a:fontRef idx="minor">
+            <a:schemeClr val="tx1"/>
+          </a:fontRef>
+        </p:style>
+      </p:cxnSp>
+      <p:sp>
+        <p:nvSpPr>
+          <p:cNvPr id="131" name="ZoneTexte 130">
+            <a:extLst>
+              <a:ext uri="{FF2B5EF4-FFF2-40B4-BE49-F238E27FC236}">
+                <a16:creationId xmlns:a16="http://schemas.microsoft.com/office/drawing/2014/main" id="{5AB3C70D-4EF2-48BF-A65E-0632C17C5035}"/>
+              </a:ext>
+            </a:extLst>
+          </p:cNvPr>
+          <p:cNvSpPr txBox="1"/>
+          <p:nvPr/>
+        </p:nvSpPr>
+        <p:spPr>
+          <a:xfrm>
+            <a:off x="11092336" y="4789342"/>
+            <a:ext cx="566202" cy="276999"/>
+          </a:xfrm>
+          <a:prstGeom prst="rect">
+            <a:avLst/>
+          </a:prstGeom>
+          <a:noFill/>
+        </p:spPr>
+        <p:txBody>
+          <a:bodyPr wrap="square" rtlCol="0">
+            <a:spAutoFit/>
+          </a:bodyPr>
+          <a:lstStyle/>
+          <a:p>
+            <a:r>
+              <a:rPr lang="fr-FR" sz="1200" dirty="0"/>
+              <a:t>1,6 m</a:t>
+            </a:r>
+          </a:p>
+        </p:txBody>
+      </p:sp>
+      <p:cxnSp>
+        <p:nvCxnSpPr>
+          <p:cNvPr id="133" name="Connecteur droit avec flèche 132">
+            <a:extLst>
+              <a:ext uri="{FF2B5EF4-FFF2-40B4-BE49-F238E27FC236}">
+                <a16:creationId xmlns:a16="http://schemas.microsoft.com/office/drawing/2014/main" id="{993B873C-C939-4758-BFBF-CD8222817500}"/>
+              </a:ext>
+            </a:extLst>
+          </p:cNvPr>
+          <p:cNvCxnSpPr>
+            <a:cxnSpLocks/>
+          </p:cNvCxnSpPr>
+          <p:nvPr/>
+        </p:nvCxnSpPr>
+        <p:spPr>
+          <a:xfrm>
+            <a:off x="9880607" y="4761441"/>
+            <a:ext cx="1110845" cy="0"/>
+          </a:xfrm>
+          <a:prstGeom prst="straightConnector1">
+            <a:avLst/>
+          </a:prstGeom>
+          <a:ln w="12700">
+            <a:headEnd type="stealth"/>
+            <a:tailEnd type="stealth"/>
+          </a:ln>
+        </p:spPr>
+        <p:style>
+          <a:lnRef idx="1">
+            <a:schemeClr val="accent1"/>
+          </a:lnRef>
+          <a:fillRef idx="0">
+            <a:schemeClr val="accent1"/>
+          </a:fillRef>
+          <a:effectRef idx="0">
+            <a:schemeClr val="accent1"/>
+          </a:effectRef>
+          <a:fontRef idx="minor">
+            <a:schemeClr val="tx1"/>
+          </a:fontRef>
+        </p:style>
+      </p:cxnSp>
+      <p:sp>
+        <p:nvSpPr>
+          <p:cNvPr id="134" name="ZoneTexte 133">
+            <a:extLst>
+              <a:ext uri="{FF2B5EF4-FFF2-40B4-BE49-F238E27FC236}">
+                <a16:creationId xmlns:a16="http://schemas.microsoft.com/office/drawing/2014/main" id="{4CBD2CEA-29BC-42A1-992A-B38D1EB9B32F}"/>
+              </a:ext>
+            </a:extLst>
+          </p:cNvPr>
+          <p:cNvSpPr txBox="1"/>
+          <p:nvPr/>
+        </p:nvSpPr>
+        <p:spPr>
+          <a:xfrm>
+            <a:off x="10270367" y="4781929"/>
+            <a:ext cx="566202" cy="276999"/>
+          </a:xfrm>
+          <a:prstGeom prst="rect">
+            <a:avLst/>
+          </a:prstGeom>
+          <a:noFill/>
+        </p:spPr>
+        <p:txBody>
+          <a:bodyPr wrap="square" rtlCol="0">
+            <a:spAutoFit/>
+          </a:bodyPr>
+          <a:lstStyle/>
+          <a:p>
+            <a:r>
+              <a:rPr lang="fr-FR" sz="1200" dirty="0"/>
+              <a:t>2,4 m</a:t>
+            </a:r>
+          </a:p>
+        </p:txBody>
+      </p:sp>
+      <p:cxnSp>
+        <p:nvCxnSpPr>
+          <p:cNvPr id="136" name="Connecteur droit avec flèche 135">
+            <a:extLst>
+              <a:ext uri="{FF2B5EF4-FFF2-40B4-BE49-F238E27FC236}">
+                <a16:creationId xmlns:a16="http://schemas.microsoft.com/office/drawing/2014/main" id="{F7AE36BB-6FEA-4708-B848-2ECDE3C9DEE1}"/>
+              </a:ext>
+            </a:extLst>
+          </p:cNvPr>
+          <p:cNvCxnSpPr>
+            <a:cxnSpLocks/>
+          </p:cNvCxnSpPr>
+          <p:nvPr/>
+        </p:nvCxnSpPr>
+        <p:spPr>
+          <a:xfrm flipV="1">
+            <a:off x="11007235" y="4764164"/>
+            <a:ext cx="587004" cy="4307"/>
+          </a:xfrm>
+          <a:prstGeom prst="straightConnector1">
+            <a:avLst/>
+          </a:prstGeom>
+          <a:ln w="12700">
+            <a:headEnd type="stealth"/>
+            <a:tailEnd type="stealth"/>
+          </a:ln>
+        </p:spPr>
+        <p:style>
+          <a:lnRef idx="1">
+            <a:schemeClr val="accent1"/>
+          </a:lnRef>
+          <a:fillRef idx="0">
+            <a:schemeClr val="accent1"/>
+          </a:fillRef>
+          <a:effectRef idx="0">
+            <a:schemeClr val="accent1"/>
+          </a:effectRef>
+          <a:fontRef idx="minor">
+            <a:schemeClr val="tx1"/>
+          </a:fontRef>
+        </p:style>
+      </p:cxnSp>
+      <p:sp>
+        <p:nvSpPr>
+          <p:cNvPr id="138" name="ZoneTexte 137">
+            <a:extLst>
+              <a:ext uri="{FF2B5EF4-FFF2-40B4-BE49-F238E27FC236}">
+                <a16:creationId xmlns:a16="http://schemas.microsoft.com/office/drawing/2014/main" id="{CD93C3B4-97C0-4161-9A8E-9B14CD065253}"/>
+              </a:ext>
+            </a:extLst>
+          </p:cNvPr>
+          <p:cNvSpPr txBox="1"/>
+          <p:nvPr/>
+        </p:nvSpPr>
+        <p:spPr>
+          <a:xfrm>
+            <a:off x="9561087" y="4800363"/>
+            <a:ext cx="566202" cy="276999"/>
+          </a:xfrm>
+          <a:prstGeom prst="rect">
+            <a:avLst/>
+          </a:prstGeom>
+          <a:noFill/>
+        </p:spPr>
+        <p:txBody>
+          <a:bodyPr wrap="square" rtlCol="0">
+            <a:spAutoFit/>
+          </a:bodyPr>
+          <a:lstStyle/>
+          <a:p>
+            <a:r>
+              <a:rPr lang="fr-FR" sz="1200" dirty="0"/>
+              <a:t>0,6 m</a:t>
+            </a:r>
+          </a:p>
+        </p:txBody>
+      </p:sp>
+      <p:cxnSp>
+        <p:nvCxnSpPr>
+          <p:cNvPr id="142" name="Connecteur droit avec flèche 141">
+            <a:extLst>
+              <a:ext uri="{FF2B5EF4-FFF2-40B4-BE49-F238E27FC236}">
+                <a16:creationId xmlns:a16="http://schemas.microsoft.com/office/drawing/2014/main" id="{E9FA2637-8CA4-43B4-A594-CDCCD8BEE2C1}"/>
+              </a:ext>
+            </a:extLst>
+          </p:cNvPr>
+          <p:cNvCxnSpPr>
+            <a:cxnSpLocks/>
+          </p:cNvCxnSpPr>
+          <p:nvPr/>
+        </p:nvCxnSpPr>
+        <p:spPr>
+          <a:xfrm>
+            <a:off x="9284241" y="4758763"/>
+            <a:ext cx="389780" cy="0"/>
+          </a:xfrm>
+          <a:prstGeom prst="straightConnector1">
+            <a:avLst/>
+          </a:prstGeom>
+          <a:ln w="12700">
+            <a:headEnd type="stealth"/>
+            <a:tailEnd type="stealth"/>
+          </a:ln>
+        </p:spPr>
+        <p:style>
+          <a:lnRef idx="1">
+            <a:schemeClr val="accent1"/>
+          </a:lnRef>
+          <a:fillRef idx="0">
+            <a:schemeClr val="accent1"/>
+          </a:fillRef>
+          <a:effectRef idx="0">
+            <a:schemeClr val="accent1"/>
+          </a:effectRef>
+          <a:fontRef idx="minor">
+            <a:schemeClr val="tx1"/>
+          </a:fontRef>
+        </p:style>
+      </p:cxnSp>
+      <p:sp>
+        <p:nvSpPr>
+          <p:cNvPr id="143" name="ZoneTexte 142">
+            <a:extLst>
+              <a:ext uri="{FF2B5EF4-FFF2-40B4-BE49-F238E27FC236}">
+                <a16:creationId xmlns:a16="http://schemas.microsoft.com/office/drawing/2014/main" id="{374C6E2C-1F27-401E-8676-577BA4F1C22F}"/>
+              </a:ext>
+            </a:extLst>
+          </p:cNvPr>
+          <p:cNvSpPr txBox="1"/>
+          <p:nvPr/>
+        </p:nvSpPr>
+        <p:spPr>
+          <a:xfrm>
+            <a:off x="9271584" y="4789343"/>
+            <a:ext cx="431407" cy="276999"/>
+          </a:xfrm>
+          <a:prstGeom prst="rect">
+            <a:avLst/>
+          </a:prstGeom>
+          <a:noFill/>
+        </p:spPr>
+        <p:txBody>
+          <a:bodyPr wrap="square" rtlCol="0">
+            <a:spAutoFit/>
+          </a:bodyPr>
+          <a:lstStyle/>
+          <a:p>
+            <a:r>
+              <a:rPr lang="fr-FR" sz="1200" dirty="0"/>
+              <a:t>1 m</a:t>
+            </a:r>
+          </a:p>
+        </p:txBody>
+      </p:sp>
+      <p:cxnSp>
+        <p:nvCxnSpPr>
+          <p:cNvPr id="145" name="Connecteur droit avec flèche 144">
+            <a:extLst>
+              <a:ext uri="{FF2B5EF4-FFF2-40B4-BE49-F238E27FC236}">
+                <a16:creationId xmlns:a16="http://schemas.microsoft.com/office/drawing/2014/main" id="{0A7C3FDD-A9E1-41CA-B621-7E5CB92E5E8C}"/>
+              </a:ext>
+            </a:extLst>
+          </p:cNvPr>
+          <p:cNvCxnSpPr>
+            <a:cxnSpLocks/>
+          </p:cNvCxnSpPr>
+          <p:nvPr/>
+        </p:nvCxnSpPr>
+        <p:spPr>
+          <a:xfrm>
+            <a:off x="8932985" y="4758763"/>
+            <a:ext cx="323814" cy="0"/>
+          </a:xfrm>
+          <a:prstGeom prst="straightConnector1">
+            <a:avLst/>
+          </a:prstGeom>
+          <a:ln w="12700">
+            <a:headEnd type="stealth"/>
+            <a:tailEnd type="stealth"/>
+          </a:ln>
+        </p:spPr>
+        <p:style>
+          <a:lnRef idx="1">
+            <a:schemeClr val="accent1"/>
+          </a:lnRef>
+          <a:fillRef idx="0">
+            <a:schemeClr val="accent1"/>
+          </a:fillRef>
+          <a:effectRef idx="0">
+            <a:schemeClr val="accent1"/>
+          </a:effectRef>
+          <a:fontRef idx="minor">
+            <a:schemeClr val="tx1"/>
+          </a:fontRef>
+        </p:style>
+      </p:cxnSp>
+      <p:sp>
+        <p:nvSpPr>
+          <p:cNvPr id="146" name="ZoneTexte 145">
+            <a:extLst>
+              <a:ext uri="{FF2B5EF4-FFF2-40B4-BE49-F238E27FC236}">
+                <a16:creationId xmlns:a16="http://schemas.microsoft.com/office/drawing/2014/main" id="{0A2EC1F7-7137-4874-84AF-5D012F9555C1}"/>
+              </a:ext>
+            </a:extLst>
+          </p:cNvPr>
+          <p:cNvSpPr txBox="1"/>
+          <p:nvPr/>
+        </p:nvSpPr>
+        <p:spPr>
+          <a:xfrm>
+            <a:off x="8894254" y="4781929"/>
+            <a:ext cx="554144" cy="276999"/>
+          </a:xfrm>
+          <a:prstGeom prst="rect">
+            <a:avLst/>
+          </a:prstGeom>
+          <a:noFill/>
+        </p:spPr>
+        <p:txBody>
+          <a:bodyPr wrap="square" rtlCol="0">
+            <a:spAutoFit/>
+          </a:bodyPr>
+          <a:lstStyle/>
+          <a:p>
+            <a:r>
+              <a:rPr lang="fr-FR" sz="1200" dirty="0"/>
+              <a:t>0,8 m</a:t>
+            </a:r>
+          </a:p>
+        </p:txBody>
+      </p:sp>
+      <p:cxnSp>
+        <p:nvCxnSpPr>
+          <p:cNvPr id="152" name="Connecteur droit avec flèche 151">
+            <a:extLst>
+              <a:ext uri="{FF2B5EF4-FFF2-40B4-BE49-F238E27FC236}">
+                <a16:creationId xmlns:a16="http://schemas.microsoft.com/office/drawing/2014/main" id="{1419D2AC-3B09-4631-AAE9-DF1BF5DA857F}"/>
+              </a:ext>
+            </a:extLst>
+          </p:cNvPr>
+          <p:cNvCxnSpPr>
+            <a:cxnSpLocks/>
+          </p:cNvCxnSpPr>
+          <p:nvPr/>
+        </p:nvCxnSpPr>
+        <p:spPr>
+          <a:xfrm>
+            <a:off x="7695098" y="4753229"/>
+            <a:ext cx="1237887" cy="0"/>
+          </a:xfrm>
+          <a:prstGeom prst="straightConnector1">
+            <a:avLst/>
+          </a:prstGeom>
+          <a:ln w="12700">
+            <a:headEnd type="stealth"/>
+            <a:tailEnd type="stealth"/>
+          </a:ln>
+        </p:spPr>
+        <p:style>
+          <a:lnRef idx="1">
+            <a:schemeClr val="accent1"/>
+          </a:lnRef>
+          <a:fillRef idx="0">
+            <a:schemeClr val="accent1"/>
+          </a:fillRef>
+          <a:effectRef idx="0">
+            <a:schemeClr val="accent1"/>
+          </a:effectRef>
+          <a:fontRef idx="minor">
+            <a:schemeClr val="tx1"/>
+          </a:fontRef>
+        </p:style>
+      </p:cxnSp>
+      <p:sp>
+        <p:nvSpPr>
+          <p:cNvPr id="153" name="ZoneTexte 152">
+            <a:extLst>
+              <a:ext uri="{FF2B5EF4-FFF2-40B4-BE49-F238E27FC236}">
+                <a16:creationId xmlns:a16="http://schemas.microsoft.com/office/drawing/2014/main" id="{BB9465F8-B44D-4B78-A105-BFBCDC144D77}"/>
+              </a:ext>
+            </a:extLst>
+          </p:cNvPr>
+          <p:cNvSpPr txBox="1"/>
+          <p:nvPr/>
+        </p:nvSpPr>
+        <p:spPr>
+          <a:xfrm>
+            <a:off x="8151065" y="4757354"/>
+            <a:ext cx="431407" cy="276999"/>
+          </a:xfrm>
+          <a:prstGeom prst="rect">
+            <a:avLst/>
+          </a:prstGeom>
+          <a:noFill/>
+        </p:spPr>
+        <p:txBody>
+          <a:bodyPr wrap="square" rtlCol="0">
+            <a:spAutoFit/>
+          </a:bodyPr>
+          <a:lstStyle/>
+          <a:p>
+            <a:r>
+              <a:rPr lang="fr-FR" sz="1200" dirty="0"/>
+              <a:t>3 m</a:t>
+            </a:r>
+          </a:p>
+        </p:txBody>
+      </p:sp>
+      <p:cxnSp>
+        <p:nvCxnSpPr>
+          <p:cNvPr id="160" name="Connecteur droit avec flèche 159">
+            <a:extLst>
+              <a:ext uri="{FF2B5EF4-FFF2-40B4-BE49-F238E27FC236}">
+                <a16:creationId xmlns:a16="http://schemas.microsoft.com/office/drawing/2014/main" id="{F388205F-3A88-496A-8ECD-C2F8F9459ECC}"/>
+              </a:ext>
+            </a:extLst>
+          </p:cNvPr>
+          <p:cNvCxnSpPr>
+            <a:cxnSpLocks/>
+          </p:cNvCxnSpPr>
+          <p:nvPr/>
+        </p:nvCxnSpPr>
+        <p:spPr>
+          <a:xfrm>
+            <a:off x="7496742" y="1455946"/>
+            <a:ext cx="441644" cy="0"/>
+          </a:xfrm>
+          <a:prstGeom prst="straightConnector1">
+            <a:avLst/>
+          </a:prstGeom>
+          <a:ln w="12700">
+            <a:headEnd type="stealth"/>
+            <a:tailEnd type="stealth"/>
+          </a:ln>
+        </p:spPr>
+        <p:style>
+          <a:lnRef idx="1">
+            <a:schemeClr val="accent1"/>
+          </a:lnRef>
+          <a:fillRef idx="0">
+            <a:schemeClr val="accent1"/>
+          </a:fillRef>
+          <a:effectRef idx="0">
+            <a:schemeClr val="accent1"/>
+          </a:effectRef>
+          <a:fontRef idx="minor">
+            <a:schemeClr val="tx1"/>
+          </a:fontRef>
+        </p:style>
+      </p:cxnSp>
+      <p:sp>
+        <p:nvSpPr>
+          <p:cNvPr id="161" name="ZoneTexte 160">
+            <a:extLst>
+              <a:ext uri="{FF2B5EF4-FFF2-40B4-BE49-F238E27FC236}">
+                <a16:creationId xmlns:a16="http://schemas.microsoft.com/office/drawing/2014/main" id="{868F11F0-B47E-4CA7-8FEF-E9B024E31262}"/>
+              </a:ext>
+            </a:extLst>
+          </p:cNvPr>
+          <p:cNvSpPr txBox="1"/>
+          <p:nvPr/>
+        </p:nvSpPr>
+        <p:spPr>
+          <a:xfrm>
+            <a:off x="7448706" y="1170088"/>
+            <a:ext cx="559444" cy="276999"/>
+          </a:xfrm>
+          <a:prstGeom prst="rect">
+            <a:avLst/>
+          </a:prstGeom>
+          <a:noFill/>
+        </p:spPr>
+        <p:txBody>
+          <a:bodyPr wrap="square" rtlCol="0">
+            <a:spAutoFit/>
+          </a:bodyPr>
+          <a:lstStyle/>
+          <a:p>
+            <a:r>
+              <a:rPr lang="fr-FR" sz="1200" dirty="0"/>
+              <a:t>1,1 m</a:t>
+            </a:r>
+          </a:p>
+        </p:txBody>
+      </p:sp>
+      <p:sp>
+        <p:nvSpPr>
+          <p:cNvPr id="184" name="Rectangle 183">
+            <a:extLst>
+              <a:ext uri="{FF2B5EF4-FFF2-40B4-BE49-F238E27FC236}">
+                <a16:creationId xmlns:a16="http://schemas.microsoft.com/office/drawing/2014/main" id="{B1978582-433A-4885-B233-2E5BD7C971A6}"/>
+              </a:ext>
+            </a:extLst>
+          </p:cNvPr>
+          <p:cNvSpPr/>
+          <p:nvPr/>
+        </p:nvSpPr>
+        <p:spPr>
+          <a:xfrm>
+            <a:off x="964915" y="1869663"/>
+            <a:ext cx="277877" cy="1000680"/>
+          </a:xfrm>
+          <a:prstGeom prst="rect">
+            <a:avLst/>
+          </a:prstGeom>
+          <a:noFill/>
+          <a:ln w="28575">
+            <a:solidFill>
+              <a:schemeClr val="tx1"/>
+            </a:solidFill>
+          </a:ln>
+        </p:spPr>
+        <p:style>
+          <a:lnRef idx="2">
+            <a:schemeClr val="accent1">
+              <a:shade val="50000"/>
+            </a:schemeClr>
+          </a:lnRef>
+          <a:fillRef idx="1">
+            <a:schemeClr val="accent1"/>
+          </a:fillRef>
+          <a:effectRef idx="0">
+            <a:schemeClr val="accent1"/>
+          </a:effectRef>
+          <a:fontRef idx="minor">
+            <a:schemeClr val="lt1"/>
+          </a:fontRef>
+        </p:style>
+        <p:txBody>
+          <a:bodyPr rtlCol="0" anchor="ctr"/>
+          <a:lstStyle/>
+          <a:p>
+            <a:pPr algn="ctr"/>
+            <a:endParaRPr lang="fr-FR"/>
+          </a:p>
+        </p:txBody>
+      </p:sp>
+      <p:cxnSp>
+        <p:nvCxnSpPr>
+          <p:cNvPr id="144" name="Connecteur droit avec flèche 143">
+            <a:extLst>
+              <a:ext uri="{FF2B5EF4-FFF2-40B4-BE49-F238E27FC236}">
+                <a16:creationId xmlns:a16="http://schemas.microsoft.com/office/drawing/2014/main" id="{D2B56157-5F06-4DAD-A05A-602E6BBD4F30}"/>
+              </a:ext>
+            </a:extLst>
+          </p:cNvPr>
+          <p:cNvCxnSpPr>
+            <a:cxnSpLocks/>
+          </p:cNvCxnSpPr>
+          <p:nvPr/>
+        </p:nvCxnSpPr>
+        <p:spPr>
+          <a:xfrm>
+            <a:off x="7042071" y="4752065"/>
+            <a:ext cx="652259" cy="0"/>
+          </a:xfrm>
+          <a:prstGeom prst="straightConnector1">
+            <a:avLst/>
+          </a:prstGeom>
+          <a:ln w="12700">
+            <a:headEnd type="stealth"/>
+            <a:tailEnd type="stealth"/>
+          </a:ln>
+        </p:spPr>
+        <p:style>
+          <a:lnRef idx="1">
+            <a:schemeClr val="accent1"/>
+          </a:lnRef>
+          <a:fillRef idx="0">
+            <a:schemeClr val="accent1"/>
+          </a:fillRef>
+          <a:effectRef idx="0">
+            <a:schemeClr val="accent1"/>
+          </a:effectRef>
+          <a:fontRef idx="minor">
+            <a:schemeClr val="tx1"/>
+          </a:fontRef>
+        </p:style>
+      </p:cxnSp>
+      <p:sp>
+        <p:nvSpPr>
+          <p:cNvPr id="149" name="ZoneTexte 148">
+            <a:extLst>
+              <a:ext uri="{FF2B5EF4-FFF2-40B4-BE49-F238E27FC236}">
+                <a16:creationId xmlns:a16="http://schemas.microsoft.com/office/drawing/2014/main" id="{E6407A32-D0F6-49B0-A724-000C959479DF}"/>
+              </a:ext>
+            </a:extLst>
+          </p:cNvPr>
+          <p:cNvSpPr txBox="1"/>
+          <p:nvPr/>
+        </p:nvSpPr>
+        <p:spPr>
+          <a:xfrm>
+            <a:off x="7191214" y="4781929"/>
+            <a:ext cx="554144" cy="276999"/>
+          </a:xfrm>
+          <a:prstGeom prst="rect">
+            <a:avLst/>
+          </a:prstGeom>
+          <a:noFill/>
+        </p:spPr>
+        <p:txBody>
+          <a:bodyPr wrap="square" rtlCol="0">
+            <a:spAutoFit/>
+          </a:bodyPr>
+          <a:lstStyle/>
+          <a:p>
+            <a:r>
+              <a:rPr lang="fr-FR" sz="1200" dirty="0"/>
+              <a:t>1,6 m</a:t>
+            </a:r>
+          </a:p>
+        </p:txBody>
+      </p:sp>
+      <p:sp>
+        <p:nvSpPr>
+          <p:cNvPr id="154" name="Rectangle 153">
+            <a:extLst>
+              <a:ext uri="{FF2B5EF4-FFF2-40B4-BE49-F238E27FC236}">
+                <a16:creationId xmlns:a16="http://schemas.microsoft.com/office/drawing/2014/main" id="{35E6A797-1188-4993-9A5E-3D4DB53A8F7D}"/>
+              </a:ext>
+            </a:extLst>
+          </p:cNvPr>
+          <p:cNvSpPr/>
+          <p:nvPr/>
+        </p:nvSpPr>
+        <p:spPr>
+          <a:xfrm>
+            <a:off x="10959072" y="1529516"/>
+            <a:ext cx="191149" cy="292088"/>
+          </a:xfrm>
+          <a:prstGeom prst="rect">
+            <a:avLst/>
+          </a:prstGeom>
+          <a:solidFill>
+            <a:srgbClr val="FF0000"/>
+          </a:solidFill>
+          <a:ln w="28575">
+            <a:solidFill>
+              <a:schemeClr val="tx1"/>
+            </a:solidFill>
+          </a:ln>
+        </p:spPr>
+        <p:style>
+          <a:lnRef idx="2">
+            <a:schemeClr val="accent1">
+              <a:shade val="50000"/>
+            </a:schemeClr>
+          </a:lnRef>
+          <a:fillRef idx="1">
+            <a:schemeClr val="accent1"/>
+          </a:fillRef>
+          <a:effectRef idx="0">
+            <a:schemeClr val="accent1"/>
+          </a:effectRef>
+          <a:fontRef idx="minor">
+            <a:schemeClr val="lt1"/>
+          </a:fontRef>
+        </p:style>
+        <p:txBody>
+          <a:bodyPr rtlCol="0" anchor="ctr"/>
+          <a:lstStyle/>
+          <a:p>
+            <a:pPr algn="ctr"/>
+            <a:endParaRPr lang="fr-FR"/>
+          </a:p>
+        </p:txBody>
+      </p:sp>
+      <p:sp>
+        <p:nvSpPr>
+          <p:cNvPr id="155" name="Rectangle 154">
+            <a:extLst>
+              <a:ext uri="{FF2B5EF4-FFF2-40B4-BE49-F238E27FC236}">
+                <a16:creationId xmlns:a16="http://schemas.microsoft.com/office/drawing/2014/main" id="{0C029F54-3E5C-42B4-ABEA-21577F5FCB17}"/>
+              </a:ext>
+            </a:extLst>
+          </p:cNvPr>
+          <p:cNvSpPr/>
+          <p:nvPr/>
+        </p:nvSpPr>
+        <p:spPr>
+          <a:xfrm>
+            <a:off x="5111450" y="4377202"/>
+            <a:ext cx="715914" cy="292088"/>
+          </a:xfrm>
+          <a:prstGeom prst="rect">
+            <a:avLst/>
+          </a:prstGeom>
+          <a:solidFill>
+            <a:srgbClr val="FF0000"/>
+          </a:solidFill>
+          <a:ln w="28575">
+            <a:solidFill>
+              <a:schemeClr val="tx1"/>
+            </a:solidFill>
+          </a:ln>
+        </p:spPr>
+        <p:style>
+          <a:lnRef idx="2">
+            <a:schemeClr val="accent1">
+              <a:shade val="50000"/>
+            </a:schemeClr>
+          </a:lnRef>
+          <a:fillRef idx="1">
+            <a:schemeClr val="accent1"/>
+          </a:fillRef>
+          <a:effectRef idx="0">
+            <a:schemeClr val="accent1"/>
+          </a:effectRef>
+          <a:fontRef idx="minor">
+            <a:schemeClr val="lt1"/>
+          </a:fontRef>
+        </p:style>
+        <p:txBody>
+          <a:bodyPr rtlCol="0" anchor="ctr"/>
+          <a:lstStyle/>
+          <a:p>
+            <a:pPr algn="ctr"/>
+            <a:endParaRPr lang="fr-FR"/>
+          </a:p>
+        </p:txBody>
+      </p:sp>
+      <p:sp>
+        <p:nvSpPr>
+          <p:cNvPr id="162" name="Rectangle 161">
+            <a:extLst>
+              <a:ext uri="{FF2B5EF4-FFF2-40B4-BE49-F238E27FC236}">
+                <a16:creationId xmlns:a16="http://schemas.microsoft.com/office/drawing/2014/main" id="{B37807FC-D703-417B-B860-5CD7E392AC31}"/>
+              </a:ext>
+            </a:extLst>
+          </p:cNvPr>
+          <p:cNvSpPr/>
+          <p:nvPr/>
+        </p:nvSpPr>
+        <p:spPr>
+          <a:xfrm>
+            <a:off x="6394288" y="4368980"/>
+            <a:ext cx="191149" cy="292088"/>
+          </a:xfrm>
+          <a:prstGeom prst="rect">
+            <a:avLst/>
+          </a:prstGeom>
+          <a:solidFill>
+            <a:srgbClr val="FF0000"/>
+          </a:solidFill>
+          <a:ln w="28575">
+            <a:solidFill>
+              <a:schemeClr val="tx1"/>
+            </a:solidFill>
+          </a:ln>
+        </p:spPr>
+        <p:style>
+          <a:lnRef idx="2">
+            <a:schemeClr val="accent1">
+              <a:shade val="50000"/>
+            </a:schemeClr>
+          </a:lnRef>
+          <a:fillRef idx="1">
+            <a:schemeClr val="accent1"/>
+          </a:fillRef>
+          <a:effectRef idx="0">
+            <a:schemeClr val="accent1"/>
+          </a:effectRef>
+          <a:fontRef idx="minor">
+            <a:schemeClr val="lt1"/>
+          </a:fontRef>
+        </p:style>
+        <p:txBody>
+          <a:bodyPr rtlCol="0" anchor="ctr"/>
+          <a:lstStyle/>
+          <a:p>
+            <a:pPr algn="ctr"/>
+            <a:endParaRPr lang="fr-FR"/>
+          </a:p>
+        </p:txBody>
+      </p:sp>
+      <p:sp>
+        <p:nvSpPr>
+          <p:cNvPr id="167" name="Rectangle 166">
+            <a:extLst>
+              <a:ext uri="{FF2B5EF4-FFF2-40B4-BE49-F238E27FC236}">
+                <a16:creationId xmlns:a16="http://schemas.microsoft.com/office/drawing/2014/main" id="{8B642B3C-01E9-41BC-83D3-E5B56B47BC54}"/>
+              </a:ext>
+            </a:extLst>
+          </p:cNvPr>
+          <p:cNvSpPr/>
+          <p:nvPr/>
+        </p:nvSpPr>
+        <p:spPr>
+          <a:xfrm>
+            <a:off x="6597153" y="4368980"/>
+            <a:ext cx="191149" cy="292088"/>
+          </a:xfrm>
+          <a:prstGeom prst="rect">
+            <a:avLst/>
+          </a:prstGeom>
+          <a:solidFill>
+            <a:srgbClr val="FF0000"/>
+          </a:solidFill>
+          <a:ln w="28575">
+            <a:solidFill>
+              <a:schemeClr val="tx1"/>
+            </a:solidFill>
+          </a:ln>
+        </p:spPr>
+        <p:style>
+          <a:lnRef idx="2">
+            <a:schemeClr val="accent1">
+              <a:shade val="50000"/>
+            </a:schemeClr>
+          </a:lnRef>
+          <a:fillRef idx="1">
+            <a:schemeClr val="accent1"/>
+          </a:fillRef>
+          <a:effectRef idx="0">
+            <a:schemeClr val="accent1"/>
+          </a:effectRef>
+          <a:fontRef idx="minor">
+            <a:schemeClr val="lt1"/>
+          </a:fontRef>
+        </p:style>
+        <p:txBody>
+          <a:bodyPr rtlCol="0" anchor="ctr"/>
+          <a:lstStyle/>
+          <a:p>
+            <a:pPr algn="ctr"/>
+            <a:endParaRPr lang="fr-FR"/>
+          </a:p>
+        </p:txBody>
+      </p:sp>
+      <p:sp>
+        <p:nvSpPr>
+          <p:cNvPr id="169" name="Rectangle 168">
+            <a:extLst>
+              <a:ext uri="{FF2B5EF4-FFF2-40B4-BE49-F238E27FC236}">
+                <a16:creationId xmlns:a16="http://schemas.microsoft.com/office/drawing/2014/main" id="{94F1EE43-2333-4F38-AD23-AA33ECA2166D}"/>
+              </a:ext>
+            </a:extLst>
+          </p:cNvPr>
+          <p:cNvSpPr/>
+          <p:nvPr/>
+        </p:nvSpPr>
+        <p:spPr>
+          <a:xfrm>
+            <a:off x="6798517" y="4368980"/>
+            <a:ext cx="191149" cy="292088"/>
+          </a:xfrm>
+          <a:prstGeom prst="rect">
+            <a:avLst/>
+          </a:prstGeom>
+          <a:solidFill>
+            <a:srgbClr val="FF0000"/>
+          </a:solidFill>
+          <a:ln w="28575">
+            <a:solidFill>
+              <a:schemeClr val="tx1"/>
+            </a:solidFill>
+          </a:ln>
+        </p:spPr>
+        <p:style>
+          <a:lnRef idx="2">
+            <a:schemeClr val="accent1">
+              <a:shade val="50000"/>
+            </a:schemeClr>
+          </a:lnRef>
+          <a:fillRef idx="1">
+            <a:schemeClr val="accent1"/>
+          </a:fillRef>
+          <a:effectRef idx="0">
+            <a:schemeClr val="accent1"/>
+          </a:effectRef>
+          <a:fontRef idx="minor">
+            <a:schemeClr val="lt1"/>
+          </a:fontRef>
+        </p:style>
+        <p:txBody>
+          <a:bodyPr rtlCol="0" anchor="ctr"/>
+          <a:lstStyle/>
+          <a:p>
+            <a:pPr algn="ctr"/>
+            <a:endParaRPr lang="fr-FR"/>
+          </a:p>
+        </p:txBody>
+      </p:sp>
+      <p:sp>
+        <p:nvSpPr>
+          <p:cNvPr id="170" name="Rectangle 169">
+            <a:extLst>
+              <a:ext uri="{FF2B5EF4-FFF2-40B4-BE49-F238E27FC236}">
+                <a16:creationId xmlns:a16="http://schemas.microsoft.com/office/drawing/2014/main" id="{79A66099-61C2-4B36-BEFD-BAAD1D2A27BC}"/>
+              </a:ext>
+            </a:extLst>
+          </p:cNvPr>
+          <p:cNvSpPr/>
+          <p:nvPr/>
+        </p:nvSpPr>
+        <p:spPr>
+          <a:xfrm>
+            <a:off x="5847406" y="4368980"/>
+            <a:ext cx="191149" cy="292088"/>
+          </a:xfrm>
+          <a:prstGeom prst="rect">
+            <a:avLst/>
+          </a:prstGeom>
+          <a:solidFill>
+            <a:srgbClr val="FF0000"/>
+          </a:solidFill>
+          <a:ln w="28575">
+            <a:solidFill>
+              <a:schemeClr val="tx1"/>
+            </a:solidFill>
+          </a:ln>
+        </p:spPr>
+        <p:style>
+          <a:lnRef idx="2">
+            <a:schemeClr val="accent1">
+              <a:shade val="50000"/>
+            </a:schemeClr>
+          </a:lnRef>
+          <a:fillRef idx="1">
+            <a:schemeClr val="accent1"/>
+          </a:fillRef>
+          <a:effectRef idx="0">
+            <a:schemeClr val="accent1"/>
+          </a:effectRef>
+          <a:fontRef idx="minor">
+            <a:schemeClr val="lt1"/>
+          </a:fontRef>
+        </p:style>
+        <p:txBody>
+          <a:bodyPr rtlCol="0" anchor="ctr"/>
+          <a:lstStyle/>
+          <a:p>
+            <a:pPr algn="ctr"/>
+            <a:endParaRPr lang="fr-FR"/>
+          </a:p>
+        </p:txBody>
+      </p:sp>
+      <p:cxnSp>
+        <p:nvCxnSpPr>
+          <p:cNvPr id="172" name="Connecteur droit avec flèche 171">
+            <a:extLst>
+              <a:ext uri="{FF2B5EF4-FFF2-40B4-BE49-F238E27FC236}">
+                <a16:creationId xmlns:a16="http://schemas.microsoft.com/office/drawing/2014/main" id="{6E287821-AA16-4A32-9E1D-1E3998234AB3}"/>
+              </a:ext>
+            </a:extLst>
+          </p:cNvPr>
+          <p:cNvCxnSpPr>
+            <a:cxnSpLocks/>
+          </p:cNvCxnSpPr>
+          <p:nvPr/>
+        </p:nvCxnSpPr>
+        <p:spPr>
+          <a:xfrm>
+            <a:off x="785414" y="1578279"/>
+            <a:ext cx="0" cy="3081403"/>
+          </a:xfrm>
+          <a:prstGeom prst="straightConnector1">
+            <a:avLst/>
+          </a:prstGeom>
+          <a:ln w="12700">
+            <a:headEnd type="stealth"/>
+            <a:tailEnd type="stealth"/>
+          </a:ln>
+        </p:spPr>
+        <p:style>
+          <a:lnRef idx="1">
+            <a:schemeClr val="accent1"/>
+          </a:lnRef>
+          <a:fillRef idx="0">
+            <a:schemeClr val="accent1"/>
+          </a:fillRef>
+          <a:effectRef idx="0">
+            <a:schemeClr val="accent1"/>
+          </a:effectRef>
+          <a:fontRef idx="minor">
+            <a:schemeClr val="tx1"/>
+          </a:fontRef>
+        </p:style>
+      </p:cxnSp>
+      <p:sp>
+        <p:nvSpPr>
+          <p:cNvPr id="173" name="ZoneTexte 172">
+            <a:extLst>
+              <a:ext uri="{FF2B5EF4-FFF2-40B4-BE49-F238E27FC236}">
+                <a16:creationId xmlns:a16="http://schemas.microsoft.com/office/drawing/2014/main" id="{99A33F9F-B2D3-4A16-9392-03FEDF53D017}"/>
+              </a:ext>
+            </a:extLst>
+          </p:cNvPr>
+          <p:cNvSpPr txBox="1"/>
+          <p:nvPr/>
+        </p:nvSpPr>
+        <p:spPr>
+          <a:xfrm>
+            <a:off x="145075" y="2836784"/>
+            <a:ext cx="803429" cy="307777"/>
+          </a:xfrm>
+          <a:prstGeom prst="rect">
+            <a:avLst/>
+          </a:prstGeom>
+          <a:noFill/>
+        </p:spPr>
+        <p:txBody>
+          <a:bodyPr wrap="square" rtlCol="0">
+            <a:spAutoFit/>
+          </a:bodyPr>
+          <a:lstStyle/>
+          <a:p>
+            <a:r>
+              <a:rPr lang="fr-FR" sz="1400" dirty="0">
+                <a:latin typeface="Raleway" panose="020B0503030101060003" pitchFamily="34" charset="0"/>
+              </a:rPr>
+              <a:t>7,5 m</a:t>
+            </a:r>
+          </a:p>
+        </p:txBody>
+      </p:sp>
+      <p:cxnSp>
+        <p:nvCxnSpPr>
+          <p:cNvPr id="174" name="Connecteur droit avec flèche 173">
+            <a:extLst>
+              <a:ext uri="{FF2B5EF4-FFF2-40B4-BE49-F238E27FC236}">
+                <a16:creationId xmlns:a16="http://schemas.microsoft.com/office/drawing/2014/main" id="{A743E318-5245-4234-888B-21DE69844DF2}"/>
+              </a:ext>
+            </a:extLst>
+          </p:cNvPr>
+          <p:cNvCxnSpPr>
+            <a:cxnSpLocks/>
+          </p:cNvCxnSpPr>
+          <p:nvPr/>
+        </p:nvCxnSpPr>
+        <p:spPr>
+          <a:xfrm>
+            <a:off x="948504" y="5042494"/>
+            <a:ext cx="10667986" cy="50470"/>
+          </a:xfrm>
+          <a:prstGeom prst="straightConnector1">
+            <a:avLst/>
+          </a:prstGeom>
+          <a:ln w="12700">
+            <a:headEnd type="stealth"/>
+            <a:tailEnd type="stealth"/>
+          </a:ln>
+        </p:spPr>
+        <p:style>
+          <a:lnRef idx="1">
+            <a:schemeClr val="accent1"/>
+          </a:lnRef>
+          <a:fillRef idx="0">
+            <a:schemeClr val="accent1"/>
+          </a:fillRef>
+          <a:effectRef idx="0">
+            <a:schemeClr val="accent1"/>
+          </a:effectRef>
+          <a:fontRef idx="minor">
+            <a:schemeClr val="tx1"/>
+          </a:fontRef>
+        </p:style>
+      </p:cxnSp>
+      <p:sp>
+        <p:nvSpPr>
+          <p:cNvPr id="175" name="ZoneTexte 174">
+            <a:extLst>
+              <a:ext uri="{FF2B5EF4-FFF2-40B4-BE49-F238E27FC236}">
+                <a16:creationId xmlns:a16="http://schemas.microsoft.com/office/drawing/2014/main" id="{12514274-EFAF-42C8-BCE8-BC406664046E}"/>
+              </a:ext>
+            </a:extLst>
+          </p:cNvPr>
+          <p:cNvSpPr txBox="1"/>
+          <p:nvPr/>
+        </p:nvSpPr>
+        <p:spPr>
+          <a:xfrm>
+            <a:off x="5757565" y="5096437"/>
+            <a:ext cx="1009228" cy="307777"/>
+          </a:xfrm>
+          <a:prstGeom prst="rect">
+            <a:avLst/>
+          </a:prstGeom>
+          <a:noFill/>
+        </p:spPr>
+        <p:txBody>
+          <a:bodyPr wrap="square" rtlCol="0">
+            <a:spAutoFit/>
+          </a:bodyPr>
+          <a:lstStyle/>
+          <a:p>
+            <a:r>
+              <a:rPr lang="fr-FR" sz="1400" dirty="0">
+                <a:latin typeface="Raleway" panose="020B0503030101060003" pitchFamily="34" charset="0"/>
+              </a:rPr>
+              <a:t>25,5 m</a:t>
+            </a:r>
+          </a:p>
+        </p:txBody>
+      </p:sp>
+      <p:sp>
+        <p:nvSpPr>
+          <p:cNvPr id="106" name="Rectangle 105">
+            <a:extLst>
+              <a:ext uri="{FF2B5EF4-FFF2-40B4-BE49-F238E27FC236}">
+                <a16:creationId xmlns:a16="http://schemas.microsoft.com/office/drawing/2014/main" id="{9C22E0EB-D946-4E5F-AA31-8F6E01FCF918}"/>
+              </a:ext>
+            </a:extLst>
+          </p:cNvPr>
+          <p:cNvSpPr/>
+          <p:nvPr/>
+        </p:nvSpPr>
+        <p:spPr>
+          <a:xfrm>
+            <a:off x="5908305" y="3159423"/>
+            <a:ext cx="598607" cy="1151821"/>
+          </a:xfrm>
+          <a:prstGeom prst="rect">
+            <a:avLst/>
+          </a:prstGeom>
+          <a:solidFill>
+            <a:schemeClr val="bg1"/>
+          </a:solidFill>
+          <a:ln w="28575">
+            <a:noFill/>
+          </a:ln>
+        </p:spPr>
+        <p:style>
+          <a:lnRef idx="2">
+            <a:schemeClr val="accent1">
+              <a:shade val="50000"/>
+            </a:schemeClr>
+          </a:lnRef>
+          <a:fillRef idx="1">
+            <a:schemeClr val="accent1"/>
+          </a:fillRef>
+          <a:effectRef idx="0">
+            <a:schemeClr val="accent1"/>
+          </a:effectRef>
+          <a:fontRef idx="minor">
+            <a:schemeClr val="lt1"/>
+          </a:fontRef>
+        </p:style>
+        <p:txBody>
+          <a:bodyPr rtlCol="0" anchor="ctr"/>
+          <a:lstStyle/>
+          <a:p>
+            <a:pPr algn="ctr"/>
+            <a:endParaRPr lang="fr-FR"/>
+          </a:p>
+        </p:txBody>
+      </p:sp>
+      <p:grpSp>
+        <p:nvGrpSpPr>
+          <p:cNvPr id="36" name="Groupe 35">
+            <a:extLst>
+              <a:ext uri="{FF2B5EF4-FFF2-40B4-BE49-F238E27FC236}">
+                <a16:creationId xmlns:a16="http://schemas.microsoft.com/office/drawing/2014/main" id="{521F51EB-1B43-4F92-B27F-C824114C1FA5}"/>
+              </a:ext>
+            </a:extLst>
+          </p:cNvPr>
+          <p:cNvGrpSpPr/>
+          <p:nvPr/>
+        </p:nvGrpSpPr>
+        <p:grpSpPr>
+          <a:xfrm>
+            <a:off x="2584185" y="3813108"/>
+            <a:ext cx="4416812" cy="846574"/>
+            <a:chOff x="3052463" y="3813108"/>
+            <a:chExt cx="1454609" cy="846574"/>
+          </a:xfrm>
+        </p:grpSpPr>
+        <p:sp>
+          <p:nvSpPr>
+            <p:cNvPr id="25" name="Rectangle 24">
+              <a:extLst>
+                <a:ext uri="{FF2B5EF4-FFF2-40B4-BE49-F238E27FC236}">
+                  <a16:creationId xmlns:a16="http://schemas.microsoft.com/office/drawing/2014/main" id="{878D9040-500C-4321-B270-8EB30599F438}"/>
+                </a:ext>
+              </a:extLst>
+            </p:cNvPr>
+            <p:cNvSpPr/>
+            <p:nvPr/>
+          </p:nvSpPr>
+          <p:spPr>
+            <a:xfrm>
+              <a:off x="3052463" y="3813108"/>
+              <a:ext cx="1454609" cy="846574"/>
+            </a:xfrm>
+            <a:prstGeom prst="rect">
+              <a:avLst/>
+            </a:prstGeom>
+            <a:solidFill>
+              <a:schemeClr val="accent4">
+                <a:alpha val="30000"/>
+              </a:schemeClr>
+            </a:solidFill>
+          </p:spPr>
+          <p:style>
+            <a:lnRef idx="2">
+              <a:schemeClr val="accent4">
+                <a:shade val="50000"/>
+              </a:schemeClr>
+            </a:lnRef>
+            <a:fillRef idx="1">
+              <a:schemeClr val="accent4"/>
+            </a:fillRef>
+            <a:effectRef idx="0">
+              <a:schemeClr val="accent4"/>
+            </a:effectRef>
+            <a:fontRef idx="minor">
+              <a:schemeClr val="lt1"/>
+            </a:fontRef>
+          </p:style>
+          <p:txBody>
+            <a:bodyPr rtlCol="0" anchor="ctr"/>
+            <a:lstStyle/>
+            <a:p>
+              <a:pPr algn="ctr"/>
+              <a:endParaRPr lang="fr-FR"/>
+            </a:p>
+          </p:txBody>
+        </p:sp>
+        <p:sp>
+          <p:nvSpPr>
+            <p:cNvPr id="32" name="ZoneTexte 31">
+              <a:extLst>
+                <a:ext uri="{FF2B5EF4-FFF2-40B4-BE49-F238E27FC236}">
+                  <a16:creationId xmlns:a16="http://schemas.microsoft.com/office/drawing/2014/main" id="{85FA8619-CC5D-4CAD-A204-9FCDA5B3BBA6}"/>
+                </a:ext>
+              </a:extLst>
+            </p:cNvPr>
+            <p:cNvSpPr txBox="1"/>
+            <p:nvPr/>
+          </p:nvSpPr>
+          <p:spPr>
+            <a:xfrm>
+              <a:off x="3470757" y="3997028"/>
+              <a:ext cx="756763" cy="369332"/>
+            </a:xfrm>
+            <a:prstGeom prst="rect">
+              <a:avLst/>
+            </a:prstGeom>
+            <a:noFill/>
+          </p:spPr>
+          <p:txBody>
+            <a:bodyPr wrap="square" rtlCol="0">
+              <a:spAutoFit/>
+            </a:bodyPr>
+            <a:lstStyle/>
+            <a:p>
+              <a:r>
+                <a:rPr lang="fr-FR" b="1" i="1" dirty="0" err="1">
+                  <a:solidFill>
+                    <a:schemeClr val="accent2">
+                      <a:lumMod val="75000"/>
+                    </a:schemeClr>
+                  </a:solidFill>
+                  <a:latin typeface="Raleway" panose="020B0503030101060003" pitchFamily="34" charset="0"/>
+                </a:rPr>
+                <a:t>Sector</a:t>
+              </a:r>
+              <a:r>
+                <a:rPr lang="fr-FR" b="1" i="1" dirty="0">
+                  <a:solidFill>
+                    <a:schemeClr val="accent2">
+                      <a:lumMod val="75000"/>
+                    </a:schemeClr>
+                  </a:solidFill>
+                  <a:latin typeface="Raleway" panose="020B0503030101060003" pitchFamily="34" charset="0"/>
+                </a:rPr>
+                <a:t> 5</a:t>
+              </a:r>
+            </a:p>
+          </p:txBody>
+        </p:sp>
+      </p:grpSp>
+      <p:grpSp>
+        <p:nvGrpSpPr>
+          <p:cNvPr id="109" name="Groupe 108">
+            <a:extLst>
+              <a:ext uri="{FF2B5EF4-FFF2-40B4-BE49-F238E27FC236}">
+                <a16:creationId xmlns:a16="http://schemas.microsoft.com/office/drawing/2014/main" id="{5474F342-955C-4F19-BACE-3C897FC14348}"/>
+              </a:ext>
+            </a:extLst>
+          </p:cNvPr>
+          <p:cNvGrpSpPr/>
+          <p:nvPr/>
+        </p:nvGrpSpPr>
+        <p:grpSpPr>
+          <a:xfrm>
+            <a:off x="5774319" y="5589303"/>
+            <a:ext cx="1229559" cy="393648"/>
+            <a:chOff x="11195438" y="4748365"/>
+            <a:chExt cx="3788872" cy="820398"/>
+          </a:xfrm>
+        </p:grpSpPr>
+        <p:sp>
+          <p:nvSpPr>
+            <p:cNvPr id="111" name="Rectangle 110">
+              <a:extLst>
+                <a:ext uri="{FF2B5EF4-FFF2-40B4-BE49-F238E27FC236}">
+                  <a16:creationId xmlns:a16="http://schemas.microsoft.com/office/drawing/2014/main" id="{0503971E-50D1-4042-8ECD-66FB94DFF2B2}"/>
+                </a:ext>
+              </a:extLst>
+            </p:cNvPr>
+            <p:cNvSpPr/>
+            <p:nvPr/>
+          </p:nvSpPr>
+          <p:spPr>
+            <a:xfrm>
+              <a:off x="11195438" y="4748365"/>
+              <a:ext cx="3398661" cy="820398"/>
+            </a:xfrm>
+            <a:prstGeom prst="rect">
+              <a:avLst/>
+            </a:prstGeom>
+            <a:solidFill>
+              <a:schemeClr val="tx2">
+                <a:alpha val="30000"/>
+              </a:schemeClr>
+            </a:solidFill>
+          </p:spPr>
+          <p:style>
+            <a:lnRef idx="2">
+              <a:schemeClr val="accent4">
+                <a:shade val="50000"/>
+              </a:schemeClr>
+            </a:lnRef>
+            <a:fillRef idx="1">
+              <a:schemeClr val="accent4"/>
+            </a:fillRef>
+            <a:effectRef idx="0">
+              <a:schemeClr val="accent4"/>
+            </a:effectRef>
+            <a:fontRef idx="minor">
+              <a:schemeClr val="lt1"/>
+            </a:fontRef>
+          </p:style>
+          <p:txBody>
+            <a:bodyPr rtlCol="0" anchor="ctr"/>
+            <a:lstStyle/>
+            <a:p>
+              <a:pPr algn="ctr"/>
+              <a:endParaRPr lang="fr-FR" dirty="0"/>
+            </a:p>
+          </p:txBody>
+        </p:sp>
+        <p:sp>
+          <p:nvSpPr>
+            <p:cNvPr id="112" name="ZoneTexte 111">
+              <a:extLst>
+                <a:ext uri="{FF2B5EF4-FFF2-40B4-BE49-F238E27FC236}">
+                  <a16:creationId xmlns:a16="http://schemas.microsoft.com/office/drawing/2014/main" id="{2B9CDE9B-F8DD-4071-8B00-AEF209E4497A}"/>
+                </a:ext>
+              </a:extLst>
+            </p:cNvPr>
+            <p:cNvSpPr txBox="1"/>
+            <p:nvPr/>
+          </p:nvSpPr>
+          <p:spPr>
+            <a:xfrm>
+              <a:off x="11277186" y="4825257"/>
+              <a:ext cx="3707124" cy="708974"/>
+            </a:xfrm>
+            <a:prstGeom prst="rect">
+              <a:avLst/>
+            </a:prstGeom>
+            <a:noFill/>
+          </p:spPr>
+          <p:txBody>
+            <a:bodyPr wrap="square" rtlCol="0">
+              <a:spAutoFit/>
+            </a:bodyPr>
+            <a:lstStyle/>
+            <a:p>
+              <a:r>
+                <a:rPr lang="fr-FR" b="1" i="1" dirty="0" err="1">
+                  <a:solidFill>
+                    <a:schemeClr val="bg2">
+                      <a:lumMod val="50000"/>
+                    </a:schemeClr>
+                  </a:solidFill>
+                  <a:latin typeface="Raleway" panose="020B0503030101060003" pitchFamily="34" charset="0"/>
+                </a:rPr>
+                <a:t>Sector</a:t>
+              </a:r>
+              <a:r>
+                <a:rPr lang="fr-FR" b="1" i="1" dirty="0">
+                  <a:solidFill>
+                    <a:schemeClr val="bg2">
+                      <a:lumMod val="50000"/>
+                    </a:schemeClr>
+                  </a:solidFill>
+                  <a:latin typeface="Raleway" panose="020B0503030101060003" pitchFamily="34" charset="0"/>
+                </a:rPr>
+                <a:t> 4</a:t>
+              </a:r>
+            </a:p>
+          </p:txBody>
+        </p:sp>
+      </p:grpSp>
+      <p:sp>
+        <p:nvSpPr>
+          <p:cNvPr id="108" name="Rectangle 107">
+            <a:extLst>
+              <a:ext uri="{FF2B5EF4-FFF2-40B4-BE49-F238E27FC236}">
+                <a16:creationId xmlns:a16="http://schemas.microsoft.com/office/drawing/2014/main" id="{1B217B28-7C18-46EA-9B00-596789287AF8}"/>
+              </a:ext>
+            </a:extLst>
+          </p:cNvPr>
+          <p:cNvSpPr/>
+          <p:nvPr/>
+        </p:nvSpPr>
+        <p:spPr>
+          <a:xfrm>
+            <a:off x="-1" y="6313247"/>
+            <a:ext cx="1989913" cy="544754"/>
+          </a:xfrm>
+          <a:prstGeom prst="rect">
+            <a:avLst/>
+          </a:prstGeom>
+          <a:ln>
+            <a:noFill/>
+          </a:ln>
+        </p:spPr>
+        <p:style>
+          <a:lnRef idx="2">
+            <a:schemeClr val="dk1">
+              <a:shade val="50000"/>
+            </a:schemeClr>
+          </a:lnRef>
+          <a:fillRef idx="1">
+            <a:schemeClr val="dk1"/>
+          </a:fillRef>
+          <a:effectRef idx="0">
+            <a:schemeClr val="dk1"/>
+          </a:effectRef>
+          <a:fontRef idx="minor">
+            <a:schemeClr val="lt1"/>
+          </a:fontRef>
+        </p:style>
+        <p:txBody>
+          <a:bodyPr rtlCol="0" anchor="ctr"/>
+          <a:lstStyle/>
+          <a:p>
+            <a:pPr algn="ctr"/>
+            <a:endParaRPr lang="fr-FR" dirty="0"/>
+          </a:p>
+        </p:txBody>
+      </p:sp>
+      <p:sp>
+        <p:nvSpPr>
+          <p:cNvPr id="113" name="Sous-titre 2">
+            <a:extLst>
+              <a:ext uri="{FF2B5EF4-FFF2-40B4-BE49-F238E27FC236}">
+                <a16:creationId xmlns:a16="http://schemas.microsoft.com/office/drawing/2014/main" id="{2DF33BAE-24F8-48E6-95C7-13906CFAF66D}"/>
+              </a:ext>
+            </a:extLst>
+          </p:cNvPr>
+          <p:cNvSpPr txBox="1">
+            <a:spLocks/>
+          </p:cNvSpPr>
+          <p:nvPr/>
+        </p:nvSpPr>
+        <p:spPr>
+          <a:xfrm>
+            <a:off x="64343" y="6342128"/>
+            <a:ext cx="1897588" cy="307777"/>
+          </a:xfrm>
+          <a:prstGeom prst="rect">
+            <a:avLst/>
+          </a:prstGeom>
+        </p:spPr>
+        <p:txBody>
+          <a:bodyPr vert="horz" lIns="91440" tIns="45720" rIns="91440" bIns="45720" rtlCol="0">
+            <a:normAutofit/>
+          </a:bodyPr>
+          <a:lstStyle>
+            <a:lvl1pPr marL="0" indent="0" algn="ctr" defTabSz="914400" rtl="0" eaLnBrk="1" latinLnBrk="0" hangingPunct="1">
+              <a:lnSpc>
+                <a:spcPct val="90000"/>
+              </a:lnSpc>
+              <a:spcBef>
+                <a:spcPts val="1000"/>
+              </a:spcBef>
+              <a:buFont typeface="Arial" panose="020B0604020202020204" pitchFamily="34" charset="0"/>
+              <a:buNone/>
+              <a:defRPr sz="2400" kern="1200">
+                <a:solidFill>
+                  <a:schemeClr val="tx1"/>
+                </a:solidFill>
+                <a:latin typeface="+mn-lt"/>
+                <a:ea typeface="+mn-ea"/>
+                <a:cs typeface="+mn-cs"/>
+              </a:defRPr>
+            </a:lvl1pPr>
+            <a:lvl2pPr marL="457200" indent="0" algn="ctr" defTabSz="914400" rtl="0" eaLnBrk="1" latinLnBrk="0" hangingPunct="1">
+              <a:lnSpc>
+                <a:spcPct val="90000"/>
+              </a:lnSpc>
+              <a:spcBef>
+                <a:spcPts val="500"/>
+              </a:spcBef>
+              <a:buFont typeface="Arial" panose="020B0604020202020204" pitchFamily="34" charset="0"/>
+              <a:buNone/>
+              <a:defRPr sz="2000" kern="1200">
+                <a:solidFill>
+                  <a:schemeClr val="tx1"/>
+                </a:solidFill>
+                <a:latin typeface="+mn-lt"/>
+                <a:ea typeface="+mn-ea"/>
+                <a:cs typeface="+mn-cs"/>
+              </a:defRPr>
+            </a:lvl2pPr>
+            <a:lvl3pPr marL="914400" indent="0" algn="ctr" defTabSz="914400" rtl="0" eaLnBrk="1" latinLnBrk="0" hangingPunct="1">
+              <a:lnSpc>
+                <a:spcPct val="90000"/>
+              </a:lnSpc>
+              <a:spcBef>
+                <a:spcPts val="500"/>
+              </a:spcBef>
+              <a:buFont typeface="Arial" panose="020B0604020202020204" pitchFamily="34" charset="0"/>
+              <a:buNone/>
+              <a:defRPr sz="1800" kern="1200">
+                <a:solidFill>
+                  <a:schemeClr val="tx1"/>
+                </a:solidFill>
+                <a:latin typeface="+mn-lt"/>
+                <a:ea typeface="+mn-ea"/>
+                <a:cs typeface="+mn-cs"/>
+              </a:defRPr>
+            </a:lvl3pPr>
+            <a:lvl4pPr marL="1371600" indent="0" algn="ctr" defTabSz="914400" rtl="0" eaLnBrk="1" latinLnBrk="0" hangingPunct="1">
+              <a:lnSpc>
+                <a:spcPct val="90000"/>
+              </a:lnSpc>
+              <a:spcBef>
+                <a:spcPts val="500"/>
+              </a:spcBef>
+              <a:buFont typeface="Arial" panose="020B0604020202020204" pitchFamily="34" charset="0"/>
+              <a:buNone/>
+              <a:defRPr sz="1600" kern="1200">
+                <a:solidFill>
+                  <a:schemeClr val="tx1"/>
+                </a:solidFill>
+                <a:latin typeface="+mn-lt"/>
+                <a:ea typeface="+mn-ea"/>
+                <a:cs typeface="+mn-cs"/>
+              </a:defRPr>
+            </a:lvl4pPr>
+            <a:lvl5pPr marL="1828800" indent="0" algn="ctr" defTabSz="914400" rtl="0" eaLnBrk="1" latinLnBrk="0" hangingPunct="1">
+              <a:lnSpc>
+                <a:spcPct val="90000"/>
+              </a:lnSpc>
+              <a:spcBef>
+                <a:spcPts val="500"/>
+              </a:spcBef>
+              <a:buFont typeface="Arial" panose="020B0604020202020204" pitchFamily="34" charset="0"/>
+              <a:buNone/>
+              <a:defRPr sz="1600" kern="1200">
+                <a:solidFill>
+                  <a:schemeClr val="tx1"/>
+                </a:solidFill>
+                <a:latin typeface="+mn-lt"/>
+                <a:ea typeface="+mn-ea"/>
+                <a:cs typeface="+mn-cs"/>
+              </a:defRPr>
+            </a:lvl5pPr>
+            <a:lvl6pPr marL="2286000" indent="0" algn="ctr" defTabSz="914400" rtl="0" eaLnBrk="1" latinLnBrk="0" hangingPunct="1">
+              <a:lnSpc>
+                <a:spcPct val="90000"/>
+              </a:lnSpc>
+              <a:spcBef>
+                <a:spcPts val="500"/>
+              </a:spcBef>
+              <a:buFont typeface="Arial" panose="020B0604020202020204" pitchFamily="34" charset="0"/>
+              <a:buNone/>
+              <a:defRPr sz="1600" kern="1200">
+                <a:solidFill>
+                  <a:schemeClr val="tx1"/>
+                </a:solidFill>
+                <a:latin typeface="+mn-lt"/>
+                <a:ea typeface="+mn-ea"/>
+                <a:cs typeface="+mn-cs"/>
+              </a:defRPr>
+            </a:lvl6pPr>
+            <a:lvl7pPr marL="2743200" indent="0" algn="ctr" defTabSz="914400" rtl="0" eaLnBrk="1" latinLnBrk="0" hangingPunct="1">
+              <a:lnSpc>
+                <a:spcPct val="90000"/>
+              </a:lnSpc>
+              <a:spcBef>
+                <a:spcPts val="500"/>
+              </a:spcBef>
+              <a:buFont typeface="Arial" panose="020B0604020202020204" pitchFamily="34" charset="0"/>
+              <a:buNone/>
+              <a:defRPr sz="1600" kern="1200">
+                <a:solidFill>
+                  <a:schemeClr val="tx1"/>
+                </a:solidFill>
+                <a:latin typeface="+mn-lt"/>
+                <a:ea typeface="+mn-ea"/>
+                <a:cs typeface="+mn-cs"/>
+              </a:defRPr>
+            </a:lvl7pPr>
+            <a:lvl8pPr marL="3200400" indent="0" algn="ctr" defTabSz="914400" rtl="0" eaLnBrk="1" latinLnBrk="0" hangingPunct="1">
+              <a:lnSpc>
+                <a:spcPct val="90000"/>
+              </a:lnSpc>
+              <a:spcBef>
+                <a:spcPts val="500"/>
+              </a:spcBef>
+              <a:buFont typeface="Arial" panose="020B0604020202020204" pitchFamily="34" charset="0"/>
+              <a:buNone/>
+              <a:defRPr sz="1600" kern="1200">
+                <a:solidFill>
+                  <a:schemeClr val="tx1"/>
+                </a:solidFill>
+                <a:latin typeface="+mn-lt"/>
+                <a:ea typeface="+mn-ea"/>
+                <a:cs typeface="+mn-cs"/>
+              </a:defRPr>
+            </a:lvl8pPr>
+            <a:lvl9pPr marL="3657600" indent="0" algn="ctr" defTabSz="914400" rtl="0" eaLnBrk="1" latinLnBrk="0" hangingPunct="1">
+              <a:lnSpc>
+                <a:spcPct val="90000"/>
+              </a:lnSpc>
+              <a:spcBef>
+                <a:spcPts val="500"/>
+              </a:spcBef>
+              <a:buFont typeface="Arial" panose="020B0604020202020204" pitchFamily="34" charset="0"/>
+              <a:buNone/>
+              <a:defRPr sz="1600" kern="1200">
+                <a:solidFill>
+                  <a:schemeClr val="tx1"/>
+                </a:solidFill>
+                <a:latin typeface="+mn-lt"/>
+                <a:ea typeface="+mn-ea"/>
+                <a:cs typeface="+mn-cs"/>
+              </a:defRPr>
+            </a:lvl9pPr>
+          </a:lstStyle>
+          <a:p>
+            <a:r>
+              <a:rPr lang="fr-FR" sz="1200" b="1">
+                <a:solidFill>
+                  <a:schemeClr val="bg1"/>
+                </a:solidFill>
+                <a:latin typeface="Raleway" panose="020B0503030101060003" pitchFamily="34" charset="0"/>
+              </a:rPr>
+              <a:t>Version : </a:t>
+            </a:r>
+            <a:r>
+              <a:rPr lang="fr-FR" sz="1200">
+                <a:solidFill>
+                  <a:schemeClr val="bg1"/>
+                </a:solidFill>
+                <a:latin typeface="Raleway" panose="020B0503030101060003" pitchFamily="34" charset="0"/>
+              </a:rPr>
+              <a:t>v3.0</a:t>
+            </a:r>
+            <a:endParaRPr lang="fr-FR" sz="1200" dirty="0">
+              <a:solidFill>
+                <a:schemeClr val="bg1"/>
+              </a:solidFill>
+              <a:latin typeface="Raleway" panose="020B0503030101060003" pitchFamily="34" charset="0"/>
+            </a:endParaRPr>
+          </a:p>
+        </p:txBody>
+      </p:sp>
+      <p:sp>
+        <p:nvSpPr>
+          <p:cNvPr id="114" name="Sous-titre 2">
+            <a:extLst>
+              <a:ext uri="{FF2B5EF4-FFF2-40B4-BE49-F238E27FC236}">
+                <a16:creationId xmlns:a16="http://schemas.microsoft.com/office/drawing/2014/main" id="{18EE9549-80A0-41EE-973F-0450820A8D49}"/>
+              </a:ext>
+            </a:extLst>
+          </p:cNvPr>
+          <p:cNvSpPr txBox="1">
+            <a:spLocks/>
+          </p:cNvSpPr>
+          <p:nvPr/>
+        </p:nvSpPr>
+        <p:spPr>
+          <a:xfrm>
+            <a:off x="64342" y="6600065"/>
+            <a:ext cx="1897588" cy="307777"/>
+          </a:xfrm>
+          <a:prstGeom prst="rect">
+            <a:avLst/>
+          </a:prstGeom>
+        </p:spPr>
+        <p:txBody>
+          <a:bodyPr vert="horz" lIns="91440" tIns="45720" rIns="91440" bIns="45720" rtlCol="0">
+            <a:normAutofit/>
+          </a:bodyPr>
+          <a:lstStyle>
+            <a:lvl1pPr marL="0" indent="0" algn="ctr" defTabSz="914400" rtl="0" eaLnBrk="1" latinLnBrk="0" hangingPunct="1">
+              <a:lnSpc>
+                <a:spcPct val="90000"/>
+              </a:lnSpc>
+              <a:spcBef>
+                <a:spcPts val="1000"/>
+              </a:spcBef>
+              <a:buFont typeface="Arial" panose="020B0604020202020204" pitchFamily="34" charset="0"/>
+              <a:buNone/>
+              <a:defRPr sz="2400" kern="1200">
+                <a:solidFill>
+                  <a:schemeClr val="tx1"/>
+                </a:solidFill>
+                <a:latin typeface="+mn-lt"/>
+                <a:ea typeface="+mn-ea"/>
+                <a:cs typeface="+mn-cs"/>
+              </a:defRPr>
+            </a:lvl1pPr>
+            <a:lvl2pPr marL="457200" indent="0" algn="ctr" defTabSz="914400" rtl="0" eaLnBrk="1" latinLnBrk="0" hangingPunct="1">
+              <a:lnSpc>
+                <a:spcPct val="90000"/>
+              </a:lnSpc>
+              <a:spcBef>
+                <a:spcPts val="500"/>
+              </a:spcBef>
+              <a:buFont typeface="Arial" panose="020B0604020202020204" pitchFamily="34" charset="0"/>
+              <a:buNone/>
+              <a:defRPr sz="2000" kern="1200">
+                <a:solidFill>
+                  <a:schemeClr val="tx1"/>
+                </a:solidFill>
+                <a:latin typeface="+mn-lt"/>
+                <a:ea typeface="+mn-ea"/>
+                <a:cs typeface="+mn-cs"/>
+              </a:defRPr>
+            </a:lvl2pPr>
+            <a:lvl3pPr marL="914400" indent="0" algn="ctr" defTabSz="914400" rtl="0" eaLnBrk="1" latinLnBrk="0" hangingPunct="1">
+              <a:lnSpc>
+                <a:spcPct val="90000"/>
+              </a:lnSpc>
+              <a:spcBef>
+                <a:spcPts val="500"/>
+              </a:spcBef>
+              <a:buFont typeface="Arial" panose="020B0604020202020204" pitchFamily="34" charset="0"/>
+              <a:buNone/>
+              <a:defRPr sz="1800" kern="1200">
+                <a:solidFill>
+                  <a:schemeClr val="tx1"/>
+                </a:solidFill>
+                <a:latin typeface="+mn-lt"/>
+                <a:ea typeface="+mn-ea"/>
+                <a:cs typeface="+mn-cs"/>
+              </a:defRPr>
+            </a:lvl3pPr>
+            <a:lvl4pPr marL="1371600" indent="0" algn="ctr" defTabSz="914400" rtl="0" eaLnBrk="1" latinLnBrk="0" hangingPunct="1">
+              <a:lnSpc>
+                <a:spcPct val="90000"/>
+              </a:lnSpc>
+              <a:spcBef>
+                <a:spcPts val="500"/>
+              </a:spcBef>
+              <a:buFont typeface="Arial" panose="020B0604020202020204" pitchFamily="34" charset="0"/>
+              <a:buNone/>
+              <a:defRPr sz="1600" kern="1200">
+                <a:solidFill>
+                  <a:schemeClr val="tx1"/>
+                </a:solidFill>
+                <a:latin typeface="+mn-lt"/>
+                <a:ea typeface="+mn-ea"/>
+                <a:cs typeface="+mn-cs"/>
+              </a:defRPr>
+            </a:lvl4pPr>
+            <a:lvl5pPr marL="1828800" indent="0" algn="ctr" defTabSz="914400" rtl="0" eaLnBrk="1" latinLnBrk="0" hangingPunct="1">
+              <a:lnSpc>
+                <a:spcPct val="90000"/>
+              </a:lnSpc>
+              <a:spcBef>
+                <a:spcPts val="500"/>
+              </a:spcBef>
+              <a:buFont typeface="Arial" panose="020B0604020202020204" pitchFamily="34" charset="0"/>
+              <a:buNone/>
+              <a:defRPr sz="1600" kern="1200">
+                <a:solidFill>
+                  <a:schemeClr val="tx1"/>
+                </a:solidFill>
+                <a:latin typeface="+mn-lt"/>
+                <a:ea typeface="+mn-ea"/>
+                <a:cs typeface="+mn-cs"/>
+              </a:defRPr>
+            </a:lvl5pPr>
+            <a:lvl6pPr marL="2286000" indent="0" algn="ctr" defTabSz="914400" rtl="0" eaLnBrk="1" latinLnBrk="0" hangingPunct="1">
+              <a:lnSpc>
+                <a:spcPct val="90000"/>
+              </a:lnSpc>
+              <a:spcBef>
+                <a:spcPts val="500"/>
+              </a:spcBef>
+              <a:buFont typeface="Arial" panose="020B0604020202020204" pitchFamily="34" charset="0"/>
+              <a:buNone/>
+              <a:defRPr sz="1600" kern="1200">
+                <a:solidFill>
+                  <a:schemeClr val="tx1"/>
+                </a:solidFill>
+                <a:latin typeface="+mn-lt"/>
+                <a:ea typeface="+mn-ea"/>
+                <a:cs typeface="+mn-cs"/>
+              </a:defRPr>
+            </a:lvl6pPr>
+            <a:lvl7pPr marL="2743200" indent="0" algn="ctr" defTabSz="914400" rtl="0" eaLnBrk="1" latinLnBrk="0" hangingPunct="1">
+              <a:lnSpc>
+                <a:spcPct val="90000"/>
+              </a:lnSpc>
+              <a:spcBef>
+                <a:spcPts val="500"/>
+              </a:spcBef>
+              <a:buFont typeface="Arial" panose="020B0604020202020204" pitchFamily="34" charset="0"/>
+              <a:buNone/>
+              <a:defRPr sz="1600" kern="1200">
+                <a:solidFill>
+                  <a:schemeClr val="tx1"/>
+                </a:solidFill>
+                <a:latin typeface="+mn-lt"/>
+                <a:ea typeface="+mn-ea"/>
+                <a:cs typeface="+mn-cs"/>
+              </a:defRPr>
+            </a:lvl7pPr>
+            <a:lvl8pPr marL="3200400" indent="0" algn="ctr" defTabSz="914400" rtl="0" eaLnBrk="1" latinLnBrk="0" hangingPunct="1">
+              <a:lnSpc>
+                <a:spcPct val="90000"/>
+              </a:lnSpc>
+              <a:spcBef>
+                <a:spcPts val="500"/>
+              </a:spcBef>
+              <a:buFont typeface="Arial" panose="020B0604020202020204" pitchFamily="34" charset="0"/>
+              <a:buNone/>
+              <a:defRPr sz="1600" kern="1200">
+                <a:solidFill>
+                  <a:schemeClr val="tx1"/>
+                </a:solidFill>
+                <a:latin typeface="+mn-lt"/>
+                <a:ea typeface="+mn-ea"/>
+                <a:cs typeface="+mn-cs"/>
+              </a:defRPr>
+            </a:lvl8pPr>
+            <a:lvl9pPr marL="3657600" indent="0" algn="ctr" defTabSz="914400" rtl="0" eaLnBrk="1" latinLnBrk="0" hangingPunct="1">
+              <a:lnSpc>
+                <a:spcPct val="90000"/>
+              </a:lnSpc>
+              <a:spcBef>
+                <a:spcPts val="500"/>
+              </a:spcBef>
+              <a:buFont typeface="Arial" panose="020B0604020202020204" pitchFamily="34" charset="0"/>
+              <a:buNone/>
+              <a:defRPr sz="1600" kern="1200">
+                <a:solidFill>
+                  <a:schemeClr val="tx1"/>
+                </a:solidFill>
+                <a:latin typeface="+mn-lt"/>
+                <a:ea typeface="+mn-ea"/>
+                <a:cs typeface="+mn-cs"/>
+              </a:defRPr>
+            </a:lvl9pPr>
+          </a:lstStyle>
+          <a:p>
+            <a:r>
+              <a:rPr lang="fr-FR" sz="1200" b="1" dirty="0">
+                <a:solidFill>
+                  <a:schemeClr val="bg1"/>
+                </a:solidFill>
+                <a:latin typeface="Raleway" panose="020B0503030101060003" pitchFamily="34" charset="0"/>
+              </a:rPr>
+              <a:t>Date</a:t>
+            </a:r>
+            <a:r>
+              <a:rPr lang="fr-FR" sz="1200" dirty="0">
+                <a:solidFill>
+                  <a:schemeClr val="bg1"/>
+                </a:solidFill>
+                <a:latin typeface="Raleway" panose="020B0503030101060003" pitchFamily="34" charset="0"/>
+              </a:rPr>
+              <a:t> : 06/03/2020, CMI</a:t>
+            </a:r>
+          </a:p>
+        </p:txBody>
+      </p:sp>
+    </p:spTree>
+    <p:extLst>
+      <p:ext uri="{BB962C8B-B14F-4D97-AF65-F5344CB8AC3E}">
+        <p14:creationId xmlns:p14="http://schemas.microsoft.com/office/powerpoint/2010/main" val="3420686714"/>
+      </p:ext>
+    </p:extLst>
+  </p:cSld>
+  <p:clrMapOvr>
+    <a:masterClrMapping/>
+  </p:clrMapOvr>
+</p:sld>
+</file>
+
+<file path=ppt/slides/slide3.xml><?xml version="1.0" encoding="utf-8"?>
 <p:sld xmlns:a="http://schemas.openxmlformats.org/drawingml/2006/main" xmlns:r="http://schemas.openxmlformats.org/officeDocument/2006/relationships" xmlns:p="http://schemas.openxmlformats.org/presentationml/2006/main">
   <p:cSld>
     <p:spTree>
@@ -9400,7 +15097,7 @@
 </p:sld>
 </file>
 
-<file path=ppt/slides/slide3.xml><?xml version="1.0" encoding="utf-8"?>
+<file path=ppt/slides/slide4.xml><?xml version="1.0" encoding="utf-8"?>
 <p:sld xmlns:a="http://schemas.openxmlformats.org/drawingml/2006/main" xmlns:r="http://schemas.openxmlformats.org/officeDocument/2006/relationships" xmlns:p="http://schemas.openxmlformats.org/presentationml/2006/main">
   <p:cSld>
     <p:spTree>
@@ -10295,7 +15992,7 @@
 </p:sld>
 </file>
 
-<file path=ppt/slides/slide4.xml><?xml version="1.0" encoding="utf-8"?>
+<file path=ppt/slides/slide5.xml><?xml version="1.0" encoding="utf-8"?>
 <p:sld xmlns:a="http://schemas.openxmlformats.org/drawingml/2006/main" xmlns:r="http://schemas.openxmlformats.org/officeDocument/2006/relationships" xmlns:p="http://schemas.openxmlformats.org/presentationml/2006/main">
   <p:cSld>
     <p:spTree>
@@ -11077,7 +16774,7 @@
 </p:sld>
 </file>
 
-<file path=ppt/slides/slide5.xml><?xml version="1.0" encoding="utf-8"?>
+<file path=ppt/slides/slide6.xml><?xml version="1.0" encoding="utf-8"?>
 <p:sld xmlns:a="http://schemas.openxmlformats.org/drawingml/2006/main" xmlns:r="http://schemas.openxmlformats.org/officeDocument/2006/relationships" xmlns:p="http://schemas.openxmlformats.org/presentationml/2006/main">
   <p:cSld>
     <p:spTree>
@@ -11844,7 +17541,7 @@
 </p:sld>
 </file>
 
-<file path=ppt/slides/slide6.xml><?xml version="1.0" encoding="utf-8"?>
+<file path=ppt/slides/slide7.xml><?xml version="1.0" encoding="utf-8"?>
 <p:sld xmlns:a="http://schemas.openxmlformats.org/drawingml/2006/main" xmlns:r="http://schemas.openxmlformats.org/officeDocument/2006/relationships" xmlns:p="http://schemas.openxmlformats.org/presentationml/2006/main">
   <p:cSld>
     <p:spTree>
@@ -12593,7 +18290,7 @@
 </p:sld>
 </file>
 
-<file path=ppt/slides/slide7.xml><?xml version="1.0" encoding="utf-8"?>
+<file path=ppt/slides/slide8.xml><?xml version="1.0" encoding="utf-8"?>
 <p:sld xmlns:a="http://schemas.openxmlformats.org/drawingml/2006/main" xmlns:r="http://schemas.openxmlformats.org/officeDocument/2006/relationships" xmlns:p="http://schemas.openxmlformats.org/presentationml/2006/main">
   <p:cSld>
     <p:spTree>
@@ -13342,7 +19039,7 @@
 </p:sld>
 </file>
 
-<file path=ppt/slides/slide8.xml><?xml version="1.0" encoding="utf-8"?>
+<file path=ppt/slides/slide9.xml><?xml version="1.0" encoding="utf-8"?>
 <p:sld xmlns:a="http://schemas.openxmlformats.org/drawingml/2006/main" xmlns:r="http://schemas.openxmlformats.org/officeDocument/2006/relationships" xmlns:p="http://schemas.openxmlformats.org/presentationml/2006/main">
   <p:cSld>
     <p:spTree>
@@ -14082,755 +19779,6 @@
     <p:extLst>
       <p:ext uri="{BB962C8B-B14F-4D97-AF65-F5344CB8AC3E}">
         <p14:creationId xmlns:p14="http://schemas.microsoft.com/office/powerpoint/2010/main" val="3854079228"/>
-      </p:ext>
-    </p:extLst>
-  </p:cSld>
-  <p:clrMapOvr>
-    <a:masterClrMapping/>
-  </p:clrMapOvr>
-</p:sld>
-</file>
-
-<file path=ppt/slides/slide9.xml><?xml version="1.0" encoding="utf-8"?>
-<p:sld xmlns:a="http://schemas.openxmlformats.org/drawingml/2006/main" xmlns:r="http://schemas.openxmlformats.org/officeDocument/2006/relationships" xmlns:p="http://schemas.openxmlformats.org/presentationml/2006/main">
-  <p:cSld>
-    <p:spTree>
-      <p:nvGrpSpPr>
-        <p:cNvPr id="1" name=""/>
-        <p:cNvGrpSpPr/>
-        <p:nvPr/>
-      </p:nvGrpSpPr>
-      <p:grpSpPr>
-        <a:xfrm>
-          <a:off x="0" y="0"/>
-          <a:ext cx="0" cy="0"/>
-          <a:chOff x="0" y="0"/>
-          <a:chExt cx="0" cy="0"/>
-        </a:xfrm>
-      </p:grpSpPr>
-      <p:sp>
-        <p:nvSpPr>
-          <p:cNvPr id="3" name="Espace réservé du contenu 2">
-            <a:extLst>
-              <a:ext uri="{FF2B5EF4-FFF2-40B4-BE49-F238E27FC236}">
-                <a16:creationId xmlns:a16="http://schemas.microsoft.com/office/drawing/2014/main" id="{A8F2B748-B81E-472D-B4AF-464BD50F6F3D}"/>
-              </a:ext>
-            </a:extLst>
-          </p:cNvPr>
-          <p:cNvSpPr>
-            <a:spLocks noGrp="1"/>
-          </p:cNvSpPr>
-          <p:nvPr>
-            <p:ph idx="1"/>
-          </p:nvPr>
-        </p:nvSpPr>
-        <p:spPr>
-          <a:xfrm>
-            <a:off x="691371" y="1338040"/>
-            <a:ext cx="10515600" cy="4351338"/>
-          </a:xfrm>
-        </p:spPr>
-        <p:txBody>
-          <a:bodyPr/>
-          <a:lstStyle/>
-          <a:p>
-            <a:pPr>
-              <a:buFont typeface="Wingdings" panose="05000000000000000000" pitchFamily="2" charset="2"/>
-              <a:buChar char="§"/>
-            </a:pPr>
-            <a:r>
-              <a:rPr lang="fr-FR" dirty="0"/>
-              <a:t>…</a:t>
-            </a:r>
-          </a:p>
-          <a:p>
-            <a:pPr>
-              <a:buFont typeface="Wingdings" panose="05000000000000000000" pitchFamily="2" charset="2"/>
-              <a:buChar char="§"/>
-            </a:pPr>
-            <a:endParaRPr lang="fr-FR" dirty="0"/>
-          </a:p>
-          <a:p>
-            <a:pPr>
-              <a:buFont typeface="Wingdings" panose="05000000000000000000" pitchFamily="2" charset="2"/>
-              <a:buChar char="§"/>
-            </a:pPr>
-            <a:endParaRPr lang="fr-FR" dirty="0"/>
-          </a:p>
-          <a:p>
-            <a:pPr>
-              <a:buFont typeface="Wingdings" panose="05000000000000000000" pitchFamily="2" charset="2"/>
-              <a:buChar char="§"/>
-            </a:pPr>
-            <a:endParaRPr lang="fr-FR" dirty="0"/>
-          </a:p>
-        </p:txBody>
-      </p:sp>
-      <p:sp>
-        <p:nvSpPr>
-          <p:cNvPr id="4" name="Rectangle 3">
-            <a:extLst>
-              <a:ext uri="{FF2B5EF4-FFF2-40B4-BE49-F238E27FC236}">
-                <a16:creationId xmlns:a16="http://schemas.microsoft.com/office/drawing/2014/main" id="{F2940DA2-2C1C-4627-9760-C2535A513937}"/>
-              </a:ext>
-            </a:extLst>
-          </p:cNvPr>
-          <p:cNvSpPr/>
-          <p:nvPr/>
-        </p:nvSpPr>
-        <p:spPr>
-          <a:xfrm>
-            <a:off x="0" y="6313247"/>
-            <a:ext cx="1382746" cy="416560"/>
-          </a:xfrm>
-          <a:prstGeom prst="rect">
-            <a:avLst/>
-          </a:prstGeom>
-          <a:ln>
-            <a:noFill/>
-          </a:ln>
-        </p:spPr>
-        <p:style>
-          <a:lnRef idx="2">
-            <a:schemeClr val="dk1">
-              <a:shade val="50000"/>
-            </a:schemeClr>
-          </a:lnRef>
-          <a:fillRef idx="1">
-            <a:schemeClr val="dk1"/>
-          </a:fillRef>
-          <a:effectRef idx="0">
-            <a:schemeClr val="dk1"/>
-          </a:effectRef>
-          <a:fontRef idx="minor">
-            <a:schemeClr val="lt1"/>
-          </a:fontRef>
-        </p:style>
-        <p:txBody>
-          <a:bodyPr rtlCol="0" anchor="ctr"/>
-          <a:lstStyle/>
-          <a:p>
-            <a:pPr algn="ctr"/>
-            <a:endParaRPr lang="fr-FR"/>
-          </a:p>
-        </p:txBody>
-      </p:sp>
-      <p:sp>
-        <p:nvSpPr>
-          <p:cNvPr id="5" name="Sous-titre 2">
-            <a:extLst>
-              <a:ext uri="{FF2B5EF4-FFF2-40B4-BE49-F238E27FC236}">
-                <a16:creationId xmlns:a16="http://schemas.microsoft.com/office/drawing/2014/main" id="{C15DF406-1DC9-4677-8B61-A7DA3D313EBC}"/>
-              </a:ext>
-            </a:extLst>
-          </p:cNvPr>
-          <p:cNvSpPr txBox="1">
-            <a:spLocks/>
-          </p:cNvSpPr>
-          <p:nvPr/>
-        </p:nvSpPr>
-        <p:spPr>
-          <a:xfrm>
-            <a:off x="64343" y="6422030"/>
-            <a:ext cx="1254059" cy="307777"/>
-          </a:xfrm>
-          <a:prstGeom prst="rect">
-            <a:avLst/>
-          </a:prstGeom>
-        </p:spPr>
-        <p:txBody>
-          <a:bodyPr vert="horz" lIns="91440" tIns="45720" rIns="91440" bIns="45720" rtlCol="0">
-            <a:normAutofit fontScale="77500" lnSpcReduction="20000"/>
-          </a:bodyPr>
-          <a:lstStyle>
-            <a:lvl1pPr marL="228600" indent="-228600" algn="l" defTabSz="914400" rtl="0" eaLnBrk="1" latinLnBrk="0" hangingPunct="1">
-              <a:lnSpc>
-                <a:spcPct val="90000"/>
-              </a:lnSpc>
-              <a:spcBef>
-                <a:spcPts val="1000"/>
-              </a:spcBef>
-              <a:buFont typeface="Arial" panose="020B0604020202020204" pitchFamily="34" charset="0"/>
-              <a:buChar char="•"/>
-              <a:defRPr sz="2800" kern="1200">
-                <a:solidFill>
-                  <a:schemeClr val="tx1"/>
-                </a:solidFill>
-                <a:latin typeface="+mn-lt"/>
-                <a:ea typeface="+mn-ea"/>
-                <a:cs typeface="+mn-cs"/>
-              </a:defRPr>
-            </a:lvl1pPr>
-            <a:lvl2pPr marL="685800" indent="-228600" algn="l" defTabSz="914400" rtl="0" eaLnBrk="1" latinLnBrk="0" hangingPunct="1">
-              <a:lnSpc>
-                <a:spcPct val="90000"/>
-              </a:lnSpc>
-              <a:spcBef>
-                <a:spcPts val="500"/>
-              </a:spcBef>
-              <a:buFont typeface="Arial" panose="020B0604020202020204" pitchFamily="34" charset="0"/>
-              <a:buChar char="•"/>
-              <a:defRPr sz="2400" kern="1200">
-                <a:solidFill>
-                  <a:schemeClr val="tx1"/>
-                </a:solidFill>
-                <a:latin typeface="+mn-lt"/>
-                <a:ea typeface="+mn-ea"/>
-                <a:cs typeface="+mn-cs"/>
-              </a:defRPr>
-            </a:lvl2pPr>
-            <a:lvl3pPr marL="1143000" indent="-228600" algn="l" defTabSz="914400" rtl="0" eaLnBrk="1" latinLnBrk="0" hangingPunct="1">
-              <a:lnSpc>
-                <a:spcPct val="90000"/>
-              </a:lnSpc>
-              <a:spcBef>
-                <a:spcPts val="500"/>
-              </a:spcBef>
-              <a:buFont typeface="Arial" panose="020B0604020202020204" pitchFamily="34" charset="0"/>
-              <a:buChar char="•"/>
-              <a:defRPr sz="2000" kern="1200">
-                <a:solidFill>
-                  <a:schemeClr val="tx1"/>
-                </a:solidFill>
-                <a:latin typeface="+mn-lt"/>
-                <a:ea typeface="+mn-ea"/>
-                <a:cs typeface="+mn-cs"/>
-              </a:defRPr>
-            </a:lvl3pPr>
-            <a:lvl4pPr marL="1600200" indent="-228600" algn="l" defTabSz="914400" rtl="0" eaLnBrk="1" latinLnBrk="0" hangingPunct="1">
-              <a:lnSpc>
-                <a:spcPct val="90000"/>
-              </a:lnSpc>
-              <a:spcBef>
-                <a:spcPts val="500"/>
-              </a:spcBef>
-              <a:buFont typeface="Arial" panose="020B0604020202020204" pitchFamily="34" charset="0"/>
-              <a:buChar char="•"/>
-              <a:defRPr sz="1800" kern="1200">
-                <a:solidFill>
-                  <a:schemeClr val="tx1"/>
-                </a:solidFill>
-                <a:latin typeface="+mn-lt"/>
-                <a:ea typeface="+mn-ea"/>
-                <a:cs typeface="+mn-cs"/>
-              </a:defRPr>
-            </a:lvl4pPr>
-            <a:lvl5pPr marL="2057400" indent="-228600" algn="l" defTabSz="914400" rtl="0" eaLnBrk="1" latinLnBrk="0" hangingPunct="1">
-              <a:lnSpc>
-                <a:spcPct val="90000"/>
-              </a:lnSpc>
-              <a:spcBef>
-                <a:spcPts val="500"/>
-              </a:spcBef>
-              <a:buFont typeface="Arial" panose="020B0604020202020204" pitchFamily="34" charset="0"/>
-              <a:buChar char="•"/>
-              <a:defRPr sz="1800" kern="1200">
-                <a:solidFill>
-                  <a:schemeClr val="tx1"/>
-                </a:solidFill>
-                <a:latin typeface="+mn-lt"/>
-                <a:ea typeface="+mn-ea"/>
-                <a:cs typeface="+mn-cs"/>
-              </a:defRPr>
-            </a:lvl5pPr>
-            <a:lvl6pPr marL="2514600" indent="-228600" algn="l" defTabSz="914400" rtl="0" eaLnBrk="1" latinLnBrk="0" hangingPunct="1">
-              <a:lnSpc>
-                <a:spcPct val="90000"/>
-              </a:lnSpc>
-              <a:spcBef>
-                <a:spcPts val="500"/>
-              </a:spcBef>
-              <a:buFont typeface="Arial" panose="020B0604020202020204" pitchFamily="34" charset="0"/>
-              <a:buChar char="•"/>
-              <a:defRPr sz="1800" kern="1200">
-                <a:solidFill>
-                  <a:schemeClr val="tx1"/>
-                </a:solidFill>
-                <a:latin typeface="+mn-lt"/>
-                <a:ea typeface="+mn-ea"/>
-                <a:cs typeface="+mn-cs"/>
-              </a:defRPr>
-            </a:lvl6pPr>
-            <a:lvl7pPr marL="2971800" indent="-228600" algn="l" defTabSz="914400" rtl="0" eaLnBrk="1" latinLnBrk="0" hangingPunct="1">
-              <a:lnSpc>
-                <a:spcPct val="90000"/>
-              </a:lnSpc>
-              <a:spcBef>
-                <a:spcPts val="500"/>
-              </a:spcBef>
-              <a:buFont typeface="Arial" panose="020B0604020202020204" pitchFamily="34" charset="0"/>
-              <a:buChar char="•"/>
-              <a:defRPr sz="1800" kern="1200">
-                <a:solidFill>
-                  <a:schemeClr val="tx1"/>
-                </a:solidFill>
-                <a:latin typeface="+mn-lt"/>
-                <a:ea typeface="+mn-ea"/>
-                <a:cs typeface="+mn-cs"/>
-              </a:defRPr>
-            </a:lvl7pPr>
-            <a:lvl8pPr marL="3429000" indent="-228600" algn="l" defTabSz="914400" rtl="0" eaLnBrk="1" latinLnBrk="0" hangingPunct="1">
-              <a:lnSpc>
-                <a:spcPct val="90000"/>
-              </a:lnSpc>
-              <a:spcBef>
-                <a:spcPts val="500"/>
-              </a:spcBef>
-              <a:buFont typeface="Arial" panose="020B0604020202020204" pitchFamily="34" charset="0"/>
-              <a:buChar char="•"/>
-              <a:defRPr sz="1800" kern="1200">
-                <a:solidFill>
-                  <a:schemeClr val="tx1"/>
-                </a:solidFill>
-                <a:latin typeface="+mn-lt"/>
-                <a:ea typeface="+mn-ea"/>
-                <a:cs typeface="+mn-cs"/>
-              </a:defRPr>
-            </a:lvl8pPr>
-            <a:lvl9pPr marL="3886200" indent="-228600" algn="l" defTabSz="914400" rtl="0" eaLnBrk="1" latinLnBrk="0" hangingPunct="1">
-              <a:lnSpc>
-                <a:spcPct val="90000"/>
-              </a:lnSpc>
-              <a:spcBef>
-                <a:spcPts val="500"/>
-              </a:spcBef>
-              <a:buFont typeface="Arial" panose="020B0604020202020204" pitchFamily="34" charset="0"/>
-              <a:buChar char="•"/>
-              <a:defRPr sz="1800" kern="1200">
-                <a:solidFill>
-                  <a:schemeClr val="tx1"/>
-                </a:solidFill>
-                <a:latin typeface="+mn-lt"/>
-                <a:ea typeface="+mn-ea"/>
-                <a:cs typeface="+mn-cs"/>
-              </a:defRPr>
-            </a:lvl9pPr>
-          </a:lstStyle>
-          <a:p>
-            <a:pPr marL="0" indent="0">
-              <a:buNone/>
-            </a:pPr>
-            <a:r>
-              <a:rPr lang="fr-FR" sz="1600" b="1" dirty="0">
-                <a:solidFill>
-                  <a:schemeClr val="bg1"/>
-                </a:solidFill>
-                <a:latin typeface="Raleway" panose="020B0503030101060003" pitchFamily="34" charset="0"/>
-              </a:rPr>
-              <a:t>Version : </a:t>
-            </a:r>
-            <a:r>
-              <a:rPr lang="fr-FR" sz="1600" dirty="0">
-                <a:solidFill>
-                  <a:schemeClr val="bg1"/>
-                </a:solidFill>
-                <a:latin typeface="Raleway" panose="020B0503030101060003" pitchFamily="34" charset="0"/>
-              </a:rPr>
-              <a:t>v3.0</a:t>
-            </a:r>
-          </a:p>
-        </p:txBody>
-      </p:sp>
-      <p:grpSp>
-        <p:nvGrpSpPr>
-          <p:cNvPr id="6" name="Groupe 5">
-            <a:extLst>
-              <a:ext uri="{FF2B5EF4-FFF2-40B4-BE49-F238E27FC236}">
-                <a16:creationId xmlns:a16="http://schemas.microsoft.com/office/drawing/2014/main" id="{563DB308-10D2-4C17-9F31-A8429D30CB77}"/>
-              </a:ext>
-            </a:extLst>
-          </p:cNvPr>
-          <p:cNvGrpSpPr/>
-          <p:nvPr/>
-        </p:nvGrpSpPr>
-        <p:grpSpPr>
-          <a:xfrm>
-            <a:off x="0" y="147898"/>
-            <a:ext cx="4132881" cy="595606"/>
-            <a:chOff x="3197013" y="142241"/>
-            <a:chExt cx="5777654" cy="595606"/>
-          </a:xfrm>
-          <a:solidFill>
-            <a:schemeClr val="accent6">
-              <a:lumMod val="75000"/>
-            </a:schemeClr>
-          </a:solidFill>
-        </p:grpSpPr>
-        <p:sp>
-          <p:nvSpPr>
-            <p:cNvPr id="7" name="Rectangle 6">
-              <a:extLst>
-                <a:ext uri="{FF2B5EF4-FFF2-40B4-BE49-F238E27FC236}">
-                  <a16:creationId xmlns:a16="http://schemas.microsoft.com/office/drawing/2014/main" id="{D7292B60-3E02-47A9-9750-5884747324EE}"/>
-                </a:ext>
-              </a:extLst>
-            </p:cNvPr>
-            <p:cNvSpPr/>
-            <p:nvPr/>
-          </p:nvSpPr>
-          <p:spPr>
-            <a:xfrm>
-              <a:off x="3197013" y="142241"/>
-              <a:ext cx="5662507" cy="595606"/>
-            </a:xfrm>
-            <a:prstGeom prst="rect">
-              <a:avLst/>
-            </a:prstGeom>
-            <a:grpFill/>
-            <a:ln>
-              <a:noFill/>
-            </a:ln>
-          </p:spPr>
-          <p:style>
-            <a:lnRef idx="2">
-              <a:schemeClr val="dk1">
-                <a:shade val="50000"/>
-              </a:schemeClr>
-            </a:lnRef>
-            <a:fillRef idx="1">
-              <a:schemeClr val="dk1"/>
-            </a:fillRef>
-            <a:effectRef idx="0">
-              <a:schemeClr val="dk1"/>
-            </a:effectRef>
-            <a:fontRef idx="minor">
-              <a:schemeClr val="lt1"/>
-            </a:fontRef>
-          </p:style>
-          <p:txBody>
-            <a:bodyPr rtlCol="0" anchor="ctr"/>
-            <a:lstStyle/>
-            <a:p>
-              <a:pPr algn="ctr"/>
-              <a:endParaRPr lang="fr-FR"/>
-            </a:p>
-          </p:txBody>
-        </p:sp>
-        <p:sp>
-          <p:nvSpPr>
-            <p:cNvPr id="8" name="ZoneTexte 7">
-              <a:extLst>
-                <a:ext uri="{FF2B5EF4-FFF2-40B4-BE49-F238E27FC236}">
-                  <a16:creationId xmlns:a16="http://schemas.microsoft.com/office/drawing/2014/main" id="{0FA94EE8-02E0-445C-9C1E-AED7843CB65D}"/>
-                </a:ext>
-              </a:extLst>
-            </p:cNvPr>
-            <p:cNvSpPr txBox="1"/>
-            <p:nvPr/>
-          </p:nvSpPr>
-          <p:spPr>
-            <a:xfrm>
-              <a:off x="3217333" y="255378"/>
-              <a:ext cx="5757334" cy="369332"/>
-            </a:xfrm>
-            <a:prstGeom prst="rect">
-              <a:avLst/>
-            </a:prstGeom>
-            <a:noFill/>
-          </p:spPr>
-          <p:txBody>
-            <a:bodyPr wrap="square" rtlCol="0">
-              <a:spAutoFit/>
-            </a:bodyPr>
-            <a:lstStyle/>
-            <a:p>
-              <a:r>
-                <a:rPr lang="fr-FR" b="1" dirty="0" err="1">
-                  <a:solidFill>
-                    <a:schemeClr val="bg1"/>
-                  </a:solidFill>
-                  <a:latin typeface="Raleway" panose="020B0503030101060003" pitchFamily="34" charset="0"/>
-                </a:rPr>
-                <a:t>Sector</a:t>
-              </a:r>
-              <a:r>
-                <a:rPr lang="fr-FR" b="1" dirty="0">
-                  <a:solidFill>
-                    <a:schemeClr val="bg1"/>
-                  </a:solidFill>
-                  <a:latin typeface="Raleway" panose="020B0503030101060003" pitchFamily="34" charset="0"/>
-                </a:rPr>
-                <a:t> 7 : …</a:t>
-              </a:r>
-            </a:p>
-          </p:txBody>
-        </p:sp>
-      </p:grpSp>
-      <p:sp>
-        <p:nvSpPr>
-          <p:cNvPr id="9" name="Rectangle 8">
-            <a:extLst>
-              <a:ext uri="{FF2B5EF4-FFF2-40B4-BE49-F238E27FC236}">
-                <a16:creationId xmlns:a16="http://schemas.microsoft.com/office/drawing/2014/main" id="{4D1F1A92-53E9-4A24-B026-9B7050E5D438}"/>
-              </a:ext>
-            </a:extLst>
-          </p:cNvPr>
-          <p:cNvSpPr/>
-          <p:nvPr/>
-        </p:nvSpPr>
-        <p:spPr>
-          <a:xfrm>
-            <a:off x="0" y="805853"/>
-            <a:ext cx="1382746" cy="351830"/>
-          </a:xfrm>
-          <a:prstGeom prst="rect">
-            <a:avLst/>
-          </a:prstGeom>
-          <a:ln>
-            <a:noFill/>
-          </a:ln>
-        </p:spPr>
-        <p:style>
-          <a:lnRef idx="2">
-            <a:schemeClr val="dk1">
-              <a:shade val="50000"/>
-            </a:schemeClr>
-          </a:lnRef>
-          <a:fillRef idx="1">
-            <a:schemeClr val="dk1"/>
-          </a:fillRef>
-          <a:effectRef idx="0">
-            <a:schemeClr val="dk1"/>
-          </a:effectRef>
-          <a:fontRef idx="minor">
-            <a:schemeClr val="lt1"/>
-          </a:fontRef>
-        </p:style>
-        <p:txBody>
-          <a:bodyPr rtlCol="0" anchor="ctr"/>
-          <a:lstStyle/>
-          <a:p>
-            <a:pPr algn="ctr"/>
-            <a:endParaRPr lang="fr-FR"/>
-          </a:p>
-        </p:txBody>
-      </p:sp>
-      <p:sp>
-        <p:nvSpPr>
-          <p:cNvPr id="10" name="Sous-titre 2">
-            <a:extLst>
-              <a:ext uri="{FF2B5EF4-FFF2-40B4-BE49-F238E27FC236}">
-                <a16:creationId xmlns:a16="http://schemas.microsoft.com/office/drawing/2014/main" id="{18C91692-9982-40A4-AFA2-A2EC7D5669B3}"/>
-              </a:ext>
-            </a:extLst>
-          </p:cNvPr>
-          <p:cNvSpPr txBox="1">
-            <a:spLocks/>
-          </p:cNvSpPr>
-          <p:nvPr/>
-        </p:nvSpPr>
-        <p:spPr>
-          <a:xfrm>
-            <a:off x="64342" y="852287"/>
-            <a:ext cx="1254059" cy="307777"/>
-          </a:xfrm>
-          <a:prstGeom prst="rect">
-            <a:avLst/>
-          </a:prstGeom>
-        </p:spPr>
-        <p:txBody>
-          <a:bodyPr vert="horz" lIns="91440" tIns="45720" rIns="91440" bIns="45720" rtlCol="0">
-            <a:normAutofit lnSpcReduction="10000"/>
-          </a:bodyPr>
-          <a:lstStyle>
-            <a:lvl1pPr marL="228600" indent="-228600" algn="l" defTabSz="914400" rtl="0" eaLnBrk="1" latinLnBrk="0" hangingPunct="1">
-              <a:lnSpc>
-                <a:spcPct val="90000"/>
-              </a:lnSpc>
-              <a:spcBef>
-                <a:spcPts val="1000"/>
-              </a:spcBef>
-              <a:buFont typeface="Arial" panose="020B0604020202020204" pitchFamily="34" charset="0"/>
-              <a:buChar char="•"/>
-              <a:defRPr sz="2800" kern="1200">
-                <a:solidFill>
-                  <a:schemeClr val="tx1"/>
-                </a:solidFill>
-                <a:latin typeface="+mn-lt"/>
-                <a:ea typeface="+mn-ea"/>
-                <a:cs typeface="+mn-cs"/>
-              </a:defRPr>
-            </a:lvl1pPr>
-            <a:lvl2pPr marL="685800" indent="-228600" algn="l" defTabSz="914400" rtl="0" eaLnBrk="1" latinLnBrk="0" hangingPunct="1">
-              <a:lnSpc>
-                <a:spcPct val="90000"/>
-              </a:lnSpc>
-              <a:spcBef>
-                <a:spcPts val="500"/>
-              </a:spcBef>
-              <a:buFont typeface="Arial" panose="020B0604020202020204" pitchFamily="34" charset="0"/>
-              <a:buChar char="•"/>
-              <a:defRPr sz="2400" kern="1200">
-                <a:solidFill>
-                  <a:schemeClr val="tx1"/>
-                </a:solidFill>
-                <a:latin typeface="+mn-lt"/>
-                <a:ea typeface="+mn-ea"/>
-                <a:cs typeface="+mn-cs"/>
-              </a:defRPr>
-            </a:lvl2pPr>
-            <a:lvl3pPr marL="1143000" indent="-228600" algn="l" defTabSz="914400" rtl="0" eaLnBrk="1" latinLnBrk="0" hangingPunct="1">
-              <a:lnSpc>
-                <a:spcPct val="90000"/>
-              </a:lnSpc>
-              <a:spcBef>
-                <a:spcPts val="500"/>
-              </a:spcBef>
-              <a:buFont typeface="Arial" panose="020B0604020202020204" pitchFamily="34" charset="0"/>
-              <a:buChar char="•"/>
-              <a:defRPr sz="2000" kern="1200">
-                <a:solidFill>
-                  <a:schemeClr val="tx1"/>
-                </a:solidFill>
-                <a:latin typeface="+mn-lt"/>
-                <a:ea typeface="+mn-ea"/>
-                <a:cs typeface="+mn-cs"/>
-              </a:defRPr>
-            </a:lvl3pPr>
-            <a:lvl4pPr marL="1600200" indent="-228600" algn="l" defTabSz="914400" rtl="0" eaLnBrk="1" latinLnBrk="0" hangingPunct="1">
-              <a:lnSpc>
-                <a:spcPct val="90000"/>
-              </a:lnSpc>
-              <a:spcBef>
-                <a:spcPts val="500"/>
-              </a:spcBef>
-              <a:buFont typeface="Arial" panose="020B0604020202020204" pitchFamily="34" charset="0"/>
-              <a:buChar char="•"/>
-              <a:defRPr sz="1800" kern="1200">
-                <a:solidFill>
-                  <a:schemeClr val="tx1"/>
-                </a:solidFill>
-                <a:latin typeface="+mn-lt"/>
-                <a:ea typeface="+mn-ea"/>
-                <a:cs typeface="+mn-cs"/>
-              </a:defRPr>
-            </a:lvl4pPr>
-            <a:lvl5pPr marL="2057400" indent="-228600" algn="l" defTabSz="914400" rtl="0" eaLnBrk="1" latinLnBrk="0" hangingPunct="1">
-              <a:lnSpc>
-                <a:spcPct val="90000"/>
-              </a:lnSpc>
-              <a:spcBef>
-                <a:spcPts val="500"/>
-              </a:spcBef>
-              <a:buFont typeface="Arial" panose="020B0604020202020204" pitchFamily="34" charset="0"/>
-              <a:buChar char="•"/>
-              <a:defRPr sz="1800" kern="1200">
-                <a:solidFill>
-                  <a:schemeClr val="tx1"/>
-                </a:solidFill>
-                <a:latin typeface="+mn-lt"/>
-                <a:ea typeface="+mn-ea"/>
-                <a:cs typeface="+mn-cs"/>
-              </a:defRPr>
-            </a:lvl5pPr>
-            <a:lvl6pPr marL="2514600" indent="-228600" algn="l" defTabSz="914400" rtl="0" eaLnBrk="1" latinLnBrk="0" hangingPunct="1">
-              <a:lnSpc>
-                <a:spcPct val="90000"/>
-              </a:lnSpc>
-              <a:spcBef>
-                <a:spcPts val="500"/>
-              </a:spcBef>
-              <a:buFont typeface="Arial" panose="020B0604020202020204" pitchFamily="34" charset="0"/>
-              <a:buChar char="•"/>
-              <a:defRPr sz="1800" kern="1200">
-                <a:solidFill>
-                  <a:schemeClr val="tx1"/>
-                </a:solidFill>
-                <a:latin typeface="+mn-lt"/>
-                <a:ea typeface="+mn-ea"/>
-                <a:cs typeface="+mn-cs"/>
-              </a:defRPr>
-            </a:lvl6pPr>
-            <a:lvl7pPr marL="2971800" indent="-228600" algn="l" defTabSz="914400" rtl="0" eaLnBrk="1" latinLnBrk="0" hangingPunct="1">
-              <a:lnSpc>
-                <a:spcPct val="90000"/>
-              </a:lnSpc>
-              <a:spcBef>
-                <a:spcPts val="500"/>
-              </a:spcBef>
-              <a:buFont typeface="Arial" panose="020B0604020202020204" pitchFamily="34" charset="0"/>
-              <a:buChar char="•"/>
-              <a:defRPr sz="1800" kern="1200">
-                <a:solidFill>
-                  <a:schemeClr val="tx1"/>
-                </a:solidFill>
-                <a:latin typeface="+mn-lt"/>
-                <a:ea typeface="+mn-ea"/>
-                <a:cs typeface="+mn-cs"/>
-              </a:defRPr>
-            </a:lvl7pPr>
-            <a:lvl8pPr marL="3429000" indent="-228600" algn="l" defTabSz="914400" rtl="0" eaLnBrk="1" latinLnBrk="0" hangingPunct="1">
-              <a:lnSpc>
-                <a:spcPct val="90000"/>
-              </a:lnSpc>
-              <a:spcBef>
-                <a:spcPts val="500"/>
-              </a:spcBef>
-              <a:buFont typeface="Arial" panose="020B0604020202020204" pitchFamily="34" charset="0"/>
-              <a:buChar char="•"/>
-              <a:defRPr sz="1800" kern="1200">
-                <a:solidFill>
-                  <a:schemeClr val="tx1"/>
-                </a:solidFill>
-                <a:latin typeface="+mn-lt"/>
-                <a:ea typeface="+mn-ea"/>
-                <a:cs typeface="+mn-cs"/>
-              </a:defRPr>
-            </a:lvl8pPr>
-            <a:lvl9pPr marL="3886200" indent="-228600" algn="l" defTabSz="914400" rtl="0" eaLnBrk="1" latinLnBrk="0" hangingPunct="1">
-              <a:lnSpc>
-                <a:spcPct val="90000"/>
-              </a:lnSpc>
-              <a:spcBef>
-                <a:spcPts val="500"/>
-              </a:spcBef>
-              <a:buFont typeface="Arial" panose="020B0604020202020204" pitchFamily="34" charset="0"/>
-              <a:buChar char="•"/>
-              <a:defRPr sz="1800" kern="1200">
-                <a:solidFill>
-                  <a:schemeClr val="tx1"/>
-                </a:solidFill>
-                <a:latin typeface="+mn-lt"/>
-                <a:ea typeface="+mn-ea"/>
-                <a:cs typeface="+mn-cs"/>
-              </a:defRPr>
-            </a:lvl9pPr>
-          </a:lstStyle>
-          <a:p>
-            <a:pPr marL="0" indent="0">
-              <a:buNone/>
-            </a:pPr>
-            <a:r>
-              <a:rPr lang="fr-FR" sz="1600" b="1" dirty="0" err="1">
-                <a:solidFill>
-                  <a:schemeClr val="bg1"/>
-                </a:solidFill>
-                <a:latin typeface="Raleway" panose="020B0503030101060003" pitchFamily="34" charset="0"/>
-              </a:rPr>
-              <a:t>Officer</a:t>
-            </a:r>
-            <a:r>
-              <a:rPr lang="fr-FR" sz="1600" b="1" dirty="0">
-                <a:solidFill>
-                  <a:schemeClr val="bg1"/>
-                </a:solidFill>
-                <a:latin typeface="Raleway" panose="020B0503030101060003" pitchFamily="34" charset="0"/>
-              </a:rPr>
-              <a:t> : …</a:t>
-            </a:r>
-            <a:endParaRPr lang="fr-FR" sz="1600" dirty="0">
-              <a:solidFill>
-                <a:schemeClr val="bg1"/>
-              </a:solidFill>
-              <a:latin typeface="Raleway" panose="020B0503030101060003" pitchFamily="34" charset="0"/>
-            </a:endParaRPr>
-          </a:p>
-        </p:txBody>
-      </p:sp>
-    </p:spTree>
-    <p:extLst>
-      <p:ext uri="{BB962C8B-B14F-4D97-AF65-F5344CB8AC3E}">
-        <p14:creationId xmlns:p14="http://schemas.microsoft.com/office/powerpoint/2010/main" val="2495371813"/>
       </p:ext>
     </p:extLst>
   </p:cSld>
